--- a/documentation/Qualitätssicherung/Qualitätssicherung_Präsentation.pptx
+++ b/documentation/Qualitätssicherung/Qualitätssicherung_Präsentation.pptx
@@ -8,13 +8,17 @@
     <p:sldId id="256" r:id="rId2"/>
     <p:sldId id="257" r:id="rId3"/>
     <p:sldId id="265" r:id="rId4"/>
-    <p:sldId id="266" r:id="rId5"/>
-    <p:sldId id="269" r:id="rId6"/>
-    <p:sldId id="270" r:id="rId7"/>
-    <p:sldId id="271" r:id="rId8"/>
-    <p:sldId id="267" r:id="rId9"/>
+    <p:sldId id="267" r:id="rId5"/>
+    <p:sldId id="266" r:id="rId6"/>
+    <p:sldId id="269" r:id="rId7"/>
+    <p:sldId id="270" r:id="rId8"/>
+    <p:sldId id="271" r:id="rId9"/>
     <p:sldId id="268" r:id="rId10"/>
-    <p:sldId id="264" r:id="rId11"/>
+    <p:sldId id="273" r:id="rId11"/>
+    <p:sldId id="274" r:id="rId12"/>
+    <p:sldId id="275" r:id="rId13"/>
+    <p:sldId id="277" r:id="rId14"/>
+    <p:sldId id="264" r:id="rId15"/>
   </p:sldIdLst>
   <p:sldSz cx="9144000" cy="6858000" type="screen4x3"/>
   <p:notesSz cx="6858000" cy="9144000"/>
@@ -132,6 +136,2910 @@
 </p:presentation>
 </file>
 
+<file path=ppt/charts/chart1.xml><?xml version="1.0" encoding="utf-8"?>
+<c:chartSpace xmlns:c="http://schemas.openxmlformats.org/drawingml/2006/chart" xmlns:a="http://schemas.openxmlformats.org/drawingml/2006/main" xmlns:r="http://schemas.openxmlformats.org/officeDocument/2006/relationships" xmlns:c16r2="http://schemas.microsoft.com/office/drawing/2015/06/chart">
+  <c:date1904 val="0"/>
+  <c:lang val="de-DE"/>
+  <c:roundedCorners val="0"/>
+  <mc:AlternateContent xmlns:mc="http://schemas.openxmlformats.org/markup-compatibility/2006">
+    <mc:Choice xmlns:c14="http://schemas.microsoft.com/office/drawing/2007/8/2/chart" Requires="c14">
+      <c14:style val="102"/>
+    </mc:Choice>
+    <mc:Fallback>
+      <c:style val="2"/>
+    </mc:Fallback>
+  </mc:AlternateContent>
+  <c:chart>
+    <c:title>
+      <c:tx>
+        <c:rich>
+          <a:bodyPr rot="0" spcFirstLastPara="1" vertOverflow="ellipsis" vert="horz" wrap="square" anchor="ctr" anchorCtr="1"/>
+          <a:lstStyle/>
+          <a:p>
+            <a:pPr>
+              <a:defRPr sz="1862" b="0" i="0" u="none" strike="noStrike" kern="1200" spc="0" baseline="0">
+                <a:solidFill>
+                  <a:schemeClr val="tx1">
+                    <a:lumMod val="65000"/>
+                    <a:lumOff val="35000"/>
+                  </a:schemeClr>
+                </a:solidFill>
+                <a:latin typeface="+mn-lt"/>
+                <a:ea typeface="+mn-ea"/>
+                <a:cs typeface="+mn-cs"/>
+              </a:defRPr>
+            </a:pPr>
+            <a:r>
+              <a:rPr lang="de-DE" baseline="0" dirty="0"/>
+              <a:t>Unterschiedliche Aufgaben </a:t>
+            </a:r>
+            <a:endParaRPr lang="de-DE" dirty="0"/>
+          </a:p>
+        </c:rich>
+      </c:tx>
+      <c:overlay val="0"/>
+      <c:spPr>
+        <a:noFill/>
+        <a:ln>
+          <a:noFill/>
+        </a:ln>
+        <a:effectLst/>
+      </c:spPr>
+      <c:txPr>
+        <a:bodyPr rot="0" spcFirstLastPara="1" vertOverflow="ellipsis" vert="horz" wrap="square" anchor="ctr" anchorCtr="1"/>
+        <a:lstStyle/>
+        <a:p>
+          <a:pPr>
+            <a:defRPr sz="1862" b="0" i="0" u="none" strike="noStrike" kern="1200" spc="0" baseline="0">
+              <a:solidFill>
+                <a:schemeClr val="tx1">
+                  <a:lumMod val="65000"/>
+                  <a:lumOff val="35000"/>
+                </a:schemeClr>
+              </a:solidFill>
+              <a:latin typeface="+mn-lt"/>
+              <a:ea typeface="+mn-ea"/>
+              <a:cs typeface="+mn-cs"/>
+            </a:defRPr>
+          </a:pPr>
+          <a:endParaRPr lang="de-DE"/>
+        </a:p>
+      </c:txPr>
+    </c:title>
+    <c:autoTitleDeleted val="0"/>
+    <c:plotArea>
+      <c:layout/>
+      <c:barChart>
+        <c:barDir val="bar"/>
+        <c:grouping val="clustered"/>
+        <c:varyColors val="0"/>
+        <c:ser>
+          <c:idx val="0"/>
+          <c:order val="0"/>
+          <c:tx>
+            <c:strRef>
+              <c:f>Tabelle1!$B$1</c:f>
+              <c:strCache>
+                <c:ptCount val="1"/>
+                <c:pt idx="0">
+                  <c:v>unverständlich/verständlich</c:v>
+                </c:pt>
+              </c:strCache>
+            </c:strRef>
+          </c:tx>
+          <c:spPr>
+            <a:solidFill>
+              <a:schemeClr val="accent1"/>
+            </a:solidFill>
+            <a:ln>
+              <a:noFill/>
+            </a:ln>
+            <a:effectLst/>
+          </c:spPr>
+          <c:invertIfNegative val="0"/>
+          <c:cat>
+            <c:strRef>
+              <c:f>Tabelle1!$A$2:$A$3</c:f>
+              <c:strCache>
+                <c:ptCount val="2"/>
+                <c:pt idx="0">
+                  <c:v>Accesscode eingeben</c:v>
+                </c:pt>
+                <c:pt idx="1">
+                  <c:v>Erstelle eine WG</c:v>
+                </c:pt>
+              </c:strCache>
+            </c:strRef>
+          </c:cat>
+          <c:val>
+            <c:numRef>
+              <c:f>Tabelle1!$B$2:$B$3</c:f>
+              <c:numCache>
+                <c:formatCode>General</c:formatCode>
+                <c:ptCount val="2"/>
+                <c:pt idx="0">
+                  <c:v>5.6666999999999996</c:v>
+                </c:pt>
+                <c:pt idx="1">
+                  <c:v>6.5</c:v>
+                </c:pt>
+              </c:numCache>
+            </c:numRef>
+          </c:val>
+          <c:extLst>
+            <c:ext xmlns:c16="http://schemas.microsoft.com/office/drawing/2014/chart" uri="{C3380CC4-5D6E-409C-BE32-E72D297353CC}">
+              <c16:uniqueId val="{00000000-5253-460E-879C-581206D8B81C}"/>
+            </c:ext>
+          </c:extLst>
+        </c:ser>
+        <c:ser>
+          <c:idx val="1"/>
+          <c:order val="1"/>
+          <c:tx>
+            <c:strRef>
+              <c:f>Tabelle1!$C$1</c:f>
+              <c:strCache>
+                <c:ptCount val="1"/>
+                <c:pt idx="0">
+                  <c:v>kompliziert/einfach</c:v>
+                </c:pt>
+              </c:strCache>
+            </c:strRef>
+          </c:tx>
+          <c:spPr>
+            <a:solidFill>
+              <a:schemeClr val="accent2"/>
+            </a:solidFill>
+            <a:ln>
+              <a:noFill/>
+            </a:ln>
+            <a:effectLst/>
+          </c:spPr>
+          <c:invertIfNegative val="0"/>
+          <c:cat>
+            <c:strRef>
+              <c:f>Tabelle1!$A$2:$A$3</c:f>
+              <c:strCache>
+                <c:ptCount val="2"/>
+                <c:pt idx="0">
+                  <c:v>Accesscode eingeben</c:v>
+                </c:pt>
+                <c:pt idx="1">
+                  <c:v>Erstelle eine WG</c:v>
+                </c:pt>
+              </c:strCache>
+            </c:strRef>
+          </c:cat>
+          <c:val>
+            <c:numRef>
+              <c:f>Tabelle1!$C$2:$C$3</c:f>
+              <c:numCache>
+                <c:formatCode>General</c:formatCode>
+                <c:ptCount val="2"/>
+                <c:pt idx="0">
+                  <c:v>5.3333000000000004</c:v>
+                </c:pt>
+                <c:pt idx="1">
+                  <c:v>5.5</c:v>
+                </c:pt>
+              </c:numCache>
+            </c:numRef>
+          </c:val>
+          <c:extLst>
+            <c:ext xmlns:c16="http://schemas.microsoft.com/office/drawing/2014/chart" uri="{C3380CC4-5D6E-409C-BE32-E72D297353CC}">
+              <c16:uniqueId val="{00000001-5253-460E-879C-581206D8B81C}"/>
+            </c:ext>
+          </c:extLst>
+        </c:ser>
+        <c:ser>
+          <c:idx val="2"/>
+          <c:order val="2"/>
+          <c:tx>
+            <c:strRef>
+              <c:f>Tabelle1!$D$1</c:f>
+              <c:strCache>
+                <c:ptCount val="1"/>
+                <c:pt idx="0">
+                  <c:v>Spalte1</c:v>
+                </c:pt>
+              </c:strCache>
+            </c:strRef>
+          </c:tx>
+          <c:spPr>
+            <a:solidFill>
+              <a:schemeClr val="accent3"/>
+            </a:solidFill>
+            <a:ln>
+              <a:noFill/>
+            </a:ln>
+            <a:effectLst/>
+          </c:spPr>
+          <c:invertIfNegative val="0"/>
+          <c:cat>
+            <c:strRef>
+              <c:f>Tabelle1!$A$2:$A$3</c:f>
+              <c:strCache>
+                <c:ptCount val="2"/>
+                <c:pt idx="0">
+                  <c:v>Accesscode eingeben</c:v>
+                </c:pt>
+                <c:pt idx="1">
+                  <c:v>Erstelle eine WG</c:v>
+                </c:pt>
+              </c:strCache>
+            </c:strRef>
+          </c:cat>
+          <c:val>
+            <c:numRef>
+              <c:f>Tabelle1!$D$2:$D$3</c:f>
+              <c:numCache>
+                <c:formatCode>General</c:formatCode>
+                <c:ptCount val="2"/>
+              </c:numCache>
+            </c:numRef>
+          </c:val>
+          <c:extLst>
+            <c:ext xmlns:c16="http://schemas.microsoft.com/office/drawing/2014/chart" uri="{C3380CC4-5D6E-409C-BE32-E72D297353CC}">
+              <c16:uniqueId val="{00000000-B8AC-4D32-B8BD-2D16DC70C46C}"/>
+            </c:ext>
+          </c:extLst>
+        </c:ser>
+        <c:dLbls>
+          <c:showLegendKey val="0"/>
+          <c:showVal val="0"/>
+          <c:showCatName val="0"/>
+          <c:showSerName val="0"/>
+          <c:showPercent val="0"/>
+          <c:showBubbleSize val="0"/>
+        </c:dLbls>
+        <c:gapWidth val="182"/>
+        <c:axId val="561315567"/>
+        <c:axId val="686890511"/>
+      </c:barChart>
+      <c:catAx>
+        <c:axId val="561315567"/>
+        <c:scaling>
+          <c:orientation val="minMax"/>
+        </c:scaling>
+        <c:delete val="0"/>
+        <c:axPos val="l"/>
+        <c:numFmt formatCode="General" sourceLinked="1"/>
+        <c:majorTickMark val="none"/>
+        <c:minorTickMark val="none"/>
+        <c:tickLblPos val="nextTo"/>
+        <c:spPr>
+          <a:noFill/>
+          <a:ln w="9525" cap="flat" cmpd="sng" algn="ctr">
+            <a:solidFill>
+              <a:schemeClr val="tx1">
+                <a:lumMod val="15000"/>
+                <a:lumOff val="85000"/>
+              </a:schemeClr>
+            </a:solidFill>
+            <a:round/>
+          </a:ln>
+          <a:effectLst/>
+        </c:spPr>
+        <c:txPr>
+          <a:bodyPr rot="-60000000" spcFirstLastPara="1" vertOverflow="ellipsis" vert="horz" wrap="square" anchor="ctr" anchorCtr="1"/>
+          <a:lstStyle/>
+          <a:p>
+            <a:pPr>
+              <a:defRPr sz="1197" b="0" i="0" u="none" strike="noStrike" kern="1200" baseline="0">
+                <a:solidFill>
+                  <a:schemeClr val="tx1">
+                    <a:lumMod val="65000"/>
+                    <a:lumOff val="35000"/>
+                  </a:schemeClr>
+                </a:solidFill>
+                <a:latin typeface="+mn-lt"/>
+                <a:ea typeface="+mn-ea"/>
+                <a:cs typeface="+mn-cs"/>
+              </a:defRPr>
+            </a:pPr>
+            <a:endParaRPr lang="de-DE"/>
+          </a:p>
+        </c:txPr>
+        <c:crossAx val="686890511"/>
+        <c:crosses val="autoZero"/>
+        <c:auto val="1"/>
+        <c:lblAlgn val="ctr"/>
+        <c:lblOffset val="100"/>
+        <c:noMultiLvlLbl val="0"/>
+      </c:catAx>
+      <c:valAx>
+        <c:axId val="686890511"/>
+        <c:scaling>
+          <c:orientation val="minMax"/>
+          <c:max val="7"/>
+          <c:min val="1"/>
+        </c:scaling>
+        <c:delete val="0"/>
+        <c:axPos val="b"/>
+        <c:majorGridlines>
+          <c:spPr>
+            <a:ln w="9525" cap="flat" cmpd="sng" algn="ctr">
+              <a:solidFill>
+                <a:schemeClr val="tx1">
+                  <a:lumMod val="15000"/>
+                  <a:lumOff val="85000"/>
+                </a:schemeClr>
+              </a:solidFill>
+              <a:round/>
+            </a:ln>
+            <a:effectLst/>
+          </c:spPr>
+        </c:majorGridlines>
+        <c:numFmt formatCode="General" sourceLinked="1"/>
+        <c:majorTickMark val="none"/>
+        <c:minorTickMark val="none"/>
+        <c:tickLblPos val="nextTo"/>
+        <c:spPr>
+          <a:noFill/>
+          <a:ln>
+            <a:noFill/>
+          </a:ln>
+          <a:effectLst/>
+        </c:spPr>
+        <c:txPr>
+          <a:bodyPr rot="-60000000" spcFirstLastPara="1" vertOverflow="ellipsis" vert="horz" wrap="square" anchor="ctr" anchorCtr="1"/>
+          <a:lstStyle/>
+          <a:p>
+            <a:pPr>
+              <a:defRPr sz="1197" b="0" i="0" u="none" strike="noStrike" kern="1200" baseline="0">
+                <a:solidFill>
+                  <a:schemeClr val="tx1">
+                    <a:lumMod val="65000"/>
+                    <a:lumOff val="35000"/>
+                  </a:schemeClr>
+                </a:solidFill>
+                <a:latin typeface="+mn-lt"/>
+                <a:ea typeface="+mn-ea"/>
+                <a:cs typeface="+mn-cs"/>
+              </a:defRPr>
+            </a:pPr>
+            <a:endParaRPr lang="de-DE"/>
+          </a:p>
+        </c:txPr>
+        <c:crossAx val="561315567"/>
+        <c:crosses val="autoZero"/>
+        <c:crossBetween val="between"/>
+      </c:valAx>
+      <c:spPr>
+        <a:noFill/>
+        <a:ln>
+          <a:noFill/>
+        </a:ln>
+        <a:effectLst/>
+      </c:spPr>
+    </c:plotArea>
+    <c:legend>
+      <c:legendPos val="b"/>
+      <c:overlay val="0"/>
+      <c:spPr>
+        <a:noFill/>
+        <a:ln>
+          <a:noFill/>
+        </a:ln>
+        <a:effectLst/>
+      </c:spPr>
+      <c:txPr>
+        <a:bodyPr rot="0" spcFirstLastPara="1" vertOverflow="ellipsis" vert="horz" wrap="square" anchor="ctr" anchorCtr="1"/>
+        <a:lstStyle/>
+        <a:p>
+          <a:pPr>
+            <a:defRPr sz="1197" b="0" i="0" u="none" strike="noStrike" kern="1200" baseline="0">
+              <a:solidFill>
+                <a:schemeClr val="tx1">
+                  <a:lumMod val="65000"/>
+                  <a:lumOff val="35000"/>
+                </a:schemeClr>
+              </a:solidFill>
+              <a:latin typeface="+mn-lt"/>
+              <a:ea typeface="+mn-ea"/>
+              <a:cs typeface="+mn-cs"/>
+            </a:defRPr>
+          </a:pPr>
+          <a:endParaRPr lang="de-DE"/>
+        </a:p>
+      </c:txPr>
+    </c:legend>
+    <c:plotVisOnly val="1"/>
+    <c:dispBlanksAs val="gap"/>
+    <c:extLst>
+      <c:ext xmlns:c16r3="http://schemas.microsoft.com/office/drawing/2017/03/chart" uri="{56B9EC1D-385E-4148-901F-78D8002777C0}">
+        <c16r3:dataDisplayOptions16>
+          <c16r3:dispNaAsBlank val="1"/>
+        </c16r3:dataDisplayOptions16>
+      </c:ext>
+    </c:extLst>
+    <c:showDLblsOverMax val="0"/>
+  </c:chart>
+  <c:spPr>
+    <a:noFill/>
+    <a:ln>
+      <a:noFill/>
+    </a:ln>
+    <a:effectLst/>
+  </c:spPr>
+  <c:txPr>
+    <a:bodyPr/>
+    <a:lstStyle/>
+    <a:p>
+      <a:pPr>
+        <a:defRPr/>
+      </a:pPr>
+      <a:endParaRPr lang="de-DE"/>
+    </a:p>
+  </c:txPr>
+  <c:externalData r:id="rId3">
+    <c:autoUpdate val="0"/>
+  </c:externalData>
+</c:chartSpace>
+</file>
+
+<file path=ppt/charts/chart2.xml><?xml version="1.0" encoding="utf-8"?>
+<c:chartSpace xmlns:c="http://schemas.openxmlformats.org/drawingml/2006/chart" xmlns:a="http://schemas.openxmlformats.org/drawingml/2006/main" xmlns:r="http://schemas.openxmlformats.org/officeDocument/2006/relationships" xmlns:c16r2="http://schemas.microsoft.com/office/drawing/2015/06/chart">
+  <c:date1904 val="0"/>
+  <c:lang val="de-DE"/>
+  <c:roundedCorners val="0"/>
+  <mc:AlternateContent xmlns:mc="http://schemas.openxmlformats.org/markup-compatibility/2006">
+    <mc:Choice xmlns:c14="http://schemas.microsoft.com/office/drawing/2007/8/2/chart" Requires="c14">
+      <c14:style val="102"/>
+    </mc:Choice>
+    <mc:Fallback>
+      <c:style val="2"/>
+    </mc:Fallback>
+  </mc:AlternateContent>
+  <c:chart>
+    <c:title>
+      <c:tx>
+        <c:rich>
+          <a:bodyPr rot="0" spcFirstLastPara="1" vertOverflow="ellipsis" vert="horz" wrap="square" anchor="ctr" anchorCtr="1"/>
+          <a:lstStyle/>
+          <a:p>
+            <a:pPr>
+              <a:defRPr sz="1862" b="0" i="0" u="none" strike="noStrike" kern="1200" spc="0" baseline="0">
+                <a:solidFill>
+                  <a:schemeClr val="tx1">
+                    <a:lumMod val="65000"/>
+                    <a:lumOff val="35000"/>
+                  </a:schemeClr>
+                </a:solidFill>
+                <a:latin typeface="+mn-lt"/>
+                <a:ea typeface="+mn-ea"/>
+                <a:cs typeface="+mn-cs"/>
+              </a:defRPr>
+            </a:pPr>
+            <a:r>
+              <a:rPr lang="de-DE" dirty="0"/>
+              <a:t>Identische aufgaben</a:t>
+            </a:r>
+          </a:p>
+        </c:rich>
+      </c:tx>
+      <c:overlay val="0"/>
+      <c:spPr>
+        <a:noFill/>
+        <a:ln>
+          <a:noFill/>
+        </a:ln>
+        <a:effectLst/>
+      </c:spPr>
+      <c:txPr>
+        <a:bodyPr rot="0" spcFirstLastPara="1" vertOverflow="ellipsis" vert="horz" wrap="square" anchor="ctr" anchorCtr="1"/>
+        <a:lstStyle/>
+        <a:p>
+          <a:pPr>
+            <a:defRPr sz="1862" b="0" i="0" u="none" strike="noStrike" kern="1200" spc="0" baseline="0">
+              <a:solidFill>
+                <a:schemeClr val="tx1">
+                  <a:lumMod val="65000"/>
+                  <a:lumOff val="35000"/>
+                </a:schemeClr>
+              </a:solidFill>
+              <a:latin typeface="+mn-lt"/>
+              <a:ea typeface="+mn-ea"/>
+              <a:cs typeface="+mn-cs"/>
+            </a:defRPr>
+          </a:pPr>
+          <a:endParaRPr lang="de-DE"/>
+        </a:p>
+      </c:txPr>
+    </c:title>
+    <c:autoTitleDeleted val="0"/>
+    <c:plotArea>
+      <c:layout/>
+      <c:barChart>
+        <c:barDir val="bar"/>
+        <c:grouping val="clustered"/>
+        <c:varyColors val="0"/>
+        <c:ser>
+          <c:idx val="0"/>
+          <c:order val="0"/>
+          <c:tx>
+            <c:strRef>
+              <c:f>Tabelle1!$B$1</c:f>
+              <c:strCache>
+                <c:ptCount val="1"/>
+                <c:pt idx="0">
+                  <c:v>unverständlich/verständlich</c:v>
+                </c:pt>
+              </c:strCache>
+            </c:strRef>
+          </c:tx>
+          <c:spPr>
+            <a:solidFill>
+              <a:schemeClr val="accent1"/>
+            </a:solidFill>
+            <a:ln>
+              <a:noFill/>
+            </a:ln>
+            <a:effectLst/>
+          </c:spPr>
+          <c:invertIfNegative val="0"/>
+          <c:cat>
+            <c:strRef>
+              <c:f>Tabelle1!$A$2:$A$7</c:f>
+              <c:strCache>
+                <c:ptCount val="6"/>
+                <c:pt idx="0">
+                  <c:v>Erstelle eine CoolNote</c:v>
+                </c:pt>
+                <c:pt idx="1">
+                  <c:v>Bearbeite eine FrozenNote</c:v>
+                </c:pt>
+                <c:pt idx="2">
+                  <c:v>WG Liste einsehen</c:v>
+                </c:pt>
+                <c:pt idx="3">
+                  <c:v>CoolNote lesen</c:v>
+                </c:pt>
+                <c:pt idx="4">
+                  <c:v>Mitglied hinzufügen</c:v>
+                </c:pt>
+                <c:pt idx="5">
+                  <c:v>WG verlassen</c:v>
+                </c:pt>
+              </c:strCache>
+            </c:strRef>
+          </c:cat>
+          <c:val>
+            <c:numRef>
+              <c:f>Tabelle1!$B$2:$B$7</c:f>
+              <c:numCache>
+                <c:formatCode>General</c:formatCode>
+                <c:ptCount val="6"/>
+                <c:pt idx="0">
+                  <c:v>4.0833300000000001</c:v>
+                </c:pt>
+                <c:pt idx="1">
+                  <c:v>3.75</c:v>
+                </c:pt>
+                <c:pt idx="2">
+                  <c:v>4.8333000000000004</c:v>
+                </c:pt>
+                <c:pt idx="3">
+                  <c:v>4.9166699999999999</c:v>
+                </c:pt>
+                <c:pt idx="4">
+                  <c:v>4.25</c:v>
+                </c:pt>
+                <c:pt idx="5">
+                  <c:v>5.5833300000000001</c:v>
+                </c:pt>
+              </c:numCache>
+            </c:numRef>
+          </c:val>
+          <c:extLst>
+            <c:ext xmlns:c16="http://schemas.microsoft.com/office/drawing/2014/chart" uri="{C3380CC4-5D6E-409C-BE32-E72D297353CC}">
+              <c16:uniqueId val="{00000000-5253-460E-879C-581206D8B81C}"/>
+            </c:ext>
+          </c:extLst>
+        </c:ser>
+        <c:ser>
+          <c:idx val="1"/>
+          <c:order val="1"/>
+          <c:tx>
+            <c:strRef>
+              <c:f>Tabelle1!$C$1</c:f>
+              <c:strCache>
+                <c:ptCount val="1"/>
+                <c:pt idx="0">
+                  <c:v>kompliziert/einfach</c:v>
+                </c:pt>
+              </c:strCache>
+            </c:strRef>
+          </c:tx>
+          <c:spPr>
+            <a:solidFill>
+              <a:schemeClr val="accent2"/>
+            </a:solidFill>
+            <a:ln>
+              <a:noFill/>
+            </a:ln>
+            <a:effectLst/>
+          </c:spPr>
+          <c:invertIfNegative val="0"/>
+          <c:cat>
+            <c:strRef>
+              <c:f>Tabelle1!$A$2:$A$7</c:f>
+              <c:strCache>
+                <c:ptCount val="6"/>
+                <c:pt idx="0">
+                  <c:v>Erstelle eine CoolNote</c:v>
+                </c:pt>
+                <c:pt idx="1">
+                  <c:v>Bearbeite eine FrozenNote</c:v>
+                </c:pt>
+                <c:pt idx="2">
+                  <c:v>WG Liste einsehen</c:v>
+                </c:pt>
+                <c:pt idx="3">
+                  <c:v>CoolNote lesen</c:v>
+                </c:pt>
+                <c:pt idx="4">
+                  <c:v>Mitglied hinzufügen</c:v>
+                </c:pt>
+                <c:pt idx="5">
+                  <c:v>WG verlassen</c:v>
+                </c:pt>
+              </c:strCache>
+            </c:strRef>
+          </c:cat>
+          <c:val>
+            <c:numRef>
+              <c:f>Tabelle1!$C$2:$C$7</c:f>
+              <c:numCache>
+                <c:formatCode>General</c:formatCode>
+                <c:ptCount val="6"/>
+                <c:pt idx="0">
+                  <c:v>4.5</c:v>
+                </c:pt>
+                <c:pt idx="1">
+                  <c:v>4.6666699999999999</c:v>
+                </c:pt>
+                <c:pt idx="2">
+                  <c:v>5.0833300000000001</c:v>
+                </c:pt>
+                <c:pt idx="3">
+                  <c:v>5.25</c:v>
+                </c:pt>
+                <c:pt idx="4">
+                  <c:v>2.8332999999999999</c:v>
+                </c:pt>
+                <c:pt idx="5">
+                  <c:v>6.0833300000000001</c:v>
+                </c:pt>
+              </c:numCache>
+            </c:numRef>
+          </c:val>
+          <c:extLst>
+            <c:ext xmlns:c16="http://schemas.microsoft.com/office/drawing/2014/chart" uri="{C3380CC4-5D6E-409C-BE32-E72D297353CC}">
+              <c16:uniqueId val="{00000001-5253-460E-879C-581206D8B81C}"/>
+            </c:ext>
+          </c:extLst>
+        </c:ser>
+        <c:ser>
+          <c:idx val="2"/>
+          <c:order val="2"/>
+          <c:tx>
+            <c:strRef>
+              <c:f>Tabelle1!$D$1</c:f>
+              <c:strCache>
+                <c:ptCount val="1"/>
+                <c:pt idx="0">
+                  <c:v>Spalte1</c:v>
+                </c:pt>
+              </c:strCache>
+            </c:strRef>
+          </c:tx>
+          <c:spPr>
+            <a:solidFill>
+              <a:schemeClr val="accent3"/>
+            </a:solidFill>
+            <a:ln>
+              <a:noFill/>
+            </a:ln>
+            <a:effectLst/>
+          </c:spPr>
+          <c:invertIfNegative val="0"/>
+          <c:cat>
+            <c:strRef>
+              <c:f>Tabelle1!$A$2:$A$7</c:f>
+              <c:strCache>
+                <c:ptCount val="6"/>
+                <c:pt idx="0">
+                  <c:v>Erstelle eine CoolNote</c:v>
+                </c:pt>
+                <c:pt idx="1">
+                  <c:v>Bearbeite eine FrozenNote</c:v>
+                </c:pt>
+                <c:pt idx="2">
+                  <c:v>WG Liste einsehen</c:v>
+                </c:pt>
+                <c:pt idx="3">
+                  <c:v>CoolNote lesen</c:v>
+                </c:pt>
+                <c:pt idx="4">
+                  <c:v>Mitglied hinzufügen</c:v>
+                </c:pt>
+                <c:pt idx="5">
+                  <c:v>WG verlassen</c:v>
+                </c:pt>
+              </c:strCache>
+            </c:strRef>
+          </c:cat>
+          <c:val>
+            <c:numRef>
+              <c:f>Tabelle1!$D$2:$D$7</c:f>
+              <c:numCache>
+                <c:formatCode>General</c:formatCode>
+                <c:ptCount val="6"/>
+              </c:numCache>
+            </c:numRef>
+          </c:val>
+          <c:extLst>
+            <c:ext xmlns:c16="http://schemas.microsoft.com/office/drawing/2014/chart" uri="{C3380CC4-5D6E-409C-BE32-E72D297353CC}">
+              <c16:uniqueId val="{00000000-B8AC-4D32-B8BD-2D16DC70C46C}"/>
+            </c:ext>
+          </c:extLst>
+        </c:ser>
+        <c:dLbls>
+          <c:showLegendKey val="0"/>
+          <c:showVal val="0"/>
+          <c:showCatName val="0"/>
+          <c:showSerName val="0"/>
+          <c:showPercent val="0"/>
+          <c:showBubbleSize val="0"/>
+        </c:dLbls>
+        <c:gapWidth val="182"/>
+        <c:axId val="561315567"/>
+        <c:axId val="686890511"/>
+      </c:barChart>
+      <c:catAx>
+        <c:axId val="561315567"/>
+        <c:scaling>
+          <c:orientation val="minMax"/>
+        </c:scaling>
+        <c:delete val="0"/>
+        <c:axPos val="l"/>
+        <c:numFmt formatCode="General" sourceLinked="1"/>
+        <c:majorTickMark val="none"/>
+        <c:minorTickMark val="none"/>
+        <c:tickLblPos val="nextTo"/>
+        <c:spPr>
+          <a:noFill/>
+          <a:ln w="9525" cap="flat" cmpd="sng" algn="ctr">
+            <a:solidFill>
+              <a:schemeClr val="tx1">
+                <a:lumMod val="15000"/>
+                <a:lumOff val="85000"/>
+              </a:schemeClr>
+            </a:solidFill>
+            <a:round/>
+          </a:ln>
+          <a:effectLst/>
+        </c:spPr>
+        <c:txPr>
+          <a:bodyPr rot="-60000000" spcFirstLastPara="1" vertOverflow="ellipsis" vert="horz" wrap="square" anchor="ctr" anchorCtr="1"/>
+          <a:lstStyle/>
+          <a:p>
+            <a:pPr>
+              <a:defRPr sz="1197" b="0" i="0" u="none" strike="noStrike" kern="1200" baseline="0">
+                <a:solidFill>
+                  <a:schemeClr val="tx1">
+                    <a:lumMod val="65000"/>
+                    <a:lumOff val="35000"/>
+                  </a:schemeClr>
+                </a:solidFill>
+                <a:latin typeface="+mn-lt"/>
+                <a:ea typeface="+mn-ea"/>
+                <a:cs typeface="+mn-cs"/>
+              </a:defRPr>
+            </a:pPr>
+            <a:endParaRPr lang="de-DE"/>
+          </a:p>
+        </c:txPr>
+        <c:crossAx val="686890511"/>
+        <c:crosses val="autoZero"/>
+        <c:auto val="1"/>
+        <c:lblAlgn val="ctr"/>
+        <c:lblOffset val="100"/>
+        <c:noMultiLvlLbl val="0"/>
+      </c:catAx>
+      <c:valAx>
+        <c:axId val="686890511"/>
+        <c:scaling>
+          <c:orientation val="minMax"/>
+          <c:max val="7"/>
+          <c:min val="1"/>
+        </c:scaling>
+        <c:delete val="0"/>
+        <c:axPos val="b"/>
+        <c:majorGridlines>
+          <c:spPr>
+            <a:ln w="9525" cap="flat" cmpd="sng" algn="ctr">
+              <a:solidFill>
+                <a:schemeClr val="tx1">
+                  <a:lumMod val="15000"/>
+                  <a:lumOff val="85000"/>
+                </a:schemeClr>
+              </a:solidFill>
+              <a:round/>
+            </a:ln>
+            <a:effectLst/>
+          </c:spPr>
+        </c:majorGridlines>
+        <c:numFmt formatCode="General" sourceLinked="1"/>
+        <c:majorTickMark val="none"/>
+        <c:minorTickMark val="none"/>
+        <c:tickLblPos val="nextTo"/>
+        <c:spPr>
+          <a:noFill/>
+          <a:ln>
+            <a:noFill/>
+          </a:ln>
+          <a:effectLst/>
+        </c:spPr>
+        <c:txPr>
+          <a:bodyPr rot="-60000000" spcFirstLastPara="1" vertOverflow="ellipsis" vert="horz" wrap="square" anchor="ctr" anchorCtr="1"/>
+          <a:lstStyle/>
+          <a:p>
+            <a:pPr>
+              <a:defRPr sz="1197" b="0" i="0" u="none" strike="noStrike" kern="1200" baseline="0">
+                <a:solidFill>
+                  <a:schemeClr val="tx1">
+                    <a:lumMod val="65000"/>
+                    <a:lumOff val="35000"/>
+                  </a:schemeClr>
+                </a:solidFill>
+                <a:latin typeface="+mn-lt"/>
+                <a:ea typeface="+mn-ea"/>
+                <a:cs typeface="+mn-cs"/>
+              </a:defRPr>
+            </a:pPr>
+            <a:endParaRPr lang="de-DE"/>
+          </a:p>
+        </c:txPr>
+        <c:crossAx val="561315567"/>
+        <c:crosses val="autoZero"/>
+        <c:crossBetween val="between"/>
+      </c:valAx>
+      <c:spPr>
+        <a:noFill/>
+        <a:ln>
+          <a:noFill/>
+        </a:ln>
+        <a:effectLst/>
+      </c:spPr>
+    </c:plotArea>
+    <c:legend>
+      <c:legendPos val="b"/>
+      <c:legendEntry>
+        <c:idx val="0"/>
+        <c:delete val="1"/>
+      </c:legendEntry>
+      <c:overlay val="0"/>
+      <c:spPr>
+        <a:noFill/>
+        <a:ln>
+          <a:noFill/>
+        </a:ln>
+        <a:effectLst/>
+      </c:spPr>
+      <c:txPr>
+        <a:bodyPr rot="0" spcFirstLastPara="1" vertOverflow="ellipsis" vert="horz" wrap="square" anchor="ctr" anchorCtr="1"/>
+        <a:lstStyle/>
+        <a:p>
+          <a:pPr>
+            <a:defRPr sz="1197" b="0" i="0" u="none" strike="noStrike" kern="1200" baseline="0">
+              <a:solidFill>
+                <a:schemeClr val="tx1">
+                  <a:lumMod val="65000"/>
+                  <a:lumOff val="35000"/>
+                </a:schemeClr>
+              </a:solidFill>
+              <a:latin typeface="+mn-lt"/>
+              <a:ea typeface="+mn-ea"/>
+              <a:cs typeface="+mn-cs"/>
+            </a:defRPr>
+          </a:pPr>
+          <a:endParaRPr lang="de-DE"/>
+        </a:p>
+      </c:txPr>
+    </c:legend>
+    <c:plotVisOnly val="1"/>
+    <c:dispBlanksAs val="gap"/>
+    <c:extLst>
+      <c:ext xmlns:c16r3="http://schemas.microsoft.com/office/drawing/2017/03/chart" uri="{56B9EC1D-385E-4148-901F-78D8002777C0}">
+        <c16r3:dataDisplayOptions16>
+          <c16r3:dispNaAsBlank val="1"/>
+        </c16r3:dataDisplayOptions16>
+      </c:ext>
+    </c:extLst>
+    <c:showDLblsOverMax val="0"/>
+  </c:chart>
+  <c:spPr>
+    <a:noFill/>
+    <a:ln>
+      <a:noFill/>
+    </a:ln>
+    <a:effectLst/>
+  </c:spPr>
+  <c:txPr>
+    <a:bodyPr/>
+    <a:lstStyle/>
+    <a:p>
+      <a:pPr>
+        <a:defRPr/>
+      </a:pPr>
+      <a:endParaRPr lang="de-DE"/>
+    </a:p>
+  </c:txPr>
+  <c:externalData r:id="rId3">
+    <c:autoUpdate val="0"/>
+  </c:externalData>
+</c:chartSpace>
+</file>
+
+<file path=ppt/charts/chart3.xml><?xml version="1.0" encoding="utf-8"?>
+<c:chartSpace xmlns:c="http://schemas.openxmlformats.org/drawingml/2006/chart" xmlns:a="http://schemas.openxmlformats.org/drawingml/2006/main" xmlns:r="http://schemas.openxmlformats.org/officeDocument/2006/relationships" xmlns:c16r2="http://schemas.microsoft.com/office/drawing/2015/06/chart">
+  <c:date1904 val="0"/>
+  <c:lang val="de-DE"/>
+  <c:roundedCorners val="0"/>
+  <mc:AlternateContent xmlns:mc="http://schemas.openxmlformats.org/markup-compatibility/2006">
+    <mc:Choice xmlns:c14="http://schemas.microsoft.com/office/drawing/2007/8/2/chart" Requires="c14">
+      <c14:style val="102"/>
+    </mc:Choice>
+    <mc:Fallback>
+      <c:style val="2"/>
+    </mc:Fallback>
+  </mc:AlternateContent>
+  <c:chart>
+    <c:title>
+      <c:tx>
+        <c:rich>
+          <a:bodyPr rot="0" spcFirstLastPara="1" vertOverflow="ellipsis" vert="horz" wrap="square" anchor="ctr" anchorCtr="1"/>
+          <a:lstStyle/>
+          <a:p>
+            <a:pPr>
+              <a:defRPr sz="1862" b="0" i="0" u="none" strike="noStrike" kern="1200" spc="0" baseline="0">
+                <a:solidFill>
+                  <a:schemeClr val="tx1">
+                    <a:lumMod val="65000"/>
+                    <a:lumOff val="35000"/>
+                  </a:schemeClr>
+                </a:solidFill>
+                <a:latin typeface="+mn-lt"/>
+                <a:ea typeface="+mn-ea"/>
+                <a:cs typeface="+mn-cs"/>
+              </a:defRPr>
+            </a:pPr>
+            <a:r>
+              <a:rPr lang="de-DE" dirty="0"/>
+              <a:t>Bedienbarkeit der App insgesamt</a:t>
+            </a:r>
+          </a:p>
+        </c:rich>
+      </c:tx>
+      <c:overlay val="0"/>
+      <c:spPr>
+        <a:noFill/>
+        <a:ln>
+          <a:noFill/>
+        </a:ln>
+        <a:effectLst/>
+      </c:spPr>
+      <c:txPr>
+        <a:bodyPr rot="0" spcFirstLastPara="1" vertOverflow="ellipsis" vert="horz" wrap="square" anchor="ctr" anchorCtr="1"/>
+        <a:lstStyle/>
+        <a:p>
+          <a:pPr>
+            <a:defRPr sz="1862" b="0" i="0" u="none" strike="noStrike" kern="1200" spc="0" baseline="0">
+              <a:solidFill>
+                <a:schemeClr val="tx1">
+                  <a:lumMod val="65000"/>
+                  <a:lumOff val="35000"/>
+                </a:schemeClr>
+              </a:solidFill>
+              <a:latin typeface="+mn-lt"/>
+              <a:ea typeface="+mn-ea"/>
+              <a:cs typeface="+mn-cs"/>
+            </a:defRPr>
+          </a:pPr>
+          <a:endParaRPr lang="de-DE"/>
+        </a:p>
+      </c:txPr>
+    </c:title>
+    <c:autoTitleDeleted val="0"/>
+    <c:plotArea>
+      <c:layout/>
+      <c:barChart>
+        <c:barDir val="bar"/>
+        <c:grouping val="clustered"/>
+        <c:varyColors val="0"/>
+        <c:ser>
+          <c:idx val="0"/>
+          <c:order val="0"/>
+          <c:tx>
+            <c:strRef>
+              <c:f>Tabelle1!$B$1</c:f>
+              <c:strCache>
+                <c:ptCount val="1"/>
+                <c:pt idx="0">
+                  <c:v>Spalte1</c:v>
+                </c:pt>
+              </c:strCache>
+            </c:strRef>
+          </c:tx>
+          <c:spPr>
+            <a:solidFill>
+              <a:schemeClr val="accent1"/>
+            </a:solidFill>
+            <a:ln>
+              <a:noFill/>
+            </a:ln>
+            <a:effectLst/>
+          </c:spPr>
+          <c:invertIfNegative val="0"/>
+          <c:cat>
+            <c:strRef>
+              <c:f>Tabelle1!$A$2:$A$7</c:f>
+              <c:strCache>
+                <c:ptCount val="6"/>
+                <c:pt idx="0">
+                  <c:v>unverständlich/verständlich</c:v>
+                </c:pt>
+                <c:pt idx="1">
+                  <c:v>fantasielos/kreativ</c:v>
+                </c:pt>
+                <c:pt idx="2">
+                  <c:v>schwer bedienbar/leicht bedienbar</c:v>
+                </c:pt>
+                <c:pt idx="3">
+                  <c:v>uninteressant/interessant</c:v>
+                </c:pt>
+                <c:pt idx="4">
+                  <c:v>konentionell/originell</c:v>
+                </c:pt>
+                <c:pt idx="5">
+                  <c:v>kompliziert/einfach</c:v>
+                </c:pt>
+              </c:strCache>
+            </c:strRef>
+          </c:cat>
+          <c:val>
+            <c:numRef>
+              <c:f>Tabelle1!$B$2:$B$7</c:f>
+              <c:numCache>
+                <c:formatCode>General</c:formatCode>
+                <c:ptCount val="6"/>
+                <c:pt idx="0">
+                  <c:v>4.5</c:v>
+                </c:pt>
+                <c:pt idx="1">
+                  <c:v>5.1666999999999996</c:v>
+                </c:pt>
+                <c:pt idx="2">
+                  <c:v>4.6666999999999996</c:v>
+                </c:pt>
+                <c:pt idx="3">
+                  <c:v>4.5</c:v>
+                </c:pt>
+                <c:pt idx="4">
+                  <c:v>5</c:v>
+                </c:pt>
+                <c:pt idx="5">
+                  <c:v>4.3330000000000002</c:v>
+                </c:pt>
+              </c:numCache>
+            </c:numRef>
+          </c:val>
+          <c:extLst>
+            <c:ext xmlns:c16="http://schemas.microsoft.com/office/drawing/2014/chart" uri="{C3380CC4-5D6E-409C-BE32-E72D297353CC}">
+              <c16:uniqueId val="{00000000-5253-460E-879C-581206D8B81C}"/>
+            </c:ext>
+          </c:extLst>
+        </c:ser>
+        <c:dLbls>
+          <c:showLegendKey val="0"/>
+          <c:showVal val="0"/>
+          <c:showCatName val="0"/>
+          <c:showSerName val="0"/>
+          <c:showPercent val="0"/>
+          <c:showBubbleSize val="0"/>
+        </c:dLbls>
+        <c:gapWidth val="182"/>
+        <c:axId val="561315567"/>
+        <c:axId val="686890511"/>
+      </c:barChart>
+      <c:catAx>
+        <c:axId val="561315567"/>
+        <c:scaling>
+          <c:orientation val="minMax"/>
+        </c:scaling>
+        <c:delete val="0"/>
+        <c:axPos val="l"/>
+        <c:numFmt formatCode="General" sourceLinked="1"/>
+        <c:majorTickMark val="none"/>
+        <c:minorTickMark val="none"/>
+        <c:tickLblPos val="nextTo"/>
+        <c:spPr>
+          <a:noFill/>
+          <a:ln w="9525" cap="flat" cmpd="sng" algn="ctr">
+            <a:solidFill>
+              <a:schemeClr val="tx1">
+                <a:lumMod val="15000"/>
+                <a:lumOff val="85000"/>
+              </a:schemeClr>
+            </a:solidFill>
+            <a:round/>
+          </a:ln>
+          <a:effectLst/>
+        </c:spPr>
+        <c:txPr>
+          <a:bodyPr rot="-60000000" spcFirstLastPara="1" vertOverflow="ellipsis" vert="horz" wrap="square" anchor="ctr" anchorCtr="1"/>
+          <a:lstStyle/>
+          <a:p>
+            <a:pPr>
+              <a:defRPr sz="1197" b="0" i="0" u="none" strike="noStrike" kern="1200" baseline="0">
+                <a:solidFill>
+                  <a:schemeClr val="tx1">
+                    <a:lumMod val="65000"/>
+                    <a:lumOff val="35000"/>
+                  </a:schemeClr>
+                </a:solidFill>
+                <a:latin typeface="+mn-lt"/>
+                <a:ea typeface="+mn-ea"/>
+                <a:cs typeface="+mn-cs"/>
+              </a:defRPr>
+            </a:pPr>
+            <a:endParaRPr lang="de-DE"/>
+          </a:p>
+        </c:txPr>
+        <c:crossAx val="686890511"/>
+        <c:crosses val="autoZero"/>
+        <c:auto val="1"/>
+        <c:lblAlgn val="ctr"/>
+        <c:lblOffset val="100"/>
+        <c:noMultiLvlLbl val="0"/>
+      </c:catAx>
+      <c:valAx>
+        <c:axId val="686890511"/>
+        <c:scaling>
+          <c:orientation val="minMax"/>
+          <c:max val="7"/>
+          <c:min val="1"/>
+        </c:scaling>
+        <c:delete val="0"/>
+        <c:axPos val="b"/>
+        <c:majorGridlines>
+          <c:spPr>
+            <a:ln w="9525" cap="flat" cmpd="sng" algn="ctr">
+              <a:solidFill>
+                <a:schemeClr val="tx1">
+                  <a:lumMod val="15000"/>
+                  <a:lumOff val="85000"/>
+                </a:schemeClr>
+              </a:solidFill>
+              <a:round/>
+            </a:ln>
+            <a:effectLst/>
+          </c:spPr>
+        </c:majorGridlines>
+        <c:numFmt formatCode="General" sourceLinked="1"/>
+        <c:majorTickMark val="none"/>
+        <c:minorTickMark val="none"/>
+        <c:tickLblPos val="nextTo"/>
+        <c:spPr>
+          <a:noFill/>
+          <a:ln>
+            <a:noFill/>
+          </a:ln>
+          <a:effectLst/>
+        </c:spPr>
+        <c:txPr>
+          <a:bodyPr rot="-60000000" spcFirstLastPara="1" vertOverflow="ellipsis" vert="horz" wrap="square" anchor="ctr" anchorCtr="1"/>
+          <a:lstStyle/>
+          <a:p>
+            <a:pPr>
+              <a:defRPr sz="1197" b="0" i="0" u="none" strike="noStrike" kern="1200" baseline="0">
+                <a:solidFill>
+                  <a:schemeClr val="tx1">
+                    <a:lumMod val="65000"/>
+                    <a:lumOff val="35000"/>
+                  </a:schemeClr>
+                </a:solidFill>
+                <a:latin typeface="+mn-lt"/>
+                <a:ea typeface="+mn-ea"/>
+                <a:cs typeface="+mn-cs"/>
+              </a:defRPr>
+            </a:pPr>
+            <a:endParaRPr lang="de-DE"/>
+          </a:p>
+        </c:txPr>
+        <c:crossAx val="561315567"/>
+        <c:crosses val="autoZero"/>
+        <c:crossBetween val="between"/>
+      </c:valAx>
+      <c:spPr>
+        <a:noFill/>
+        <a:ln>
+          <a:noFill/>
+        </a:ln>
+        <a:effectLst/>
+      </c:spPr>
+    </c:plotArea>
+    <c:plotVisOnly val="1"/>
+    <c:dispBlanksAs val="gap"/>
+    <c:extLst>
+      <c:ext xmlns:c16r3="http://schemas.microsoft.com/office/drawing/2017/03/chart" uri="{56B9EC1D-385E-4148-901F-78D8002777C0}">
+        <c16r3:dataDisplayOptions16>
+          <c16r3:dispNaAsBlank val="1"/>
+        </c16r3:dataDisplayOptions16>
+      </c:ext>
+    </c:extLst>
+    <c:showDLblsOverMax val="0"/>
+  </c:chart>
+  <c:spPr>
+    <a:noFill/>
+    <a:ln>
+      <a:noFill/>
+    </a:ln>
+    <a:effectLst/>
+  </c:spPr>
+  <c:txPr>
+    <a:bodyPr/>
+    <a:lstStyle/>
+    <a:p>
+      <a:pPr>
+        <a:defRPr/>
+      </a:pPr>
+      <a:endParaRPr lang="de-DE"/>
+    </a:p>
+  </c:txPr>
+  <c:externalData r:id="rId3">
+    <c:autoUpdate val="0"/>
+  </c:externalData>
+</c:chartSpace>
+</file>
+
+<file path=ppt/charts/colors1.xml><?xml version="1.0" encoding="utf-8"?>
+<cs:colorStyle xmlns:cs="http://schemas.microsoft.com/office/drawing/2012/chartStyle" xmlns:a="http://schemas.openxmlformats.org/drawingml/2006/main" meth="cycle" id="10">
+  <a:schemeClr val="accent1"/>
+  <a:schemeClr val="accent2"/>
+  <a:schemeClr val="accent3"/>
+  <a:schemeClr val="accent4"/>
+  <a:schemeClr val="accent5"/>
+  <a:schemeClr val="accent6"/>
+  <cs:variation/>
+  <cs:variation>
+    <a:lumMod val="60000"/>
+  </cs:variation>
+  <cs:variation>
+    <a:lumMod val="80000"/>
+    <a:lumOff val="20000"/>
+  </cs:variation>
+  <cs:variation>
+    <a:lumMod val="80000"/>
+  </cs:variation>
+  <cs:variation>
+    <a:lumMod val="60000"/>
+    <a:lumOff val="40000"/>
+  </cs:variation>
+  <cs:variation>
+    <a:lumMod val="50000"/>
+  </cs:variation>
+  <cs:variation>
+    <a:lumMod val="70000"/>
+    <a:lumOff val="30000"/>
+  </cs:variation>
+  <cs:variation>
+    <a:lumMod val="70000"/>
+  </cs:variation>
+  <cs:variation>
+    <a:lumMod val="50000"/>
+    <a:lumOff val="50000"/>
+  </cs:variation>
+</cs:colorStyle>
+</file>
+
+<file path=ppt/charts/colors2.xml><?xml version="1.0" encoding="utf-8"?>
+<cs:colorStyle xmlns:cs="http://schemas.microsoft.com/office/drawing/2012/chartStyle" xmlns:a="http://schemas.openxmlformats.org/drawingml/2006/main" meth="cycle" id="10">
+  <a:schemeClr val="accent1"/>
+  <a:schemeClr val="accent2"/>
+  <a:schemeClr val="accent3"/>
+  <a:schemeClr val="accent4"/>
+  <a:schemeClr val="accent5"/>
+  <a:schemeClr val="accent6"/>
+  <cs:variation/>
+  <cs:variation>
+    <a:lumMod val="60000"/>
+  </cs:variation>
+  <cs:variation>
+    <a:lumMod val="80000"/>
+    <a:lumOff val="20000"/>
+  </cs:variation>
+  <cs:variation>
+    <a:lumMod val="80000"/>
+  </cs:variation>
+  <cs:variation>
+    <a:lumMod val="60000"/>
+    <a:lumOff val="40000"/>
+  </cs:variation>
+  <cs:variation>
+    <a:lumMod val="50000"/>
+  </cs:variation>
+  <cs:variation>
+    <a:lumMod val="70000"/>
+    <a:lumOff val="30000"/>
+  </cs:variation>
+  <cs:variation>
+    <a:lumMod val="70000"/>
+  </cs:variation>
+  <cs:variation>
+    <a:lumMod val="50000"/>
+    <a:lumOff val="50000"/>
+  </cs:variation>
+</cs:colorStyle>
+</file>
+
+<file path=ppt/charts/colors3.xml><?xml version="1.0" encoding="utf-8"?>
+<cs:colorStyle xmlns:cs="http://schemas.microsoft.com/office/drawing/2012/chartStyle" xmlns:a="http://schemas.openxmlformats.org/drawingml/2006/main" meth="cycle" id="10">
+  <a:schemeClr val="accent1"/>
+  <a:schemeClr val="accent2"/>
+  <a:schemeClr val="accent3"/>
+  <a:schemeClr val="accent4"/>
+  <a:schemeClr val="accent5"/>
+  <a:schemeClr val="accent6"/>
+  <cs:variation/>
+  <cs:variation>
+    <a:lumMod val="60000"/>
+  </cs:variation>
+  <cs:variation>
+    <a:lumMod val="80000"/>
+    <a:lumOff val="20000"/>
+  </cs:variation>
+  <cs:variation>
+    <a:lumMod val="80000"/>
+  </cs:variation>
+  <cs:variation>
+    <a:lumMod val="60000"/>
+    <a:lumOff val="40000"/>
+  </cs:variation>
+  <cs:variation>
+    <a:lumMod val="50000"/>
+  </cs:variation>
+  <cs:variation>
+    <a:lumMod val="70000"/>
+    <a:lumOff val="30000"/>
+  </cs:variation>
+  <cs:variation>
+    <a:lumMod val="70000"/>
+  </cs:variation>
+  <cs:variation>
+    <a:lumMod val="50000"/>
+    <a:lumOff val="50000"/>
+  </cs:variation>
+</cs:colorStyle>
+</file>
+
+<file path=ppt/charts/style1.xml><?xml version="1.0" encoding="utf-8"?>
+<cs:chartStyle xmlns:cs="http://schemas.microsoft.com/office/drawing/2012/chartStyle" xmlns:a="http://schemas.openxmlformats.org/drawingml/2006/main" id="216">
+  <cs:axisTitle>
+    <cs:lnRef idx="0"/>
+    <cs:fillRef idx="0"/>
+    <cs:effectRef idx="0"/>
+    <cs:fontRef idx="minor">
+      <a:schemeClr val="tx1">
+        <a:lumMod val="65000"/>
+        <a:lumOff val="35000"/>
+      </a:schemeClr>
+    </cs:fontRef>
+    <cs:defRPr sz="1330" kern="1200"/>
+  </cs:axisTitle>
+  <cs:categoryAxis>
+    <cs:lnRef idx="0"/>
+    <cs:fillRef idx="0"/>
+    <cs:effectRef idx="0"/>
+    <cs:fontRef idx="minor">
+      <a:schemeClr val="tx1">
+        <a:lumMod val="65000"/>
+        <a:lumOff val="35000"/>
+      </a:schemeClr>
+    </cs:fontRef>
+    <cs:spPr>
+      <a:ln w="9525" cap="flat" cmpd="sng" algn="ctr">
+        <a:solidFill>
+          <a:schemeClr val="tx1">
+            <a:lumMod val="15000"/>
+            <a:lumOff val="85000"/>
+          </a:schemeClr>
+        </a:solidFill>
+        <a:round/>
+      </a:ln>
+    </cs:spPr>
+    <cs:defRPr sz="1197" kern="1200"/>
+  </cs:categoryAxis>
+  <cs:chartArea mods="allowNoFillOverride allowNoLineOverride">
+    <cs:lnRef idx="0"/>
+    <cs:fillRef idx="0"/>
+    <cs:effectRef idx="0"/>
+    <cs:fontRef idx="minor">
+      <a:schemeClr val="tx1"/>
+    </cs:fontRef>
+    <cs:spPr>
+      <a:solidFill>
+        <a:schemeClr val="bg1"/>
+      </a:solidFill>
+      <a:ln w="9525" cap="flat" cmpd="sng" algn="ctr">
+        <a:solidFill>
+          <a:schemeClr val="tx1">
+            <a:lumMod val="15000"/>
+            <a:lumOff val="85000"/>
+          </a:schemeClr>
+        </a:solidFill>
+        <a:round/>
+      </a:ln>
+    </cs:spPr>
+    <cs:defRPr sz="1330" kern="1200"/>
+  </cs:chartArea>
+  <cs:dataLabel>
+    <cs:lnRef idx="0"/>
+    <cs:fillRef idx="0"/>
+    <cs:effectRef idx="0"/>
+    <cs:fontRef idx="minor">
+      <a:schemeClr val="tx1">
+        <a:lumMod val="75000"/>
+        <a:lumOff val="25000"/>
+      </a:schemeClr>
+    </cs:fontRef>
+    <cs:defRPr sz="1197" kern="1200"/>
+  </cs:dataLabel>
+  <cs:dataLabelCallout>
+    <cs:lnRef idx="0"/>
+    <cs:fillRef idx="0"/>
+    <cs:effectRef idx="0"/>
+    <cs:fontRef idx="minor">
+      <a:schemeClr val="dk1">
+        <a:lumMod val="65000"/>
+        <a:lumOff val="35000"/>
+      </a:schemeClr>
+    </cs:fontRef>
+    <cs:spPr>
+      <a:solidFill>
+        <a:schemeClr val="lt1"/>
+      </a:solidFill>
+      <a:ln>
+        <a:solidFill>
+          <a:schemeClr val="dk1">
+            <a:lumMod val="25000"/>
+            <a:lumOff val="75000"/>
+          </a:schemeClr>
+        </a:solidFill>
+      </a:ln>
+    </cs:spPr>
+    <cs:defRPr sz="1197" kern="1200"/>
+    <cs:bodyPr rot="0" spcFirstLastPara="1" vertOverflow="clip" horzOverflow="clip" vert="horz" wrap="square" lIns="36576" tIns="18288" rIns="36576" bIns="18288" anchor="ctr" anchorCtr="1">
+      <a:spAutoFit/>
+    </cs:bodyPr>
+  </cs:dataLabelCallout>
+  <cs:dataPoint>
+    <cs:lnRef idx="0"/>
+    <cs:fillRef idx="1">
+      <cs:styleClr val="auto"/>
+    </cs:fillRef>
+    <cs:effectRef idx="0"/>
+    <cs:fontRef idx="minor">
+      <a:schemeClr val="tx1"/>
+    </cs:fontRef>
+  </cs:dataPoint>
+  <cs:dataPoint3D>
+    <cs:lnRef idx="0"/>
+    <cs:fillRef idx="1">
+      <cs:styleClr val="auto"/>
+    </cs:fillRef>
+    <cs:effectRef idx="0"/>
+    <cs:fontRef idx="minor">
+      <a:schemeClr val="tx1"/>
+    </cs:fontRef>
+  </cs:dataPoint3D>
+  <cs:dataPointLine>
+    <cs:lnRef idx="0">
+      <cs:styleClr val="auto"/>
+    </cs:lnRef>
+    <cs:fillRef idx="1"/>
+    <cs:effectRef idx="0"/>
+    <cs:fontRef idx="minor">
+      <a:schemeClr val="tx1"/>
+    </cs:fontRef>
+    <cs:spPr>
+      <a:ln w="28575" cap="rnd">
+        <a:solidFill>
+          <a:schemeClr val="phClr"/>
+        </a:solidFill>
+        <a:round/>
+      </a:ln>
+    </cs:spPr>
+  </cs:dataPointLine>
+  <cs:dataPointMarker>
+    <cs:lnRef idx="0">
+      <cs:styleClr val="auto"/>
+    </cs:lnRef>
+    <cs:fillRef idx="1">
+      <cs:styleClr val="auto"/>
+    </cs:fillRef>
+    <cs:effectRef idx="0"/>
+    <cs:fontRef idx="minor">
+      <a:schemeClr val="tx1"/>
+    </cs:fontRef>
+    <cs:spPr>
+      <a:ln w="9525">
+        <a:solidFill>
+          <a:schemeClr val="phClr"/>
+        </a:solidFill>
+      </a:ln>
+    </cs:spPr>
+  </cs:dataPointMarker>
+  <cs:dataPointMarkerLayout symbol="circle" size="5"/>
+  <cs:dataPointWireframe>
+    <cs:lnRef idx="0">
+      <cs:styleClr val="auto"/>
+    </cs:lnRef>
+    <cs:fillRef idx="1"/>
+    <cs:effectRef idx="0"/>
+    <cs:fontRef idx="minor">
+      <a:schemeClr val="tx1"/>
+    </cs:fontRef>
+    <cs:spPr>
+      <a:ln w="9525" cap="rnd">
+        <a:solidFill>
+          <a:schemeClr val="phClr"/>
+        </a:solidFill>
+        <a:round/>
+      </a:ln>
+    </cs:spPr>
+  </cs:dataPointWireframe>
+  <cs:dataTable>
+    <cs:lnRef idx="0"/>
+    <cs:fillRef idx="0"/>
+    <cs:effectRef idx="0"/>
+    <cs:fontRef idx="minor">
+      <a:schemeClr val="tx1">
+        <a:lumMod val="65000"/>
+        <a:lumOff val="35000"/>
+      </a:schemeClr>
+    </cs:fontRef>
+    <cs:spPr>
+      <a:noFill/>
+      <a:ln w="9525" cap="flat" cmpd="sng" algn="ctr">
+        <a:solidFill>
+          <a:schemeClr val="tx1">
+            <a:lumMod val="15000"/>
+            <a:lumOff val="85000"/>
+          </a:schemeClr>
+        </a:solidFill>
+        <a:round/>
+      </a:ln>
+    </cs:spPr>
+    <cs:defRPr sz="1197" kern="1200"/>
+  </cs:dataTable>
+  <cs:downBar>
+    <cs:lnRef idx="0"/>
+    <cs:fillRef idx="0"/>
+    <cs:effectRef idx="0"/>
+    <cs:fontRef idx="minor">
+      <a:schemeClr val="tx1"/>
+    </cs:fontRef>
+    <cs:spPr>
+      <a:solidFill>
+        <a:schemeClr val="dk1">
+          <a:lumMod val="75000"/>
+          <a:lumOff val="25000"/>
+        </a:schemeClr>
+      </a:solidFill>
+      <a:ln w="9525" cap="flat" cmpd="sng" algn="ctr">
+        <a:solidFill>
+          <a:schemeClr val="tx1">
+            <a:lumMod val="65000"/>
+            <a:lumOff val="35000"/>
+          </a:schemeClr>
+        </a:solidFill>
+        <a:round/>
+      </a:ln>
+    </cs:spPr>
+  </cs:downBar>
+  <cs:dropLine>
+    <cs:lnRef idx="0"/>
+    <cs:fillRef idx="0"/>
+    <cs:effectRef idx="0"/>
+    <cs:fontRef idx="minor">
+      <a:schemeClr val="tx1"/>
+    </cs:fontRef>
+    <cs:spPr>
+      <a:ln w="9525" cap="flat" cmpd="sng" algn="ctr">
+        <a:solidFill>
+          <a:schemeClr val="tx1">
+            <a:lumMod val="35000"/>
+            <a:lumOff val="65000"/>
+          </a:schemeClr>
+        </a:solidFill>
+        <a:round/>
+      </a:ln>
+    </cs:spPr>
+  </cs:dropLine>
+  <cs:errorBar>
+    <cs:lnRef idx="0"/>
+    <cs:fillRef idx="0"/>
+    <cs:effectRef idx="0"/>
+    <cs:fontRef idx="minor">
+      <a:schemeClr val="tx1"/>
+    </cs:fontRef>
+    <cs:spPr>
+      <a:ln w="9525" cap="flat" cmpd="sng" algn="ctr">
+        <a:solidFill>
+          <a:schemeClr val="tx1">
+            <a:lumMod val="65000"/>
+            <a:lumOff val="35000"/>
+          </a:schemeClr>
+        </a:solidFill>
+        <a:round/>
+      </a:ln>
+    </cs:spPr>
+  </cs:errorBar>
+  <cs:floor>
+    <cs:lnRef idx="0"/>
+    <cs:fillRef idx="0"/>
+    <cs:effectRef idx="0"/>
+    <cs:fontRef idx="minor">
+      <a:schemeClr val="tx1"/>
+    </cs:fontRef>
+    <cs:spPr>
+      <a:noFill/>
+      <a:ln>
+        <a:noFill/>
+      </a:ln>
+    </cs:spPr>
+  </cs:floor>
+  <cs:gridlineMajor>
+    <cs:lnRef idx="0"/>
+    <cs:fillRef idx="0"/>
+    <cs:effectRef idx="0"/>
+    <cs:fontRef idx="minor">
+      <a:schemeClr val="tx1"/>
+    </cs:fontRef>
+    <cs:spPr>
+      <a:ln w="9525" cap="flat" cmpd="sng" algn="ctr">
+        <a:solidFill>
+          <a:schemeClr val="tx1">
+            <a:lumMod val="15000"/>
+            <a:lumOff val="85000"/>
+          </a:schemeClr>
+        </a:solidFill>
+        <a:round/>
+      </a:ln>
+    </cs:spPr>
+  </cs:gridlineMajor>
+  <cs:gridlineMinor>
+    <cs:lnRef idx="0"/>
+    <cs:fillRef idx="0"/>
+    <cs:effectRef idx="0"/>
+    <cs:fontRef idx="minor">
+      <a:schemeClr val="tx1"/>
+    </cs:fontRef>
+    <cs:spPr>
+      <a:ln w="9525" cap="flat" cmpd="sng" algn="ctr">
+        <a:solidFill>
+          <a:schemeClr val="tx1">
+            <a:lumMod val="5000"/>
+            <a:lumOff val="95000"/>
+          </a:schemeClr>
+        </a:solidFill>
+        <a:round/>
+      </a:ln>
+    </cs:spPr>
+  </cs:gridlineMinor>
+  <cs:hiLoLine>
+    <cs:lnRef idx="0"/>
+    <cs:fillRef idx="0"/>
+    <cs:effectRef idx="0"/>
+    <cs:fontRef idx="minor">
+      <a:schemeClr val="tx1"/>
+    </cs:fontRef>
+    <cs:spPr>
+      <a:ln w="9525" cap="flat" cmpd="sng" algn="ctr">
+        <a:solidFill>
+          <a:schemeClr val="tx1">
+            <a:lumMod val="50000"/>
+            <a:lumOff val="50000"/>
+          </a:schemeClr>
+        </a:solidFill>
+        <a:round/>
+      </a:ln>
+    </cs:spPr>
+  </cs:hiLoLine>
+  <cs:leaderLine>
+    <cs:lnRef idx="0"/>
+    <cs:fillRef idx="0"/>
+    <cs:effectRef idx="0"/>
+    <cs:fontRef idx="minor">
+      <a:schemeClr val="tx1"/>
+    </cs:fontRef>
+    <cs:spPr>
+      <a:ln w="9525" cap="flat" cmpd="sng" algn="ctr">
+        <a:solidFill>
+          <a:schemeClr val="tx1">
+            <a:lumMod val="35000"/>
+            <a:lumOff val="65000"/>
+          </a:schemeClr>
+        </a:solidFill>
+        <a:round/>
+      </a:ln>
+    </cs:spPr>
+  </cs:leaderLine>
+  <cs:legend>
+    <cs:lnRef idx="0"/>
+    <cs:fillRef idx="0"/>
+    <cs:effectRef idx="0"/>
+    <cs:fontRef idx="minor">
+      <a:schemeClr val="tx1">
+        <a:lumMod val="65000"/>
+        <a:lumOff val="35000"/>
+      </a:schemeClr>
+    </cs:fontRef>
+    <cs:defRPr sz="1197" kern="1200"/>
+  </cs:legend>
+  <cs:plotArea mods="allowNoFillOverride allowNoLineOverride">
+    <cs:lnRef idx="0"/>
+    <cs:fillRef idx="0"/>
+    <cs:effectRef idx="0"/>
+    <cs:fontRef idx="minor">
+      <a:schemeClr val="tx1"/>
+    </cs:fontRef>
+  </cs:plotArea>
+  <cs:plotArea3D mods="allowNoFillOverride allowNoLineOverride">
+    <cs:lnRef idx="0"/>
+    <cs:fillRef idx="0"/>
+    <cs:effectRef idx="0"/>
+    <cs:fontRef idx="minor">
+      <a:schemeClr val="tx1"/>
+    </cs:fontRef>
+  </cs:plotArea3D>
+  <cs:seriesAxis>
+    <cs:lnRef idx="0"/>
+    <cs:fillRef idx="0"/>
+    <cs:effectRef idx="0"/>
+    <cs:fontRef idx="minor">
+      <a:schemeClr val="tx1">
+        <a:lumMod val="65000"/>
+        <a:lumOff val="35000"/>
+      </a:schemeClr>
+    </cs:fontRef>
+    <cs:defRPr sz="1197" kern="1200"/>
+  </cs:seriesAxis>
+  <cs:seriesLine>
+    <cs:lnRef idx="0"/>
+    <cs:fillRef idx="0"/>
+    <cs:effectRef idx="0"/>
+    <cs:fontRef idx="minor">
+      <a:schemeClr val="tx1"/>
+    </cs:fontRef>
+    <cs:spPr>
+      <a:ln w="9525" cap="flat" cmpd="sng" algn="ctr">
+        <a:solidFill>
+          <a:schemeClr val="tx1">
+            <a:lumMod val="35000"/>
+            <a:lumOff val="65000"/>
+          </a:schemeClr>
+        </a:solidFill>
+        <a:round/>
+      </a:ln>
+    </cs:spPr>
+  </cs:seriesLine>
+  <cs:title>
+    <cs:lnRef idx="0"/>
+    <cs:fillRef idx="0"/>
+    <cs:effectRef idx="0"/>
+    <cs:fontRef idx="minor">
+      <a:schemeClr val="tx1">
+        <a:lumMod val="65000"/>
+        <a:lumOff val="35000"/>
+      </a:schemeClr>
+    </cs:fontRef>
+    <cs:defRPr sz="1862" b="0" kern="1200" spc="0" baseline="0"/>
+  </cs:title>
+  <cs:trendline>
+    <cs:lnRef idx="0">
+      <cs:styleClr val="auto"/>
+    </cs:lnRef>
+    <cs:fillRef idx="0"/>
+    <cs:effectRef idx="0"/>
+    <cs:fontRef idx="minor">
+      <a:schemeClr val="tx1"/>
+    </cs:fontRef>
+    <cs:spPr>
+      <a:ln w="19050" cap="rnd">
+        <a:solidFill>
+          <a:schemeClr val="phClr"/>
+        </a:solidFill>
+        <a:prstDash val="sysDot"/>
+      </a:ln>
+    </cs:spPr>
+  </cs:trendline>
+  <cs:trendlineLabel>
+    <cs:lnRef idx="0"/>
+    <cs:fillRef idx="0"/>
+    <cs:effectRef idx="0"/>
+    <cs:fontRef idx="minor">
+      <a:schemeClr val="tx1">
+        <a:lumMod val="65000"/>
+        <a:lumOff val="35000"/>
+      </a:schemeClr>
+    </cs:fontRef>
+    <cs:defRPr sz="1197" kern="1200"/>
+  </cs:trendlineLabel>
+  <cs:upBar>
+    <cs:lnRef idx="0"/>
+    <cs:fillRef idx="0"/>
+    <cs:effectRef idx="0"/>
+    <cs:fontRef idx="minor">
+      <a:schemeClr val="tx1"/>
+    </cs:fontRef>
+    <cs:spPr>
+      <a:solidFill>
+        <a:schemeClr val="lt1"/>
+      </a:solidFill>
+      <a:ln w="9525" cap="flat" cmpd="sng" algn="ctr">
+        <a:solidFill>
+          <a:schemeClr val="tx1">
+            <a:lumMod val="65000"/>
+            <a:lumOff val="35000"/>
+          </a:schemeClr>
+        </a:solidFill>
+        <a:round/>
+      </a:ln>
+    </cs:spPr>
+  </cs:upBar>
+  <cs:valueAxis>
+    <cs:lnRef idx="0"/>
+    <cs:fillRef idx="0"/>
+    <cs:effectRef idx="0"/>
+    <cs:fontRef idx="minor">
+      <a:schemeClr val="tx1">
+        <a:lumMod val="65000"/>
+        <a:lumOff val="35000"/>
+      </a:schemeClr>
+    </cs:fontRef>
+    <cs:defRPr sz="1197" kern="1200"/>
+  </cs:valueAxis>
+  <cs:wall>
+    <cs:lnRef idx="0"/>
+    <cs:fillRef idx="0"/>
+    <cs:effectRef idx="0"/>
+    <cs:fontRef idx="minor">
+      <a:schemeClr val="tx1"/>
+    </cs:fontRef>
+    <cs:spPr>
+      <a:noFill/>
+      <a:ln>
+        <a:noFill/>
+      </a:ln>
+    </cs:spPr>
+  </cs:wall>
+</cs:chartStyle>
+</file>
+
+<file path=ppt/charts/style2.xml><?xml version="1.0" encoding="utf-8"?>
+<cs:chartStyle xmlns:cs="http://schemas.microsoft.com/office/drawing/2012/chartStyle" xmlns:a="http://schemas.openxmlformats.org/drawingml/2006/main" id="216">
+  <cs:axisTitle>
+    <cs:lnRef idx="0"/>
+    <cs:fillRef idx="0"/>
+    <cs:effectRef idx="0"/>
+    <cs:fontRef idx="minor">
+      <a:schemeClr val="tx1">
+        <a:lumMod val="65000"/>
+        <a:lumOff val="35000"/>
+      </a:schemeClr>
+    </cs:fontRef>
+    <cs:defRPr sz="1330" kern="1200"/>
+  </cs:axisTitle>
+  <cs:categoryAxis>
+    <cs:lnRef idx="0"/>
+    <cs:fillRef idx="0"/>
+    <cs:effectRef idx="0"/>
+    <cs:fontRef idx="minor">
+      <a:schemeClr val="tx1">
+        <a:lumMod val="65000"/>
+        <a:lumOff val="35000"/>
+      </a:schemeClr>
+    </cs:fontRef>
+    <cs:spPr>
+      <a:ln w="9525" cap="flat" cmpd="sng" algn="ctr">
+        <a:solidFill>
+          <a:schemeClr val="tx1">
+            <a:lumMod val="15000"/>
+            <a:lumOff val="85000"/>
+          </a:schemeClr>
+        </a:solidFill>
+        <a:round/>
+      </a:ln>
+    </cs:spPr>
+    <cs:defRPr sz="1197" kern="1200"/>
+  </cs:categoryAxis>
+  <cs:chartArea mods="allowNoFillOverride allowNoLineOverride">
+    <cs:lnRef idx="0"/>
+    <cs:fillRef idx="0"/>
+    <cs:effectRef idx="0"/>
+    <cs:fontRef idx="minor">
+      <a:schemeClr val="tx1"/>
+    </cs:fontRef>
+    <cs:spPr>
+      <a:solidFill>
+        <a:schemeClr val="bg1"/>
+      </a:solidFill>
+      <a:ln w="9525" cap="flat" cmpd="sng" algn="ctr">
+        <a:solidFill>
+          <a:schemeClr val="tx1">
+            <a:lumMod val="15000"/>
+            <a:lumOff val="85000"/>
+          </a:schemeClr>
+        </a:solidFill>
+        <a:round/>
+      </a:ln>
+    </cs:spPr>
+    <cs:defRPr sz="1330" kern="1200"/>
+  </cs:chartArea>
+  <cs:dataLabel>
+    <cs:lnRef idx="0"/>
+    <cs:fillRef idx="0"/>
+    <cs:effectRef idx="0"/>
+    <cs:fontRef idx="minor">
+      <a:schemeClr val="tx1">
+        <a:lumMod val="75000"/>
+        <a:lumOff val="25000"/>
+      </a:schemeClr>
+    </cs:fontRef>
+    <cs:defRPr sz="1197" kern="1200"/>
+  </cs:dataLabel>
+  <cs:dataLabelCallout>
+    <cs:lnRef idx="0"/>
+    <cs:fillRef idx="0"/>
+    <cs:effectRef idx="0"/>
+    <cs:fontRef idx="minor">
+      <a:schemeClr val="dk1">
+        <a:lumMod val="65000"/>
+        <a:lumOff val="35000"/>
+      </a:schemeClr>
+    </cs:fontRef>
+    <cs:spPr>
+      <a:solidFill>
+        <a:schemeClr val="lt1"/>
+      </a:solidFill>
+      <a:ln>
+        <a:solidFill>
+          <a:schemeClr val="dk1">
+            <a:lumMod val="25000"/>
+            <a:lumOff val="75000"/>
+          </a:schemeClr>
+        </a:solidFill>
+      </a:ln>
+    </cs:spPr>
+    <cs:defRPr sz="1197" kern="1200"/>
+    <cs:bodyPr rot="0" spcFirstLastPara="1" vertOverflow="clip" horzOverflow="clip" vert="horz" wrap="square" lIns="36576" tIns="18288" rIns="36576" bIns="18288" anchor="ctr" anchorCtr="1">
+      <a:spAutoFit/>
+    </cs:bodyPr>
+  </cs:dataLabelCallout>
+  <cs:dataPoint>
+    <cs:lnRef idx="0"/>
+    <cs:fillRef idx="1">
+      <cs:styleClr val="auto"/>
+    </cs:fillRef>
+    <cs:effectRef idx="0"/>
+    <cs:fontRef idx="minor">
+      <a:schemeClr val="tx1"/>
+    </cs:fontRef>
+  </cs:dataPoint>
+  <cs:dataPoint3D>
+    <cs:lnRef idx="0"/>
+    <cs:fillRef idx="1">
+      <cs:styleClr val="auto"/>
+    </cs:fillRef>
+    <cs:effectRef idx="0"/>
+    <cs:fontRef idx="minor">
+      <a:schemeClr val="tx1"/>
+    </cs:fontRef>
+  </cs:dataPoint3D>
+  <cs:dataPointLine>
+    <cs:lnRef idx="0">
+      <cs:styleClr val="auto"/>
+    </cs:lnRef>
+    <cs:fillRef idx="1"/>
+    <cs:effectRef idx="0"/>
+    <cs:fontRef idx="minor">
+      <a:schemeClr val="tx1"/>
+    </cs:fontRef>
+    <cs:spPr>
+      <a:ln w="28575" cap="rnd">
+        <a:solidFill>
+          <a:schemeClr val="phClr"/>
+        </a:solidFill>
+        <a:round/>
+      </a:ln>
+    </cs:spPr>
+  </cs:dataPointLine>
+  <cs:dataPointMarker>
+    <cs:lnRef idx="0">
+      <cs:styleClr val="auto"/>
+    </cs:lnRef>
+    <cs:fillRef idx="1">
+      <cs:styleClr val="auto"/>
+    </cs:fillRef>
+    <cs:effectRef idx="0"/>
+    <cs:fontRef idx="minor">
+      <a:schemeClr val="tx1"/>
+    </cs:fontRef>
+    <cs:spPr>
+      <a:ln w="9525">
+        <a:solidFill>
+          <a:schemeClr val="phClr"/>
+        </a:solidFill>
+      </a:ln>
+    </cs:spPr>
+  </cs:dataPointMarker>
+  <cs:dataPointMarkerLayout symbol="circle" size="5"/>
+  <cs:dataPointWireframe>
+    <cs:lnRef idx="0">
+      <cs:styleClr val="auto"/>
+    </cs:lnRef>
+    <cs:fillRef idx="1"/>
+    <cs:effectRef idx="0"/>
+    <cs:fontRef idx="minor">
+      <a:schemeClr val="tx1"/>
+    </cs:fontRef>
+    <cs:spPr>
+      <a:ln w="9525" cap="rnd">
+        <a:solidFill>
+          <a:schemeClr val="phClr"/>
+        </a:solidFill>
+        <a:round/>
+      </a:ln>
+    </cs:spPr>
+  </cs:dataPointWireframe>
+  <cs:dataTable>
+    <cs:lnRef idx="0"/>
+    <cs:fillRef idx="0"/>
+    <cs:effectRef idx="0"/>
+    <cs:fontRef idx="minor">
+      <a:schemeClr val="tx1">
+        <a:lumMod val="65000"/>
+        <a:lumOff val="35000"/>
+      </a:schemeClr>
+    </cs:fontRef>
+    <cs:spPr>
+      <a:noFill/>
+      <a:ln w="9525" cap="flat" cmpd="sng" algn="ctr">
+        <a:solidFill>
+          <a:schemeClr val="tx1">
+            <a:lumMod val="15000"/>
+            <a:lumOff val="85000"/>
+          </a:schemeClr>
+        </a:solidFill>
+        <a:round/>
+      </a:ln>
+    </cs:spPr>
+    <cs:defRPr sz="1197" kern="1200"/>
+  </cs:dataTable>
+  <cs:downBar>
+    <cs:lnRef idx="0"/>
+    <cs:fillRef idx="0"/>
+    <cs:effectRef idx="0"/>
+    <cs:fontRef idx="minor">
+      <a:schemeClr val="tx1"/>
+    </cs:fontRef>
+    <cs:spPr>
+      <a:solidFill>
+        <a:schemeClr val="dk1">
+          <a:lumMod val="75000"/>
+          <a:lumOff val="25000"/>
+        </a:schemeClr>
+      </a:solidFill>
+      <a:ln w="9525" cap="flat" cmpd="sng" algn="ctr">
+        <a:solidFill>
+          <a:schemeClr val="tx1">
+            <a:lumMod val="65000"/>
+            <a:lumOff val="35000"/>
+          </a:schemeClr>
+        </a:solidFill>
+        <a:round/>
+      </a:ln>
+    </cs:spPr>
+  </cs:downBar>
+  <cs:dropLine>
+    <cs:lnRef idx="0"/>
+    <cs:fillRef idx="0"/>
+    <cs:effectRef idx="0"/>
+    <cs:fontRef idx="minor">
+      <a:schemeClr val="tx1"/>
+    </cs:fontRef>
+    <cs:spPr>
+      <a:ln w="9525" cap="flat" cmpd="sng" algn="ctr">
+        <a:solidFill>
+          <a:schemeClr val="tx1">
+            <a:lumMod val="35000"/>
+            <a:lumOff val="65000"/>
+          </a:schemeClr>
+        </a:solidFill>
+        <a:round/>
+      </a:ln>
+    </cs:spPr>
+  </cs:dropLine>
+  <cs:errorBar>
+    <cs:lnRef idx="0"/>
+    <cs:fillRef idx="0"/>
+    <cs:effectRef idx="0"/>
+    <cs:fontRef idx="minor">
+      <a:schemeClr val="tx1"/>
+    </cs:fontRef>
+    <cs:spPr>
+      <a:ln w="9525" cap="flat" cmpd="sng" algn="ctr">
+        <a:solidFill>
+          <a:schemeClr val="tx1">
+            <a:lumMod val="65000"/>
+            <a:lumOff val="35000"/>
+          </a:schemeClr>
+        </a:solidFill>
+        <a:round/>
+      </a:ln>
+    </cs:spPr>
+  </cs:errorBar>
+  <cs:floor>
+    <cs:lnRef idx="0"/>
+    <cs:fillRef idx="0"/>
+    <cs:effectRef idx="0"/>
+    <cs:fontRef idx="minor">
+      <a:schemeClr val="tx1"/>
+    </cs:fontRef>
+    <cs:spPr>
+      <a:noFill/>
+      <a:ln>
+        <a:noFill/>
+      </a:ln>
+    </cs:spPr>
+  </cs:floor>
+  <cs:gridlineMajor>
+    <cs:lnRef idx="0"/>
+    <cs:fillRef idx="0"/>
+    <cs:effectRef idx="0"/>
+    <cs:fontRef idx="minor">
+      <a:schemeClr val="tx1"/>
+    </cs:fontRef>
+    <cs:spPr>
+      <a:ln w="9525" cap="flat" cmpd="sng" algn="ctr">
+        <a:solidFill>
+          <a:schemeClr val="tx1">
+            <a:lumMod val="15000"/>
+            <a:lumOff val="85000"/>
+          </a:schemeClr>
+        </a:solidFill>
+        <a:round/>
+      </a:ln>
+    </cs:spPr>
+  </cs:gridlineMajor>
+  <cs:gridlineMinor>
+    <cs:lnRef idx="0"/>
+    <cs:fillRef idx="0"/>
+    <cs:effectRef idx="0"/>
+    <cs:fontRef idx="minor">
+      <a:schemeClr val="tx1"/>
+    </cs:fontRef>
+    <cs:spPr>
+      <a:ln w="9525" cap="flat" cmpd="sng" algn="ctr">
+        <a:solidFill>
+          <a:schemeClr val="tx1">
+            <a:lumMod val="5000"/>
+            <a:lumOff val="95000"/>
+          </a:schemeClr>
+        </a:solidFill>
+        <a:round/>
+      </a:ln>
+    </cs:spPr>
+  </cs:gridlineMinor>
+  <cs:hiLoLine>
+    <cs:lnRef idx="0"/>
+    <cs:fillRef idx="0"/>
+    <cs:effectRef idx="0"/>
+    <cs:fontRef idx="minor">
+      <a:schemeClr val="tx1"/>
+    </cs:fontRef>
+    <cs:spPr>
+      <a:ln w="9525" cap="flat" cmpd="sng" algn="ctr">
+        <a:solidFill>
+          <a:schemeClr val="tx1">
+            <a:lumMod val="50000"/>
+            <a:lumOff val="50000"/>
+          </a:schemeClr>
+        </a:solidFill>
+        <a:round/>
+      </a:ln>
+    </cs:spPr>
+  </cs:hiLoLine>
+  <cs:leaderLine>
+    <cs:lnRef idx="0"/>
+    <cs:fillRef idx="0"/>
+    <cs:effectRef idx="0"/>
+    <cs:fontRef idx="minor">
+      <a:schemeClr val="tx1"/>
+    </cs:fontRef>
+    <cs:spPr>
+      <a:ln w="9525" cap="flat" cmpd="sng" algn="ctr">
+        <a:solidFill>
+          <a:schemeClr val="tx1">
+            <a:lumMod val="35000"/>
+            <a:lumOff val="65000"/>
+          </a:schemeClr>
+        </a:solidFill>
+        <a:round/>
+      </a:ln>
+    </cs:spPr>
+  </cs:leaderLine>
+  <cs:legend>
+    <cs:lnRef idx="0"/>
+    <cs:fillRef idx="0"/>
+    <cs:effectRef idx="0"/>
+    <cs:fontRef idx="minor">
+      <a:schemeClr val="tx1">
+        <a:lumMod val="65000"/>
+        <a:lumOff val="35000"/>
+      </a:schemeClr>
+    </cs:fontRef>
+    <cs:defRPr sz="1197" kern="1200"/>
+  </cs:legend>
+  <cs:plotArea mods="allowNoFillOverride allowNoLineOverride">
+    <cs:lnRef idx="0"/>
+    <cs:fillRef idx="0"/>
+    <cs:effectRef idx="0"/>
+    <cs:fontRef idx="minor">
+      <a:schemeClr val="tx1"/>
+    </cs:fontRef>
+  </cs:plotArea>
+  <cs:plotArea3D mods="allowNoFillOverride allowNoLineOverride">
+    <cs:lnRef idx="0"/>
+    <cs:fillRef idx="0"/>
+    <cs:effectRef idx="0"/>
+    <cs:fontRef idx="minor">
+      <a:schemeClr val="tx1"/>
+    </cs:fontRef>
+  </cs:plotArea3D>
+  <cs:seriesAxis>
+    <cs:lnRef idx="0"/>
+    <cs:fillRef idx="0"/>
+    <cs:effectRef idx="0"/>
+    <cs:fontRef idx="minor">
+      <a:schemeClr val="tx1">
+        <a:lumMod val="65000"/>
+        <a:lumOff val="35000"/>
+      </a:schemeClr>
+    </cs:fontRef>
+    <cs:defRPr sz="1197" kern="1200"/>
+  </cs:seriesAxis>
+  <cs:seriesLine>
+    <cs:lnRef idx="0"/>
+    <cs:fillRef idx="0"/>
+    <cs:effectRef idx="0"/>
+    <cs:fontRef idx="minor">
+      <a:schemeClr val="tx1"/>
+    </cs:fontRef>
+    <cs:spPr>
+      <a:ln w="9525" cap="flat" cmpd="sng" algn="ctr">
+        <a:solidFill>
+          <a:schemeClr val="tx1">
+            <a:lumMod val="35000"/>
+            <a:lumOff val="65000"/>
+          </a:schemeClr>
+        </a:solidFill>
+        <a:round/>
+      </a:ln>
+    </cs:spPr>
+  </cs:seriesLine>
+  <cs:title>
+    <cs:lnRef idx="0"/>
+    <cs:fillRef idx="0"/>
+    <cs:effectRef idx="0"/>
+    <cs:fontRef idx="minor">
+      <a:schemeClr val="tx1">
+        <a:lumMod val="65000"/>
+        <a:lumOff val="35000"/>
+      </a:schemeClr>
+    </cs:fontRef>
+    <cs:defRPr sz="1862" b="0" kern="1200" spc="0" baseline="0"/>
+  </cs:title>
+  <cs:trendline>
+    <cs:lnRef idx="0">
+      <cs:styleClr val="auto"/>
+    </cs:lnRef>
+    <cs:fillRef idx="0"/>
+    <cs:effectRef idx="0"/>
+    <cs:fontRef idx="minor">
+      <a:schemeClr val="tx1"/>
+    </cs:fontRef>
+    <cs:spPr>
+      <a:ln w="19050" cap="rnd">
+        <a:solidFill>
+          <a:schemeClr val="phClr"/>
+        </a:solidFill>
+        <a:prstDash val="sysDot"/>
+      </a:ln>
+    </cs:spPr>
+  </cs:trendline>
+  <cs:trendlineLabel>
+    <cs:lnRef idx="0"/>
+    <cs:fillRef idx="0"/>
+    <cs:effectRef idx="0"/>
+    <cs:fontRef idx="minor">
+      <a:schemeClr val="tx1">
+        <a:lumMod val="65000"/>
+        <a:lumOff val="35000"/>
+      </a:schemeClr>
+    </cs:fontRef>
+    <cs:defRPr sz="1197" kern="1200"/>
+  </cs:trendlineLabel>
+  <cs:upBar>
+    <cs:lnRef idx="0"/>
+    <cs:fillRef idx="0"/>
+    <cs:effectRef idx="0"/>
+    <cs:fontRef idx="minor">
+      <a:schemeClr val="tx1"/>
+    </cs:fontRef>
+    <cs:spPr>
+      <a:solidFill>
+        <a:schemeClr val="lt1"/>
+      </a:solidFill>
+      <a:ln w="9525" cap="flat" cmpd="sng" algn="ctr">
+        <a:solidFill>
+          <a:schemeClr val="tx1">
+            <a:lumMod val="65000"/>
+            <a:lumOff val="35000"/>
+          </a:schemeClr>
+        </a:solidFill>
+        <a:round/>
+      </a:ln>
+    </cs:spPr>
+  </cs:upBar>
+  <cs:valueAxis>
+    <cs:lnRef idx="0"/>
+    <cs:fillRef idx="0"/>
+    <cs:effectRef idx="0"/>
+    <cs:fontRef idx="minor">
+      <a:schemeClr val="tx1">
+        <a:lumMod val="65000"/>
+        <a:lumOff val="35000"/>
+      </a:schemeClr>
+    </cs:fontRef>
+    <cs:defRPr sz="1197" kern="1200"/>
+  </cs:valueAxis>
+  <cs:wall>
+    <cs:lnRef idx="0"/>
+    <cs:fillRef idx="0"/>
+    <cs:effectRef idx="0"/>
+    <cs:fontRef idx="minor">
+      <a:schemeClr val="tx1"/>
+    </cs:fontRef>
+    <cs:spPr>
+      <a:noFill/>
+      <a:ln>
+        <a:noFill/>
+      </a:ln>
+    </cs:spPr>
+  </cs:wall>
+</cs:chartStyle>
+</file>
+
+<file path=ppt/charts/style3.xml><?xml version="1.0" encoding="utf-8"?>
+<cs:chartStyle xmlns:cs="http://schemas.microsoft.com/office/drawing/2012/chartStyle" xmlns:a="http://schemas.openxmlformats.org/drawingml/2006/main" id="216">
+  <cs:axisTitle>
+    <cs:lnRef idx="0"/>
+    <cs:fillRef idx="0"/>
+    <cs:effectRef idx="0"/>
+    <cs:fontRef idx="minor">
+      <a:schemeClr val="tx1">
+        <a:lumMod val="65000"/>
+        <a:lumOff val="35000"/>
+      </a:schemeClr>
+    </cs:fontRef>
+    <cs:defRPr sz="1330" kern="1200"/>
+  </cs:axisTitle>
+  <cs:categoryAxis>
+    <cs:lnRef idx="0"/>
+    <cs:fillRef idx="0"/>
+    <cs:effectRef idx="0"/>
+    <cs:fontRef idx="minor">
+      <a:schemeClr val="tx1">
+        <a:lumMod val="65000"/>
+        <a:lumOff val="35000"/>
+      </a:schemeClr>
+    </cs:fontRef>
+    <cs:spPr>
+      <a:ln w="9525" cap="flat" cmpd="sng" algn="ctr">
+        <a:solidFill>
+          <a:schemeClr val="tx1">
+            <a:lumMod val="15000"/>
+            <a:lumOff val="85000"/>
+          </a:schemeClr>
+        </a:solidFill>
+        <a:round/>
+      </a:ln>
+    </cs:spPr>
+    <cs:defRPr sz="1197" kern="1200"/>
+  </cs:categoryAxis>
+  <cs:chartArea mods="allowNoFillOverride allowNoLineOverride">
+    <cs:lnRef idx="0"/>
+    <cs:fillRef idx="0"/>
+    <cs:effectRef idx="0"/>
+    <cs:fontRef idx="minor">
+      <a:schemeClr val="tx1"/>
+    </cs:fontRef>
+    <cs:spPr>
+      <a:solidFill>
+        <a:schemeClr val="bg1"/>
+      </a:solidFill>
+      <a:ln w="9525" cap="flat" cmpd="sng" algn="ctr">
+        <a:solidFill>
+          <a:schemeClr val="tx1">
+            <a:lumMod val="15000"/>
+            <a:lumOff val="85000"/>
+          </a:schemeClr>
+        </a:solidFill>
+        <a:round/>
+      </a:ln>
+    </cs:spPr>
+    <cs:defRPr sz="1330" kern="1200"/>
+  </cs:chartArea>
+  <cs:dataLabel>
+    <cs:lnRef idx="0"/>
+    <cs:fillRef idx="0"/>
+    <cs:effectRef idx="0"/>
+    <cs:fontRef idx="minor">
+      <a:schemeClr val="tx1">
+        <a:lumMod val="75000"/>
+        <a:lumOff val="25000"/>
+      </a:schemeClr>
+    </cs:fontRef>
+    <cs:defRPr sz="1197" kern="1200"/>
+  </cs:dataLabel>
+  <cs:dataLabelCallout>
+    <cs:lnRef idx="0"/>
+    <cs:fillRef idx="0"/>
+    <cs:effectRef idx="0"/>
+    <cs:fontRef idx="minor">
+      <a:schemeClr val="dk1">
+        <a:lumMod val="65000"/>
+        <a:lumOff val="35000"/>
+      </a:schemeClr>
+    </cs:fontRef>
+    <cs:spPr>
+      <a:solidFill>
+        <a:schemeClr val="lt1"/>
+      </a:solidFill>
+      <a:ln>
+        <a:solidFill>
+          <a:schemeClr val="dk1">
+            <a:lumMod val="25000"/>
+            <a:lumOff val="75000"/>
+          </a:schemeClr>
+        </a:solidFill>
+      </a:ln>
+    </cs:spPr>
+    <cs:defRPr sz="1197" kern="1200"/>
+    <cs:bodyPr rot="0" spcFirstLastPara="1" vertOverflow="clip" horzOverflow="clip" vert="horz" wrap="square" lIns="36576" tIns="18288" rIns="36576" bIns="18288" anchor="ctr" anchorCtr="1">
+      <a:spAutoFit/>
+    </cs:bodyPr>
+  </cs:dataLabelCallout>
+  <cs:dataPoint>
+    <cs:lnRef idx="0"/>
+    <cs:fillRef idx="1">
+      <cs:styleClr val="auto"/>
+    </cs:fillRef>
+    <cs:effectRef idx="0"/>
+    <cs:fontRef idx="minor">
+      <a:schemeClr val="tx1"/>
+    </cs:fontRef>
+  </cs:dataPoint>
+  <cs:dataPoint3D>
+    <cs:lnRef idx="0"/>
+    <cs:fillRef idx="1">
+      <cs:styleClr val="auto"/>
+    </cs:fillRef>
+    <cs:effectRef idx="0"/>
+    <cs:fontRef idx="minor">
+      <a:schemeClr val="tx1"/>
+    </cs:fontRef>
+  </cs:dataPoint3D>
+  <cs:dataPointLine>
+    <cs:lnRef idx="0">
+      <cs:styleClr val="auto"/>
+    </cs:lnRef>
+    <cs:fillRef idx="1"/>
+    <cs:effectRef idx="0"/>
+    <cs:fontRef idx="minor">
+      <a:schemeClr val="tx1"/>
+    </cs:fontRef>
+    <cs:spPr>
+      <a:ln w="28575" cap="rnd">
+        <a:solidFill>
+          <a:schemeClr val="phClr"/>
+        </a:solidFill>
+        <a:round/>
+      </a:ln>
+    </cs:spPr>
+  </cs:dataPointLine>
+  <cs:dataPointMarker>
+    <cs:lnRef idx="0">
+      <cs:styleClr val="auto"/>
+    </cs:lnRef>
+    <cs:fillRef idx="1">
+      <cs:styleClr val="auto"/>
+    </cs:fillRef>
+    <cs:effectRef idx="0"/>
+    <cs:fontRef idx="minor">
+      <a:schemeClr val="tx1"/>
+    </cs:fontRef>
+    <cs:spPr>
+      <a:ln w="9525">
+        <a:solidFill>
+          <a:schemeClr val="phClr"/>
+        </a:solidFill>
+      </a:ln>
+    </cs:spPr>
+  </cs:dataPointMarker>
+  <cs:dataPointMarkerLayout symbol="circle" size="5"/>
+  <cs:dataPointWireframe>
+    <cs:lnRef idx="0">
+      <cs:styleClr val="auto"/>
+    </cs:lnRef>
+    <cs:fillRef idx="1"/>
+    <cs:effectRef idx="0"/>
+    <cs:fontRef idx="minor">
+      <a:schemeClr val="tx1"/>
+    </cs:fontRef>
+    <cs:spPr>
+      <a:ln w="9525" cap="rnd">
+        <a:solidFill>
+          <a:schemeClr val="phClr"/>
+        </a:solidFill>
+        <a:round/>
+      </a:ln>
+    </cs:spPr>
+  </cs:dataPointWireframe>
+  <cs:dataTable>
+    <cs:lnRef idx="0"/>
+    <cs:fillRef idx="0"/>
+    <cs:effectRef idx="0"/>
+    <cs:fontRef idx="minor">
+      <a:schemeClr val="tx1">
+        <a:lumMod val="65000"/>
+        <a:lumOff val="35000"/>
+      </a:schemeClr>
+    </cs:fontRef>
+    <cs:spPr>
+      <a:noFill/>
+      <a:ln w="9525" cap="flat" cmpd="sng" algn="ctr">
+        <a:solidFill>
+          <a:schemeClr val="tx1">
+            <a:lumMod val="15000"/>
+            <a:lumOff val="85000"/>
+          </a:schemeClr>
+        </a:solidFill>
+        <a:round/>
+      </a:ln>
+    </cs:spPr>
+    <cs:defRPr sz="1197" kern="1200"/>
+  </cs:dataTable>
+  <cs:downBar>
+    <cs:lnRef idx="0"/>
+    <cs:fillRef idx="0"/>
+    <cs:effectRef idx="0"/>
+    <cs:fontRef idx="minor">
+      <a:schemeClr val="tx1"/>
+    </cs:fontRef>
+    <cs:spPr>
+      <a:solidFill>
+        <a:schemeClr val="dk1">
+          <a:lumMod val="75000"/>
+          <a:lumOff val="25000"/>
+        </a:schemeClr>
+      </a:solidFill>
+      <a:ln w="9525" cap="flat" cmpd="sng" algn="ctr">
+        <a:solidFill>
+          <a:schemeClr val="tx1">
+            <a:lumMod val="65000"/>
+            <a:lumOff val="35000"/>
+          </a:schemeClr>
+        </a:solidFill>
+        <a:round/>
+      </a:ln>
+    </cs:spPr>
+  </cs:downBar>
+  <cs:dropLine>
+    <cs:lnRef idx="0"/>
+    <cs:fillRef idx="0"/>
+    <cs:effectRef idx="0"/>
+    <cs:fontRef idx="minor">
+      <a:schemeClr val="tx1"/>
+    </cs:fontRef>
+    <cs:spPr>
+      <a:ln w="9525" cap="flat" cmpd="sng" algn="ctr">
+        <a:solidFill>
+          <a:schemeClr val="tx1">
+            <a:lumMod val="35000"/>
+            <a:lumOff val="65000"/>
+          </a:schemeClr>
+        </a:solidFill>
+        <a:round/>
+      </a:ln>
+    </cs:spPr>
+  </cs:dropLine>
+  <cs:errorBar>
+    <cs:lnRef idx="0"/>
+    <cs:fillRef idx="0"/>
+    <cs:effectRef idx="0"/>
+    <cs:fontRef idx="minor">
+      <a:schemeClr val="tx1"/>
+    </cs:fontRef>
+    <cs:spPr>
+      <a:ln w="9525" cap="flat" cmpd="sng" algn="ctr">
+        <a:solidFill>
+          <a:schemeClr val="tx1">
+            <a:lumMod val="65000"/>
+            <a:lumOff val="35000"/>
+          </a:schemeClr>
+        </a:solidFill>
+        <a:round/>
+      </a:ln>
+    </cs:spPr>
+  </cs:errorBar>
+  <cs:floor>
+    <cs:lnRef idx="0"/>
+    <cs:fillRef idx="0"/>
+    <cs:effectRef idx="0"/>
+    <cs:fontRef idx="minor">
+      <a:schemeClr val="tx1"/>
+    </cs:fontRef>
+    <cs:spPr>
+      <a:noFill/>
+      <a:ln>
+        <a:noFill/>
+      </a:ln>
+    </cs:spPr>
+  </cs:floor>
+  <cs:gridlineMajor>
+    <cs:lnRef idx="0"/>
+    <cs:fillRef idx="0"/>
+    <cs:effectRef idx="0"/>
+    <cs:fontRef idx="minor">
+      <a:schemeClr val="tx1"/>
+    </cs:fontRef>
+    <cs:spPr>
+      <a:ln w="9525" cap="flat" cmpd="sng" algn="ctr">
+        <a:solidFill>
+          <a:schemeClr val="tx1">
+            <a:lumMod val="15000"/>
+            <a:lumOff val="85000"/>
+          </a:schemeClr>
+        </a:solidFill>
+        <a:round/>
+      </a:ln>
+    </cs:spPr>
+  </cs:gridlineMajor>
+  <cs:gridlineMinor>
+    <cs:lnRef idx="0"/>
+    <cs:fillRef idx="0"/>
+    <cs:effectRef idx="0"/>
+    <cs:fontRef idx="minor">
+      <a:schemeClr val="tx1"/>
+    </cs:fontRef>
+    <cs:spPr>
+      <a:ln w="9525" cap="flat" cmpd="sng" algn="ctr">
+        <a:solidFill>
+          <a:schemeClr val="tx1">
+            <a:lumMod val="5000"/>
+            <a:lumOff val="95000"/>
+          </a:schemeClr>
+        </a:solidFill>
+        <a:round/>
+      </a:ln>
+    </cs:spPr>
+  </cs:gridlineMinor>
+  <cs:hiLoLine>
+    <cs:lnRef idx="0"/>
+    <cs:fillRef idx="0"/>
+    <cs:effectRef idx="0"/>
+    <cs:fontRef idx="minor">
+      <a:schemeClr val="tx1"/>
+    </cs:fontRef>
+    <cs:spPr>
+      <a:ln w="9525" cap="flat" cmpd="sng" algn="ctr">
+        <a:solidFill>
+          <a:schemeClr val="tx1">
+            <a:lumMod val="50000"/>
+            <a:lumOff val="50000"/>
+          </a:schemeClr>
+        </a:solidFill>
+        <a:round/>
+      </a:ln>
+    </cs:spPr>
+  </cs:hiLoLine>
+  <cs:leaderLine>
+    <cs:lnRef idx="0"/>
+    <cs:fillRef idx="0"/>
+    <cs:effectRef idx="0"/>
+    <cs:fontRef idx="minor">
+      <a:schemeClr val="tx1"/>
+    </cs:fontRef>
+    <cs:spPr>
+      <a:ln w="9525" cap="flat" cmpd="sng" algn="ctr">
+        <a:solidFill>
+          <a:schemeClr val="tx1">
+            <a:lumMod val="35000"/>
+            <a:lumOff val="65000"/>
+          </a:schemeClr>
+        </a:solidFill>
+        <a:round/>
+      </a:ln>
+    </cs:spPr>
+  </cs:leaderLine>
+  <cs:legend>
+    <cs:lnRef idx="0"/>
+    <cs:fillRef idx="0"/>
+    <cs:effectRef idx="0"/>
+    <cs:fontRef idx="minor">
+      <a:schemeClr val="tx1">
+        <a:lumMod val="65000"/>
+        <a:lumOff val="35000"/>
+      </a:schemeClr>
+    </cs:fontRef>
+    <cs:defRPr sz="1197" kern="1200"/>
+  </cs:legend>
+  <cs:plotArea mods="allowNoFillOverride allowNoLineOverride">
+    <cs:lnRef idx="0"/>
+    <cs:fillRef idx="0"/>
+    <cs:effectRef idx="0"/>
+    <cs:fontRef idx="minor">
+      <a:schemeClr val="tx1"/>
+    </cs:fontRef>
+  </cs:plotArea>
+  <cs:plotArea3D mods="allowNoFillOverride allowNoLineOverride">
+    <cs:lnRef idx="0"/>
+    <cs:fillRef idx="0"/>
+    <cs:effectRef idx="0"/>
+    <cs:fontRef idx="minor">
+      <a:schemeClr val="tx1"/>
+    </cs:fontRef>
+  </cs:plotArea3D>
+  <cs:seriesAxis>
+    <cs:lnRef idx="0"/>
+    <cs:fillRef idx="0"/>
+    <cs:effectRef idx="0"/>
+    <cs:fontRef idx="minor">
+      <a:schemeClr val="tx1">
+        <a:lumMod val="65000"/>
+        <a:lumOff val="35000"/>
+      </a:schemeClr>
+    </cs:fontRef>
+    <cs:defRPr sz="1197" kern="1200"/>
+  </cs:seriesAxis>
+  <cs:seriesLine>
+    <cs:lnRef idx="0"/>
+    <cs:fillRef idx="0"/>
+    <cs:effectRef idx="0"/>
+    <cs:fontRef idx="minor">
+      <a:schemeClr val="tx1"/>
+    </cs:fontRef>
+    <cs:spPr>
+      <a:ln w="9525" cap="flat" cmpd="sng" algn="ctr">
+        <a:solidFill>
+          <a:schemeClr val="tx1">
+            <a:lumMod val="35000"/>
+            <a:lumOff val="65000"/>
+          </a:schemeClr>
+        </a:solidFill>
+        <a:round/>
+      </a:ln>
+    </cs:spPr>
+  </cs:seriesLine>
+  <cs:title>
+    <cs:lnRef idx="0"/>
+    <cs:fillRef idx="0"/>
+    <cs:effectRef idx="0"/>
+    <cs:fontRef idx="minor">
+      <a:schemeClr val="tx1">
+        <a:lumMod val="65000"/>
+        <a:lumOff val="35000"/>
+      </a:schemeClr>
+    </cs:fontRef>
+    <cs:defRPr sz="1862" b="0" kern="1200" spc="0" baseline="0"/>
+  </cs:title>
+  <cs:trendline>
+    <cs:lnRef idx="0">
+      <cs:styleClr val="auto"/>
+    </cs:lnRef>
+    <cs:fillRef idx="0"/>
+    <cs:effectRef idx="0"/>
+    <cs:fontRef idx="minor">
+      <a:schemeClr val="tx1"/>
+    </cs:fontRef>
+    <cs:spPr>
+      <a:ln w="19050" cap="rnd">
+        <a:solidFill>
+          <a:schemeClr val="phClr"/>
+        </a:solidFill>
+        <a:prstDash val="sysDot"/>
+      </a:ln>
+    </cs:spPr>
+  </cs:trendline>
+  <cs:trendlineLabel>
+    <cs:lnRef idx="0"/>
+    <cs:fillRef idx="0"/>
+    <cs:effectRef idx="0"/>
+    <cs:fontRef idx="minor">
+      <a:schemeClr val="tx1">
+        <a:lumMod val="65000"/>
+        <a:lumOff val="35000"/>
+      </a:schemeClr>
+    </cs:fontRef>
+    <cs:defRPr sz="1197" kern="1200"/>
+  </cs:trendlineLabel>
+  <cs:upBar>
+    <cs:lnRef idx="0"/>
+    <cs:fillRef idx="0"/>
+    <cs:effectRef idx="0"/>
+    <cs:fontRef idx="minor">
+      <a:schemeClr val="tx1"/>
+    </cs:fontRef>
+    <cs:spPr>
+      <a:solidFill>
+        <a:schemeClr val="lt1"/>
+      </a:solidFill>
+      <a:ln w="9525" cap="flat" cmpd="sng" algn="ctr">
+        <a:solidFill>
+          <a:schemeClr val="tx1">
+            <a:lumMod val="65000"/>
+            <a:lumOff val="35000"/>
+          </a:schemeClr>
+        </a:solidFill>
+        <a:round/>
+      </a:ln>
+    </cs:spPr>
+  </cs:upBar>
+  <cs:valueAxis>
+    <cs:lnRef idx="0"/>
+    <cs:fillRef idx="0"/>
+    <cs:effectRef idx="0"/>
+    <cs:fontRef idx="minor">
+      <a:schemeClr val="tx1">
+        <a:lumMod val="65000"/>
+        <a:lumOff val="35000"/>
+      </a:schemeClr>
+    </cs:fontRef>
+    <cs:defRPr sz="1197" kern="1200"/>
+  </cs:valueAxis>
+  <cs:wall>
+    <cs:lnRef idx="0"/>
+    <cs:fillRef idx="0"/>
+    <cs:effectRef idx="0"/>
+    <cs:fontRef idx="minor">
+      <a:schemeClr val="tx1"/>
+    </cs:fontRef>
+    <cs:spPr>
+      <a:noFill/>
+      <a:ln>
+        <a:noFill/>
+      </a:ln>
+    </cs:spPr>
+  </cs:wall>
+</cs:chartStyle>
+</file>
+
 <file path=ppt/slideLayouts/slideLayout1.xml><?xml version="1.0" encoding="utf-8"?>
 <p:sldLayout xmlns:a="http://schemas.openxmlformats.org/drawingml/2006/main" xmlns:r="http://schemas.openxmlformats.org/officeDocument/2006/relationships" xmlns:p="http://schemas.openxmlformats.org/presentationml/2006/main" showMasterSp="0" type="title" preserve="1">
   <p:cSld name="Titelfolie">
@@ -179,7 +3087,7 @@
           </a:lstStyle>
           <a:p>
             <a:r>
-              <a:rPr kumimoji="0" lang="de-DE" smtClean="0"/>
+              <a:rPr kumimoji="0" lang="de-DE"/>
               <a:t>Titelmasterformat durch Klicken bearbeiten</a:t>
             </a:r>
             <a:endParaRPr kumimoji="0" lang="en-US"/>
@@ -240,7 +3148,7 @@
           </a:lstStyle>
           <a:p>
             <a:r>
-              <a:rPr kumimoji="0" lang="de-DE" smtClean="0"/>
+              <a:rPr kumimoji="0" lang="de-DE"/>
               <a:t>Formatvorlage des Untertitelmasters durch Klicken bearbeiten</a:t>
             </a:r>
             <a:endParaRPr kumimoji="0" lang="en-US"/>
@@ -270,7 +3178,7 @@
             <a:fld id="{EB99765B-6265-4230-895B-55A7E0C311D7}" type="datetimeFigureOut">
               <a:rPr lang="de-DE" smtClean="0"/>
               <a:pPr/>
-              <a:t>03.09.18</a:t>
+              <a:t>03.09.2018</a:t>
             </a:fld>
             <a:endParaRPr lang="de-DE"/>
           </a:p>
@@ -1064,7 +3972,7 @@
           <a:lstStyle/>
           <a:p>
             <a:r>
-              <a:rPr kumimoji="0" lang="de-DE" smtClean="0"/>
+              <a:rPr kumimoji="0" lang="de-DE"/>
               <a:t>Titelmasterformat durch Klicken bearbeiten</a:t>
             </a:r>
             <a:endParaRPr kumimoji="0" lang="en-US"/>
@@ -1088,35 +3996,35 @@
           <a:p>
             <a:pPr lvl="0" eaLnBrk="1" latinLnBrk="0" hangingPunct="1"/>
             <a:r>
-              <a:rPr lang="de-DE" smtClean="0"/>
+              <a:rPr lang="de-DE"/>
               <a:t>Textmasterformate durch Klicken bearbeiten</a:t>
             </a:r>
           </a:p>
           <a:p>
             <a:pPr lvl="1" eaLnBrk="1" latinLnBrk="0" hangingPunct="1"/>
             <a:r>
-              <a:rPr lang="de-DE" smtClean="0"/>
+              <a:rPr lang="de-DE"/>
               <a:t>Zweite Ebene</a:t>
             </a:r>
           </a:p>
           <a:p>
             <a:pPr lvl="2" eaLnBrk="1" latinLnBrk="0" hangingPunct="1"/>
             <a:r>
-              <a:rPr lang="de-DE" smtClean="0"/>
+              <a:rPr lang="de-DE"/>
               <a:t>Dritte Ebene</a:t>
             </a:r>
           </a:p>
           <a:p>
             <a:pPr lvl="3" eaLnBrk="1" latinLnBrk="0" hangingPunct="1"/>
             <a:r>
-              <a:rPr lang="de-DE" smtClean="0"/>
+              <a:rPr lang="de-DE"/>
               <a:t>Vierte Ebene</a:t>
             </a:r>
           </a:p>
           <a:p>
             <a:pPr lvl="4" eaLnBrk="1" latinLnBrk="0" hangingPunct="1"/>
             <a:r>
-              <a:rPr lang="de-DE" smtClean="0"/>
+              <a:rPr lang="de-DE"/>
               <a:t>Fünfte Ebene</a:t>
             </a:r>
             <a:endParaRPr kumimoji="0" lang="en-US"/>
@@ -1141,7 +4049,7 @@
             <a:fld id="{EB99765B-6265-4230-895B-55A7E0C311D7}" type="datetimeFigureOut">
               <a:rPr lang="de-DE" smtClean="0"/>
               <a:pPr/>
-              <a:t>03.09.18</a:t>
+              <a:t>03.09.2018</a:t>
             </a:fld>
             <a:endParaRPr lang="de-DE"/>
           </a:p>
@@ -1236,7 +4144,7 @@
           <a:lstStyle/>
           <a:p>
             <a:r>
-              <a:rPr kumimoji="0" lang="de-DE" smtClean="0"/>
+              <a:rPr kumimoji="0" lang="de-DE"/>
               <a:t>Titelmasterformat durch Klicken bearbeiten</a:t>
             </a:r>
             <a:endParaRPr kumimoji="0" lang="en-US"/>
@@ -1265,35 +4173,35 @@
           <a:p>
             <a:pPr lvl="0" eaLnBrk="1" latinLnBrk="0" hangingPunct="1"/>
             <a:r>
-              <a:rPr lang="de-DE" smtClean="0"/>
+              <a:rPr lang="de-DE"/>
               <a:t>Textmasterformate durch Klicken bearbeiten</a:t>
             </a:r>
           </a:p>
           <a:p>
             <a:pPr lvl="1" eaLnBrk="1" latinLnBrk="0" hangingPunct="1"/>
             <a:r>
-              <a:rPr lang="de-DE" smtClean="0"/>
+              <a:rPr lang="de-DE"/>
               <a:t>Zweite Ebene</a:t>
             </a:r>
           </a:p>
           <a:p>
             <a:pPr lvl="2" eaLnBrk="1" latinLnBrk="0" hangingPunct="1"/>
             <a:r>
-              <a:rPr lang="de-DE" smtClean="0"/>
+              <a:rPr lang="de-DE"/>
               <a:t>Dritte Ebene</a:t>
             </a:r>
           </a:p>
           <a:p>
             <a:pPr lvl="3" eaLnBrk="1" latinLnBrk="0" hangingPunct="1"/>
             <a:r>
-              <a:rPr lang="de-DE" smtClean="0"/>
+              <a:rPr lang="de-DE"/>
               <a:t>Vierte Ebene</a:t>
             </a:r>
           </a:p>
           <a:p>
             <a:pPr lvl="4" eaLnBrk="1" latinLnBrk="0" hangingPunct="1"/>
             <a:r>
-              <a:rPr lang="de-DE" smtClean="0"/>
+              <a:rPr lang="de-DE"/>
               <a:t>Fünfte Ebene</a:t>
             </a:r>
             <a:endParaRPr kumimoji="0" lang="en-US"/>
@@ -1318,7 +4226,7 @@
             <a:fld id="{EB99765B-6265-4230-895B-55A7E0C311D7}" type="datetimeFigureOut">
               <a:rPr lang="de-DE" smtClean="0"/>
               <a:pPr/>
-              <a:t>03.09.18</a:t>
+              <a:t>03.09.2018</a:t>
             </a:fld>
             <a:endParaRPr lang="de-DE"/>
           </a:p>
@@ -1408,7 +4316,7 @@
           <a:lstStyle/>
           <a:p>
             <a:r>
-              <a:rPr kumimoji="0" lang="de-DE" smtClean="0"/>
+              <a:rPr kumimoji="0" lang="de-DE"/>
               <a:t>Titelmasterformat durch Klicken bearbeiten</a:t>
             </a:r>
             <a:endParaRPr kumimoji="0" lang="en-US"/>
@@ -1437,35 +4345,35 @@
           <a:p>
             <a:pPr lvl="0" eaLnBrk="1" latinLnBrk="0" hangingPunct="1"/>
             <a:r>
-              <a:rPr lang="de-DE" smtClean="0"/>
+              <a:rPr lang="de-DE"/>
               <a:t>Textmasterformate durch Klicken bearbeiten</a:t>
             </a:r>
           </a:p>
           <a:p>
             <a:pPr lvl="1" eaLnBrk="1" latinLnBrk="0" hangingPunct="1"/>
             <a:r>
-              <a:rPr lang="de-DE" smtClean="0"/>
+              <a:rPr lang="de-DE"/>
               <a:t>Zweite Ebene</a:t>
             </a:r>
           </a:p>
           <a:p>
             <a:pPr lvl="2" eaLnBrk="1" latinLnBrk="0" hangingPunct="1"/>
             <a:r>
-              <a:rPr lang="de-DE" smtClean="0"/>
+              <a:rPr lang="de-DE"/>
               <a:t>Dritte Ebene</a:t>
             </a:r>
           </a:p>
           <a:p>
             <a:pPr lvl="3" eaLnBrk="1" latinLnBrk="0" hangingPunct="1"/>
             <a:r>
-              <a:rPr lang="de-DE" smtClean="0"/>
+              <a:rPr lang="de-DE"/>
               <a:t>Vierte Ebene</a:t>
             </a:r>
           </a:p>
           <a:p>
             <a:pPr lvl="4" eaLnBrk="1" latinLnBrk="0" hangingPunct="1"/>
             <a:r>
-              <a:rPr lang="de-DE" smtClean="0"/>
+              <a:rPr lang="de-DE"/>
               <a:t>Fünfte Ebene</a:t>
             </a:r>
             <a:endParaRPr kumimoji="0" lang="en-US"/>
@@ -1490,7 +4398,7 @@
             <a:fld id="{EB99765B-6265-4230-895B-55A7E0C311D7}" type="datetimeFigureOut">
               <a:rPr lang="de-DE" smtClean="0"/>
               <a:pPr/>
-              <a:t>03.09.18</a:t>
+              <a:t>03.09.2018</a:t>
             </a:fld>
             <a:endParaRPr lang="de-DE"/>
           </a:p>
@@ -1595,7 +4503,7 @@
           </a:lstStyle>
           <a:p>
             <a:r>
-              <a:rPr kumimoji="0" lang="de-DE" smtClean="0"/>
+              <a:rPr kumimoji="0" lang="de-DE"/>
               <a:t>Titelmasterformat durch Klicken bearbeiten</a:t>
             </a:r>
             <a:endParaRPr kumimoji="0" lang="en-US"/>
@@ -1673,7 +4581,7 @@
           <a:p>
             <a:pPr lvl="0" eaLnBrk="1" latinLnBrk="0" hangingPunct="1"/>
             <a:r>
-              <a:rPr kumimoji="0" lang="de-DE" smtClean="0"/>
+              <a:rPr kumimoji="0" lang="de-DE"/>
               <a:t>Textmasterformate durch Klicken bearbeiten</a:t>
             </a:r>
           </a:p>
@@ -1702,7 +4610,7 @@
             <a:fld id="{EB99765B-6265-4230-895B-55A7E0C311D7}" type="datetimeFigureOut">
               <a:rPr lang="de-DE" smtClean="0"/>
               <a:pPr/>
-              <a:t>03.09.18</a:t>
+              <a:t>03.09.2018</a:t>
             </a:fld>
             <a:endParaRPr lang="de-DE"/>
           </a:p>
@@ -2493,7 +5401,7 @@
           <a:lstStyle/>
           <a:p>
             <a:r>
-              <a:rPr kumimoji="0" lang="de-DE" smtClean="0"/>
+              <a:rPr kumimoji="0" lang="de-DE"/>
               <a:t>Titelmasterformat durch Klicken bearbeiten</a:t>
             </a:r>
             <a:endParaRPr kumimoji="0" lang="en-US"/>
@@ -2518,7 +5426,7 @@
             <a:fld id="{EB99765B-6265-4230-895B-55A7E0C311D7}" type="datetimeFigureOut">
               <a:rPr lang="de-DE" smtClean="0"/>
               <a:pPr/>
-              <a:t>03.09.18</a:t>
+              <a:t>03.09.2018</a:t>
             </a:fld>
             <a:endParaRPr lang="de-DE"/>
           </a:p>
@@ -2589,35 +5497,35 @@
           <a:p>
             <a:pPr lvl="0" eaLnBrk="1" latinLnBrk="0" hangingPunct="1"/>
             <a:r>
-              <a:rPr lang="de-DE" smtClean="0"/>
+              <a:rPr lang="de-DE"/>
               <a:t>Textmasterformate durch Klicken bearbeiten</a:t>
             </a:r>
           </a:p>
           <a:p>
             <a:pPr lvl="1" eaLnBrk="1" latinLnBrk="0" hangingPunct="1"/>
             <a:r>
-              <a:rPr lang="de-DE" smtClean="0"/>
+              <a:rPr lang="de-DE"/>
               <a:t>Zweite Ebene</a:t>
             </a:r>
           </a:p>
           <a:p>
             <a:pPr lvl="2" eaLnBrk="1" latinLnBrk="0" hangingPunct="1"/>
             <a:r>
-              <a:rPr lang="de-DE" smtClean="0"/>
+              <a:rPr lang="de-DE"/>
               <a:t>Dritte Ebene</a:t>
             </a:r>
           </a:p>
           <a:p>
             <a:pPr lvl="3" eaLnBrk="1" latinLnBrk="0" hangingPunct="1"/>
             <a:r>
-              <a:rPr lang="de-DE" smtClean="0"/>
+              <a:rPr lang="de-DE"/>
               <a:t>Vierte Ebene</a:t>
             </a:r>
           </a:p>
           <a:p>
             <a:pPr lvl="4" eaLnBrk="1" latinLnBrk="0" hangingPunct="1"/>
             <a:r>
-              <a:rPr lang="de-DE" smtClean="0"/>
+              <a:rPr lang="de-DE"/>
               <a:t>Fünfte Ebene</a:t>
             </a:r>
             <a:endParaRPr kumimoji="0" lang="en-US"/>
@@ -2646,35 +5554,35 @@
           <a:p>
             <a:pPr lvl="0" eaLnBrk="1" latinLnBrk="0" hangingPunct="1"/>
             <a:r>
-              <a:rPr lang="de-DE" smtClean="0"/>
+              <a:rPr lang="de-DE"/>
               <a:t>Textmasterformate durch Klicken bearbeiten</a:t>
             </a:r>
           </a:p>
           <a:p>
             <a:pPr lvl="1" eaLnBrk="1" latinLnBrk="0" hangingPunct="1"/>
             <a:r>
-              <a:rPr lang="de-DE" smtClean="0"/>
+              <a:rPr lang="de-DE"/>
               <a:t>Zweite Ebene</a:t>
             </a:r>
           </a:p>
           <a:p>
             <a:pPr lvl="2" eaLnBrk="1" latinLnBrk="0" hangingPunct="1"/>
             <a:r>
-              <a:rPr lang="de-DE" smtClean="0"/>
+              <a:rPr lang="de-DE"/>
               <a:t>Dritte Ebene</a:t>
             </a:r>
           </a:p>
           <a:p>
             <a:pPr lvl="3" eaLnBrk="1" latinLnBrk="0" hangingPunct="1"/>
             <a:r>
-              <a:rPr lang="de-DE" smtClean="0"/>
+              <a:rPr lang="de-DE"/>
               <a:t>Vierte Ebene</a:t>
             </a:r>
           </a:p>
           <a:p>
             <a:pPr lvl="4" eaLnBrk="1" latinLnBrk="0" hangingPunct="1"/>
             <a:r>
-              <a:rPr lang="de-DE" smtClean="0"/>
+              <a:rPr lang="de-DE"/>
               <a:t>Fünfte Ebene</a:t>
             </a:r>
             <a:endParaRPr kumimoji="0" lang="en-US"/>
@@ -2731,7 +5639,7 @@
           </a:lstStyle>
           <a:p>
             <a:r>
-              <a:rPr kumimoji="0" lang="de-DE" smtClean="0"/>
+              <a:rPr kumimoji="0" lang="de-DE"/>
               <a:t>Titelmasterformat durch Klicken bearbeiten</a:t>
             </a:r>
             <a:endParaRPr kumimoji="0" lang="en-US"/>
@@ -2756,7 +5664,7 @@
             <a:fld id="{EB99765B-6265-4230-895B-55A7E0C311D7}" type="datetimeFigureOut">
               <a:rPr lang="de-DE" smtClean="0"/>
               <a:pPr/>
-              <a:t>03.09.18</a:t>
+              <a:t>03.09.2018</a:t>
             </a:fld>
             <a:endParaRPr lang="de-DE"/>
           </a:p>
@@ -2827,35 +5735,35 @@
           <a:p>
             <a:pPr lvl="0" eaLnBrk="1" latinLnBrk="0" hangingPunct="1"/>
             <a:r>
-              <a:rPr lang="de-DE" smtClean="0"/>
+              <a:rPr lang="de-DE"/>
               <a:t>Textmasterformate durch Klicken bearbeiten</a:t>
             </a:r>
           </a:p>
           <a:p>
             <a:pPr lvl="1" eaLnBrk="1" latinLnBrk="0" hangingPunct="1"/>
             <a:r>
-              <a:rPr lang="de-DE" smtClean="0"/>
+              <a:rPr lang="de-DE"/>
               <a:t>Zweite Ebene</a:t>
             </a:r>
           </a:p>
           <a:p>
             <a:pPr lvl="2" eaLnBrk="1" latinLnBrk="0" hangingPunct="1"/>
             <a:r>
-              <a:rPr lang="de-DE" smtClean="0"/>
+              <a:rPr lang="de-DE"/>
               <a:t>Dritte Ebene</a:t>
             </a:r>
           </a:p>
           <a:p>
             <a:pPr lvl="3" eaLnBrk="1" latinLnBrk="0" hangingPunct="1"/>
             <a:r>
-              <a:rPr lang="de-DE" smtClean="0"/>
+              <a:rPr lang="de-DE"/>
               <a:t>Vierte Ebene</a:t>
             </a:r>
           </a:p>
           <a:p>
             <a:pPr lvl="4" eaLnBrk="1" latinLnBrk="0" hangingPunct="1"/>
             <a:r>
-              <a:rPr lang="de-DE" smtClean="0"/>
+              <a:rPr lang="de-DE"/>
               <a:t>Fünfte Ebene</a:t>
             </a:r>
             <a:endParaRPr kumimoji="0" lang="en-US"/>
@@ -2884,35 +5792,35 @@
           <a:p>
             <a:pPr lvl="0" eaLnBrk="1" latinLnBrk="0" hangingPunct="1"/>
             <a:r>
-              <a:rPr lang="de-DE" smtClean="0"/>
+              <a:rPr lang="de-DE"/>
               <a:t>Textmasterformate durch Klicken bearbeiten</a:t>
             </a:r>
           </a:p>
           <a:p>
             <a:pPr lvl="1" eaLnBrk="1" latinLnBrk="0" hangingPunct="1"/>
             <a:r>
-              <a:rPr lang="de-DE" smtClean="0"/>
+              <a:rPr lang="de-DE"/>
               <a:t>Zweite Ebene</a:t>
             </a:r>
           </a:p>
           <a:p>
             <a:pPr lvl="2" eaLnBrk="1" latinLnBrk="0" hangingPunct="1"/>
             <a:r>
-              <a:rPr lang="de-DE" smtClean="0"/>
+              <a:rPr lang="de-DE"/>
               <a:t>Dritte Ebene</a:t>
             </a:r>
           </a:p>
           <a:p>
             <a:pPr lvl="3" eaLnBrk="1" latinLnBrk="0" hangingPunct="1"/>
             <a:r>
-              <a:rPr lang="de-DE" smtClean="0"/>
+              <a:rPr lang="de-DE"/>
               <a:t>Vierte Ebene</a:t>
             </a:r>
           </a:p>
           <a:p>
             <a:pPr lvl="4" eaLnBrk="1" latinLnBrk="0" hangingPunct="1"/>
             <a:r>
-              <a:rPr lang="de-DE" smtClean="0"/>
+              <a:rPr lang="de-DE"/>
               <a:t>Fünfte Ebene</a:t>
             </a:r>
             <a:endParaRPr kumimoji="0" lang="en-US"/>
@@ -2961,7 +5869,7 @@
           <a:p>
             <a:pPr lvl="0" eaLnBrk="1" latinLnBrk="0" hangingPunct="1"/>
             <a:r>
-              <a:rPr kumimoji="0" lang="de-DE" smtClean="0"/>
+              <a:rPr kumimoji="0" lang="de-DE"/>
               <a:t>Textmasterformate durch Klicken bearbeiten</a:t>
             </a:r>
           </a:p>
@@ -3009,7 +5917,7 @@
           <a:p>
             <a:pPr lvl="0" eaLnBrk="1" latinLnBrk="0" hangingPunct="1"/>
             <a:r>
-              <a:rPr kumimoji="0" lang="de-DE" smtClean="0"/>
+              <a:rPr kumimoji="0" lang="de-DE"/>
               <a:t>Textmasterformate durch Klicken bearbeiten</a:t>
             </a:r>
           </a:p>
@@ -3056,7 +5964,7 @@
           <a:lstStyle/>
           <a:p>
             <a:r>
-              <a:rPr kumimoji="0" lang="de-DE" smtClean="0"/>
+              <a:rPr kumimoji="0" lang="de-DE"/>
               <a:t>Titelmasterformat durch Klicken bearbeiten</a:t>
             </a:r>
             <a:endParaRPr kumimoji="0" lang="en-US"/>
@@ -3081,7 +5989,7 @@
             <a:fld id="{EB99765B-6265-4230-895B-55A7E0C311D7}" type="datetimeFigureOut">
               <a:rPr lang="de-DE" smtClean="0"/>
               <a:pPr/>
-              <a:t>03.09.18</a:t>
+              <a:t>03.09.2018</a:t>
             </a:fld>
             <a:endParaRPr lang="de-DE"/>
           </a:p>
@@ -3173,7 +6081,7 @@
             <a:fld id="{EB99765B-6265-4230-895B-55A7E0C311D7}" type="datetimeFigureOut">
               <a:rPr lang="de-DE" smtClean="0"/>
               <a:pPr/>
-              <a:t>03.09.18</a:t>
+              <a:t>03.09.2018</a:t>
             </a:fld>
             <a:endParaRPr lang="de-DE"/>
           </a:p>
@@ -3317,7 +6225,7 @@
           </a:lstStyle>
           <a:p>
             <a:r>
-              <a:rPr kumimoji="0" lang="de-DE" smtClean="0"/>
+              <a:rPr kumimoji="0" lang="de-DE"/>
               <a:t>Titelmasterformat durch Klicken bearbeiten</a:t>
             </a:r>
             <a:endParaRPr kumimoji="0" lang="en-US"/>
@@ -3373,7 +6281,7 @@
           <a:p>
             <a:pPr lvl="0" eaLnBrk="1" latinLnBrk="0" hangingPunct="1"/>
             <a:r>
-              <a:rPr kumimoji="0" lang="de-DE" smtClean="0"/>
+              <a:rPr kumimoji="0" lang="de-DE"/>
               <a:t>Textmasterformate durch Klicken bearbeiten</a:t>
             </a:r>
           </a:p>
@@ -3639,35 +6547,35 @@
           <a:p>
             <a:pPr lvl="0" eaLnBrk="1" latinLnBrk="0" hangingPunct="1"/>
             <a:r>
-              <a:rPr lang="de-DE" smtClean="0"/>
+              <a:rPr lang="de-DE"/>
               <a:t>Textmasterformate durch Klicken bearbeiten</a:t>
             </a:r>
           </a:p>
           <a:p>
             <a:pPr lvl="1" eaLnBrk="1" latinLnBrk="0" hangingPunct="1"/>
             <a:r>
-              <a:rPr lang="de-DE" smtClean="0"/>
+              <a:rPr lang="de-DE"/>
               <a:t>Zweite Ebene</a:t>
             </a:r>
           </a:p>
           <a:p>
             <a:pPr lvl="2" eaLnBrk="1" latinLnBrk="0" hangingPunct="1"/>
             <a:r>
-              <a:rPr lang="de-DE" smtClean="0"/>
+              <a:rPr lang="de-DE"/>
               <a:t>Dritte Ebene</a:t>
             </a:r>
           </a:p>
           <a:p>
             <a:pPr lvl="3" eaLnBrk="1" latinLnBrk="0" hangingPunct="1"/>
             <a:r>
-              <a:rPr lang="de-DE" smtClean="0"/>
+              <a:rPr lang="de-DE"/>
               <a:t>Vierte Ebene</a:t>
             </a:r>
           </a:p>
           <a:p>
             <a:pPr lvl="4" eaLnBrk="1" latinLnBrk="0" hangingPunct="1"/>
             <a:r>
-              <a:rPr lang="de-DE" smtClean="0"/>
+              <a:rPr lang="de-DE"/>
               <a:t>Fünfte Ebene</a:t>
             </a:r>
             <a:endParaRPr kumimoji="0" lang="en-US"/>
@@ -3692,7 +6600,7 @@
             <a:fld id="{EB99765B-6265-4230-895B-55A7E0C311D7}" type="datetimeFigureOut">
               <a:rPr lang="de-DE" smtClean="0"/>
               <a:pPr/>
-              <a:t>03.09.18</a:t>
+              <a:t>03.09.2018</a:t>
             </a:fld>
             <a:endParaRPr lang="de-DE"/>
           </a:p>
@@ -3873,7 +6781,7 @@
           </a:lstStyle>
           <a:p>
             <a:r>
-              <a:rPr kumimoji="0" lang="de-DE" smtClean="0"/>
+              <a:rPr kumimoji="0" lang="de-DE"/>
               <a:t>Titelmasterformat durch Klicken bearbeiten</a:t>
             </a:r>
             <a:endParaRPr kumimoji="0" lang="en-US"/>
@@ -3932,7 +6840,7 @@
               <a:buNone/>
             </a:pPr>
             <a:r>
-              <a:rPr kumimoji="0" lang="de-DE" smtClean="0"/>
+              <a:rPr kumimoji="0" lang="de-DE"/>
               <a:t>Bild durch Klicken auf Symbol hinzufügen</a:t>
             </a:r>
             <a:endParaRPr kumimoji="0" lang="en-US" dirty="0"/>
@@ -3987,7 +6895,7 @@
           <a:p>
             <a:pPr lvl="0" eaLnBrk="1" latinLnBrk="0" hangingPunct="1"/>
             <a:r>
-              <a:rPr kumimoji="0" lang="de-DE" smtClean="0"/>
+              <a:rPr kumimoji="0" lang="de-DE"/>
               <a:t>Textmasterformate durch Klicken bearbeiten</a:t>
             </a:r>
           </a:p>
@@ -4205,7 +7113,7 @@
             <a:fld id="{EB99765B-6265-4230-895B-55A7E0C311D7}" type="datetimeFigureOut">
               <a:rPr lang="de-DE" smtClean="0"/>
               <a:pPr/>
-              <a:t>03.09.18</a:t>
+              <a:t>03.09.2018</a:t>
             </a:fld>
             <a:endParaRPr lang="de-DE"/>
           </a:p>
@@ -4349,7 +7257,7 @@
           <a:lstStyle/>
           <a:p>
             <a:r>
-              <a:rPr kumimoji="0" lang="de-DE" smtClean="0"/>
+              <a:rPr kumimoji="0" lang="de-DE"/>
               <a:t>Titelmasterformat durch Klicken bearbeiten</a:t>
             </a:r>
             <a:endParaRPr kumimoji="0" lang="en-US"/>
@@ -4383,35 +7291,35 @@
           <a:p>
             <a:pPr lvl="0" eaLnBrk="1" latinLnBrk="0" hangingPunct="1"/>
             <a:r>
-              <a:rPr kumimoji="0" lang="de-DE" smtClean="0"/>
+              <a:rPr kumimoji="0" lang="de-DE"/>
               <a:t>Textmasterformate durch Klicken bearbeiten</a:t>
             </a:r>
           </a:p>
           <a:p>
             <a:pPr lvl="1" eaLnBrk="1" latinLnBrk="0" hangingPunct="1"/>
             <a:r>
-              <a:rPr kumimoji="0" lang="de-DE" smtClean="0"/>
+              <a:rPr kumimoji="0" lang="de-DE"/>
               <a:t>Zweite Ebene</a:t>
             </a:r>
           </a:p>
           <a:p>
             <a:pPr lvl="2" eaLnBrk="1" latinLnBrk="0" hangingPunct="1"/>
             <a:r>
-              <a:rPr kumimoji="0" lang="de-DE" smtClean="0"/>
+              <a:rPr kumimoji="0" lang="de-DE"/>
               <a:t>Dritte Ebene</a:t>
             </a:r>
           </a:p>
           <a:p>
             <a:pPr lvl="3" eaLnBrk="1" latinLnBrk="0" hangingPunct="1"/>
             <a:r>
-              <a:rPr kumimoji="0" lang="de-DE" smtClean="0"/>
+              <a:rPr kumimoji="0" lang="de-DE"/>
               <a:t>Vierte Ebene</a:t>
             </a:r>
           </a:p>
           <a:p>
             <a:pPr lvl="4" eaLnBrk="1" latinLnBrk="0" hangingPunct="1"/>
             <a:r>
-              <a:rPr kumimoji="0" lang="de-DE" smtClean="0"/>
+              <a:rPr kumimoji="0" lang="de-DE"/>
               <a:t>Fünfte Ebene</a:t>
             </a:r>
             <a:endParaRPr kumimoji="0" lang="en-US"/>
@@ -4452,7 +7360,7 @@
             <a:fld id="{EB99765B-6265-4230-895B-55A7E0C311D7}" type="datetimeFigureOut">
               <a:rPr lang="de-DE" smtClean="0"/>
               <a:pPr/>
-              <a:t>03.09.18</a:t>
+              <a:t>03.09.2018</a:t>
             </a:fld>
             <a:endParaRPr lang="de-DE"/>
           </a:p>
@@ -5109,17 +8017,16 @@
           <a:p>
             <a:pPr algn="ctr"/>
             <a:r>
-              <a:rPr lang="de-DE" sz="4000" b="0" dirty="0" smtClean="0"/>
+              <a:rPr lang="de-DE" sz="4000" b="0" dirty="0"/>
               <a:t>Praxis der Softwareentwicklung</a:t>
             </a:r>
             <a:br>
-              <a:rPr lang="de-DE" sz="4000" b="0" dirty="0" smtClean="0"/>
+              <a:rPr lang="de-DE" sz="4000" b="0" dirty="0"/>
             </a:br>
             <a:r>
-              <a:rPr lang="de-DE" sz="4000" b="0" dirty="0" smtClean="0"/>
+              <a:rPr lang="de-DE" sz="4000" b="0" dirty="0"/>
               <a:t>Qualitätssicherung Präsentation</a:t>
             </a:r>
-            <a:endParaRPr lang="de-DE" sz="4000" b="0" dirty="0"/>
           </a:p>
         </p:txBody>
       </p:sp>
@@ -5150,37 +8057,36 @@
           <a:p>
             <a:pPr algn="ctr"/>
             <a:r>
-              <a:rPr lang="de-DE" sz="2400" dirty="0" err="1" smtClean="0"/>
+              <a:rPr lang="de-DE" sz="2400" dirty="0" err="1"/>
               <a:t>Yunjia</a:t>
             </a:r>
             <a:r>
-              <a:rPr lang="de-DE" sz="2400" dirty="0" smtClean="0"/>
+              <a:rPr lang="de-DE" sz="2400" dirty="0"/>
               <a:t> Chen, Jasmin </a:t>
             </a:r>
             <a:r>
-              <a:rPr lang="de-DE" sz="2400" dirty="0" err="1" smtClean="0"/>
+              <a:rPr lang="de-DE" sz="2400" dirty="0" err="1"/>
               <a:t>Jat</a:t>
             </a:r>
             <a:r>
-              <a:rPr lang="de-DE" sz="2400" dirty="0" smtClean="0"/>
+              <a:rPr lang="de-DE" sz="2400" dirty="0"/>
               <a:t>, </a:t>
             </a:r>
           </a:p>
           <a:p>
             <a:pPr algn="ctr"/>
             <a:r>
-              <a:rPr lang="de-DE" sz="2400" dirty="0" smtClean="0"/>
+              <a:rPr lang="de-DE" sz="2400" dirty="0"/>
               <a:t>Min </a:t>
             </a:r>
             <a:r>
-              <a:rPr lang="de-DE" sz="2400" dirty="0" err="1" smtClean="0"/>
+              <a:rPr lang="de-DE" sz="2400" dirty="0" err="1"/>
               <a:t>Hye</a:t>
             </a:r>
             <a:r>
-              <a:rPr lang="de-DE" sz="2400" dirty="0" smtClean="0"/>
+              <a:rPr lang="de-DE" sz="2400" dirty="0"/>
               <a:t> Park, Alina Shah, Lisa Wang</a:t>
             </a:r>
-            <a:endParaRPr lang="de-DE" sz="2400" dirty="0"/>
           </a:p>
         </p:txBody>
       </p:sp>
@@ -5213,13 +8119,6 @@
   <p:clrMapOvr>
     <a:masterClrMapping/>
   </p:clrMapOvr>
-  <p:timing>
-    <p:tnLst>
-      <p:par>
-        <p:cTn id="1" dur="indefinite" restart="never" nodeType="tmRoot"/>
-      </p:par>
-    </p:tnLst>
-  </p:timing>
 </p:sld>
 </file>
 
@@ -5242,6 +8141,555 @@
       </p:grpSpPr>
       <p:sp>
         <p:nvSpPr>
+          <p:cNvPr id="2" name="Titel 1"/>
+          <p:cNvSpPr>
+            <a:spLocks noGrp="1"/>
+          </p:cNvSpPr>
+          <p:nvPr>
+            <p:ph type="title"/>
+          </p:nvPr>
+        </p:nvSpPr>
+        <p:spPr/>
+        <p:txBody>
+          <a:bodyPr>
+            <a:normAutofit/>
+          </a:bodyPr>
+          <a:lstStyle/>
+          <a:p>
+            <a:r>
+              <a:rPr lang="de-DE" sz="4000" dirty="0"/>
+              <a:t>Nutzerstudie</a:t>
+            </a:r>
+          </a:p>
+        </p:txBody>
+      </p:sp>
+      <p:sp>
+        <p:nvSpPr>
+          <p:cNvPr id="3" name="Inhaltsplatzhalter 2"/>
+          <p:cNvSpPr>
+            <a:spLocks noGrp="1"/>
+          </p:cNvSpPr>
+          <p:nvPr>
+            <p:ph sz="quarter" idx="1"/>
+          </p:nvPr>
+        </p:nvSpPr>
+        <p:spPr>
+          <a:xfrm>
+            <a:off x="457200" y="1600200"/>
+            <a:ext cx="7467600" cy="4900634"/>
+          </a:xfrm>
+        </p:spPr>
+        <p:txBody>
+          <a:bodyPr>
+            <a:normAutofit/>
+          </a:bodyPr>
+          <a:lstStyle/>
+          <a:p>
+            <a:pPr marL="0" indent="0">
+              <a:buNone/>
+            </a:pPr>
+            <a:endParaRPr lang="de-DE" sz="3200" dirty="0"/>
+          </a:p>
+          <a:p>
+            <a:pPr marL="447675" indent="-447675">
+              <a:buNone/>
+            </a:pPr>
+            <a:endParaRPr lang="de-DE" sz="1000" dirty="0"/>
+          </a:p>
+          <a:p>
+            <a:pPr marL="0" indent="0">
+              <a:buNone/>
+            </a:pPr>
+            <a:endParaRPr lang="de-DE" sz="3200" dirty="0"/>
+          </a:p>
+          <a:p>
+            <a:pPr marL="447675" indent="-447675">
+              <a:buNone/>
+            </a:pPr>
+            <a:endParaRPr lang="de-DE" sz="1000" dirty="0"/>
+          </a:p>
+        </p:txBody>
+      </p:sp>
+      <p:graphicFrame>
+        <p:nvGraphicFramePr>
+          <p:cNvPr id="6" name="Diagramm 5">
+            <a:extLst>
+              <a:ext uri="{FF2B5EF4-FFF2-40B4-BE49-F238E27FC236}">
+                <a16:creationId xmlns:a16="http://schemas.microsoft.com/office/drawing/2014/main" id="{9841F122-51C3-430E-8A7E-871D79072991}"/>
+              </a:ext>
+            </a:extLst>
+          </p:cNvPr>
+          <p:cNvGraphicFramePr/>
+          <p:nvPr>
+            <p:extLst>
+              <p:ext uri="{D42A27DB-BD31-4B8C-83A1-F6EECF244321}">
+                <p14:modId xmlns:p14="http://schemas.microsoft.com/office/powerpoint/2010/main" val="1045958500"/>
+              </p:ext>
+            </p:extLst>
+          </p:nvPr>
+        </p:nvGraphicFramePr>
+        <p:xfrm>
+          <a:off x="1524000" y="1397000"/>
+          <a:ext cx="6096000" cy="4064000"/>
+        </p:xfrm>
+        <a:graphic>
+          <a:graphicData uri="http://schemas.openxmlformats.org/drawingml/2006/chart">
+            <c:chart xmlns:c="http://schemas.openxmlformats.org/drawingml/2006/chart" xmlns:r="http://schemas.openxmlformats.org/officeDocument/2006/relationships" r:id="rId2"/>
+          </a:graphicData>
+        </a:graphic>
+      </p:graphicFrame>
+    </p:spTree>
+    <p:extLst>
+      <p:ext uri="{BB962C8B-B14F-4D97-AF65-F5344CB8AC3E}">
+        <p14:creationId xmlns:p14="http://schemas.microsoft.com/office/powerpoint/2010/main" val="2207963218"/>
+      </p:ext>
+    </p:extLst>
+  </p:cSld>
+  <p:clrMapOvr>
+    <a:masterClrMapping/>
+  </p:clrMapOvr>
+</p:sld>
+</file>
+
+<file path=ppt/slides/slide11.xml><?xml version="1.0" encoding="utf-8"?>
+<p:sld xmlns:a="http://schemas.openxmlformats.org/drawingml/2006/main" xmlns:r="http://schemas.openxmlformats.org/officeDocument/2006/relationships" xmlns:p="http://schemas.openxmlformats.org/presentationml/2006/main">
+  <p:cSld>
+    <p:spTree>
+      <p:nvGrpSpPr>
+        <p:cNvPr id="1" name=""/>
+        <p:cNvGrpSpPr/>
+        <p:nvPr/>
+      </p:nvGrpSpPr>
+      <p:grpSpPr>
+        <a:xfrm>
+          <a:off x="0" y="0"/>
+          <a:ext cx="0" cy="0"/>
+          <a:chOff x="0" y="0"/>
+          <a:chExt cx="0" cy="0"/>
+        </a:xfrm>
+      </p:grpSpPr>
+      <p:sp>
+        <p:nvSpPr>
+          <p:cNvPr id="2" name="Titel 1"/>
+          <p:cNvSpPr>
+            <a:spLocks noGrp="1"/>
+          </p:cNvSpPr>
+          <p:nvPr>
+            <p:ph type="title"/>
+          </p:nvPr>
+        </p:nvSpPr>
+        <p:spPr/>
+        <p:txBody>
+          <a:bodyPr>
+            <a:normAutofit/>
+          </a:bodyPr>
+          <a:lstStyle/>
+          <a:p>
+            <a:r>
+              <a:rPr lang="de-DE" sz="4000" dirty="0"/>
+              <a:t>Nutzerstudie</a:t>
+            </a:r>
+          </a:p>
+        </p:txBody>
+      </p:sp>
+      <p:sp>
+        <p:nvSpPr>
+          <p:cNvPr id="3" name="Inhaltsplatzhalter 2"/>
+          <p:cNvSpPr>
+            <a:spLocks noGrp="1"/>
+          </p:cNvSpPr>
+          <p:nvPr>
+            <p:ph sz="quarter" idx="1"/>
+          </p:nvPr>
+        </p:nvSpPr>
+        <p:spPr>
+          <a:xfrm>
+            <a:off x="457200" y="1600200"/>
+            <a:ext cx="7467600" cy="4900634"/>
+          </a:xfrm>
+        </p:spPr>
+        <p:txBody>
+          <a:bodyPr>
+            <a:normAutofit/>
+          </a:bodyPr>
+          <a:lstStyle/>
+          <a:p>
+            <a:pPr marL="0" indent="0">
+              <a:buNone/>
+            </a:pPr>
+            <a:endParaRPr lang="de-DE" sz="3200" dirty="0"/>
+          </a:p>
+          <a:p>
+            <a:pPr marL="447675" indent="-447675">
+              <a:buNone/>
+            </a:pPr>
+            <a:endParaRPr lang="de-DE" sz="1000" dirty="0"/>
+          </a:p>
+          <a:p>
+            <a:pPr marL="0" indent="0">
+              <a:buNone/>
+            </a:pPr>
+            <a:endParaRPr lang="de-DE" sz="3200" dirty="0"/>
+          </a:p>
+          <a:p>
+            <a:pPr marL="447675" indent="-447675">
+              <a:buNone/>
+            </a:pPr>
+            <a:endParaRPr lang="de-DE" sz="1000" dirty="0"/>
+          </a:p>
+        </p:txBody>
+      </p:sp>
+      <p:graphicFrame>
+        <p:nvGraphicFramePr>
+          <p:cNvPr id="6" name="Diagramm 5">
+            <a:extLst>
+              <a:ext uri="{FF2B5EF4-FFF2-40B4-BE49-F238E27FC236}">
+                <a16:creationId xmlns:a16="http://schemas.microsoft.com/office/drawing/2014/main" id="{9841F122-51C3-430E-8A7E-871D79072991}"/>
+              </a:ext>
+            </a:extLst>
+          </p:cNvPr>
+          <p:cNvGraphicFramePr/>
+          <p:nvPr>
+            <p:extLst>
+              <p:ext uri="{D42A27DB-BD31-4B8C-83A1-F6EECF244321}">
+                <p14:modId xmlns:p14="http://schemas.microsoft.com/office/powerpoint/2010/main" val="2931743919"/>
+              </p:ext>
+            </p:extLst>
+          </p:nvPr>
+        </p:nvGraphicFramePr>
+        <p:xfrm>
+          <a:off x="1524000" y="1397000"/>
+          <a:ext cx="6096000" cy="4064000"/>
+        </p:xfrm>
+        <a:graphic>
+          <a:graphicData uri="http://schemas.openxmlformats.org/drawingml/2006/chart">
+            <c:chart xmlns:c="http://schemas.openxmlformats.org/drawingml/2006/chart" xmlns:r="http://schemas.openxmlformats.org/officeDocument/2006/relationships" r:id="rId2"/>
+          </a:graphicData>
+        </a:graphic>
+      </p:graphicFrame>
+    </p:spTree>
+    <p:extLst>
+      <p:ext uri="{BB962C8B-B14F-4D97-AF65-F5344CB8AC3E}">
+        <p14:creationId xmlns:p14="http://schemas.microsoft.com/office/powerpoint/2010/main" val="2979263850"/>
+      </p:ext>
+    </p:extLst>
+  </p:cSld>
+  <p:clrMapOvr>
+    <a:masterClrMapping/>
+  </p:clrMapOvr>
+</p:sld>
+</file>
+
+<file path=ppt/slides/slide12.xml><?xml version="1.0" encoding="utf-8"?>
+<p:sld xmlns:a="http://schemas.openxmlformats.org/drawingml/2006/main" xmlns:r="http://schemas.openxmlformats.org/officeDocument/2006/relationships" xmlns:p="http://schemas.openxmlformats.org/presentationml/2006/main">
+  <p:cSld>
+    <p:spTree>
+      <p:nvGrpSpPr>
+        <p:cNvPr id="1" name=""/>
+        <p:cNvGrpSpPr/>
+        <p:nvPr/>
+      </p:nvGrpSpPr>
+      <p:grpSpPr>
+        <a:xfrm>
+          <a:off x="0" y="0"/>
+          <a:ext cx="0" cy="0"/>
+          <a:chOff x="0" y="0"/>
+          <a:chExt cx="0" cy="0"/>
+        </a:xfrm>
+      </p:grpSpPr>
+      <p:sp>
+        <p:nvSpPr>
+          <p:cNvPr id="2" name="Titel 1"/>
+          <p:cNvSpPr>
+            <a:spLocks noGrp="1"/>
+          </p:cNvSpPr>
+          <p:nvPr>
+            <p:ph type="title"/>
+          </p:nvPr>
+        </p:nvSpPr>
+        <p:spPr/>
+        <p:txBody>
+          <a:bodyPr>
+            <a:normAutofit/>
+          </a:bodyPr>
+          <a:lstStyle/>
+          <a:p>
+            <a:r>
+              <a:rPr lang="de-DE" sz="4000" dirty="0"/>
+              <a:t>Nutzerstudie</a:t>
+            </a:r>
+          </a:p>
+        </p:txBody>
+      </p:sp>
+      <p:sp>
+        <p:nvSpPr>
+          <p:cNvPr id="3" name="Inhaltsplatzhalter 2"/>
+          <p:cNvSpPr>
+            <a:spLocks noGrp="1"/>
+          </p:cNvSpPr>
+          <p:nvPr>
+            <p:ph sz="quarter" idx="1"/>
+          </p:nvPr>
+        </p:nvSpPr>
+        <p:spPr>
+          <a:xfrm>
+            <a:off x="457200" y="1600200"/>
+            <a:ext cx="7467600" cy="4900634"/>
+          </a:xfrm>
+        </p:spPr>
+        <p:txBody>
+          <a:bodyPr>
+            <a:normAutofit/>
+          </a:bodyPr>
+          <a:lstStyle/>
+          <a:p>
+            <a:pPr marL="0" indent="0">
+              <a:buNone/>
+            </a:pPr>
+            <a:endParaRPr lang="de-DE" sz="3200" dirty="0"/>
+          </a:p>
+          <a:p>
+            <a:pPr marL="447675" indent="-447675">
+              <a:buNone/>
+            </a:pPr>
+            <a:endParaRPr lang="de-DE" sz="1000" dirty="0"/>
+          </a:p>
+          <a:p>
+            <a:pPr marL="0" indent="0">
+              <a:buNone/>
+            </a:pPr>
+            <a:endParaRPr lang="de-DE" sz="3200" dirty="0"/>
+          </a:p>
+          <a:p>
+            <a:pPr marL="447675" indent="-447675">
+              <a:buNone/>
+            </a:pPr>
+            <a:endParaRPr lang="de-DE" sz="1000" dirty="0"/>
+          </a:p>
+        </p:txBody>
+      </p:sp>
+      <p:graphicFrame>
+        <p:nvGraphicFramePr>
+          <p:cNvPr id="6" name="Diagramm 5">
+            <a:extLst>
+              <a:ext uri="{FF2B5EF4-FFF2-40B4-BE49-F238E27FC236}">
+                <a16:creationId xmlns:a16="http://schemas.microsoft.com/office/drawing/2014/main" id="{9841F122-51C3-430E-8A7E-871D79072991}"/>
+              </a:ext>
+            </a:extLst>
+          </p:cNvPr>
+          <p:cNvGraphicFramePr/>
+          <p:nvPr>
+            <p:extLst>
+              <p:ext uri="{D42A27DB-BD31-4B8C-83A1-F6EECF244321}">
+                <p14:modId xmlns:p14="http://schemas.microsoft.com/office/powerpoint/2010/main" val="2996084807"/>
+              </p:ext>
+            </p:extLst>
+          </p:nvPr>
+        </p:nvGraphicFramePr>
+        <p:xfrm>
+          <a:off x="1524000" y="1397000"/>
+          <a:ext cx="6096000" cy="4064000"/>
+        </p:xfrm>
+        <a:graphic>
+          <a:graphicData uri="http://schemas.openxmlformats.org/drawingml/2006/chart">
+            <c:chart xmlns:c="http://schemas.openxmlformats.org/drawingml/2006/chart" xmlns:r="http://schemas.openxmlformats.org/officeDocument/2006/relationships" r:id="rId2"/>
+          </a:graphicData>
+        </a:graphic>
+      </p:graphicFrame>
+    </p:spTree>
+    <p:extLst>
+      <p:ext uri="{BB962C8B-B14F-4D97-AF65-F5344CB8AC3E}">
+        <p14:creationId xmlns:p14="http://schemas.microsoft.com/office/powerpoint/2010/main" val="3709088686"/>
+      </p:ext>
+    </p:extLst>
+  </p:cSld>
+  <p:clrMapOvr>
+    <a:masterClrMapping/>
+  </p:clrMapOvr>
+</p:sld>
+</file>
+
+<file path=ppt/slides/slide13.xml><?xml version="1.0" encoding="utf-8"?>
+<p:sld xmlns:a="http://schemas.openxmlformats.org/drawingml/2006/main" xmlns:r="http://schemas.openxmlformats.org/officeDocument/2006/relationships" xmlns:p="http://schemas.openxmlformats.org/presentationml/2006/main">
+  <p:cSld>
+    <p:spTree>
+      <p:nvGrpSpPr>
+        <p:cNvPr id="1" name=""/>
+        <p:cNvGrpSpPr/>
+        <p:nvPr/>
+      </p:nvGrpSpPr>
+      <p:grpSpPr>
+        <a:xfrm>
+          <a:off x="0" y="0"/>
+          <a:ext cx="0" cy="0"/>
+          <a:chOff x="0" y="0"/>
+          <a:chExt cx="0" cy="0"/>
+        </a:xfrm>
+      </p:grpSpPr>
+      <p:sp>
+        <p:nvSpPr>
+          <p:cNvPr id="2" name="Titel 1"/>
+          <p:cNvSpPr>
+            <a:spLocks noGrp="1"/>
+          </p:cNvSpPr>
+          <p:nvPr>
+            <p:ph type="title"/>
+          </p:nvPr>
+        </p:nvSpPr>
+        <p:spPr/>
+        <p:txBody>
+          <a:bodyPr>
+            <a:normAutofit/>
+          </a:bodyPr>
+          <a:lstStyle/>
+          <a:p>
+            <a:r>
+              <a:rPr lang="de-DE" sz="4000" dirty="0"/>
+              <a:t>Feedback und Fazit</a:t>
+            </a:r>
+          </a:p>
+        </p:txBody>
+      </p:sp>
+      <p:sp>
+        <p:nvSpPr>
+          <p:cNvPr id="3" name="Inhaltsplatzhalter 2"/>
+          <p:cNvSpPr>
+            <a:spLocks noGrp="1"/>
+          </p:cNvSpPr>
+          <p:nvPr>
+            <p:ph sz="quarter" idx="1"/>
+          </p:nvPr>
+        </p:nvSpPr>
+        <p:spPr>
+          <a:xfrm>
+            <a:off x="457200" y="1600200"/>
+            <a:ext cx="7467600" cy="4900634"/>
+          </a:xfrm>
+        </p:spPr>
+        <p:txBody>
+          <a:bodyPr>
+            <a:normAutofit/>
+          </a:bodyPr>
+          <a:lstStyle/>
+          <a:p>
+            <a:pPr marL="447675" indent="-447675"/>
+            <a:r>
+              <a:rPr lang="de-DE" sz="3200" dirty="0"/>
+              <a:t>Magnetfarbe</a:t>
+            </a:r>
+          </a:p>
+          <a:p>
+            <a:pPr marL="447675" indent="-447675">
+              <a:buNone/>
+            </a:pPr>
+            <a:endParaRPr lang="de-DE" sz="1000" dirty="0"/>
+          </a:p>
+          <a:p>
+            <a:pPr marL="447675" indent="-447675"/>
+            <a:r>
+              <a:rPr lang="de-DE" sz="3200" dirty="0" err="1"/>
+              <a:t>CoolNotes</a:t>
+            </a:r>
+            <a:r>
+              <a:rPr lang="de-DE" sz="3200" dirty="0"/>
+              <a:t> und </a:t>
+            </a:r>
+            <a:r>
+              <a:rPr lang="de-DE" sz="3200" dirty="0" err="1"/>
+              <a:t>FrozenNotes</a:t>
+            </a:r>
+            <a:endParaRPr lang="de-DE" sz="3200" dirty="0"/>
+          </a:p>
+          <a:p>
+            <a:pPr marL="447675" indent="-447675">
+              <a:buNone/>
+            </a:pPr>
+            <a:endParaRPr lang="de-DE" sz="1000" dirty="0"/>
+          </a:p>
+          <a:p>
+            <a:pPr marL="447675" indent="-447675"/>
+            <a:r>
+              <a:rPr lang="de-DE" sz="3200" dirty="0"/>
+              <a:t>Accesscode</a:t>
+            </a:r>
+          </a:p>
+          <a:p>
+            <a:pPr marL="447675" indent="-447675">
+              <a:buNone/>
+            </a:pPr>
+            <a:endParaRPr lang="de-DE" sz="1000" dirty="0"/>
+          </a:p>
+          <a:p>
+            <a:pPr>
+              <a:buFont typeface="Wingdings" panose="05000000000000000000" pitchFamily="2" charset="2"/>
+              <a:buChar char="à"/>
+            </a:pPr>
+            <a:r>
+              <a:rPr lang="de-DE" sz="3200" dirty="0">
+                <a:sym typeface="Wingdings" panose="05000000000000000000" pitchFamily="2" charset="2"/>
+              </a:rPr>
+              <a:t>Begrüßung mit Magnetfarbe</a:t>
+            </a:r>
+          </a:p>
+          <a:p>
+            <a:pPr>
+              <a:buFont typeface="Wingdings" panose="05000000000000000000" pitchFamily="2" charset="2"/>
+              <a:buChar char="à"/>
+            </a:pPr>
+            <a:r>
+              <a:rPr lang="de-DE" sz="3200" dirty="0">
+                <a:sym typeface="Wingdings" panose="05000000000000000000" pitchFamily="2" charset="2"/>
+              </a:rPr>
+              <a:t>Tutorial</a:t>
+            </a:r>
+          </a:p>
+          <a:p>
+            <a:pPr>
+              <a:buFont typeface="Wingdings" panose="05000000000000000000" pitchFamily="2" charset="2"/>
+              <a:buChar char="à"/>
+            </a:pPr>
+            <a:r>
+              <a:rPr lang="de-DE" sz="3200" dirty="0">
+                <a:sym typeface="Wingdings" panose="05000000000000000000" pitchFamily="2" charset="2"/>
+              </a:rPr>
+              <a:t>Accesscode speichern / Hinweis zum notieren</a:t>
+            </a:r>
+            <a:endParaRPr lang="de-DE" sz="3200" dirty="0"/>
+          </a:p>
+        </p:txBody>
+      </p:sp>
+    </p:spTree>
+    <p:extLst>
+      <p:ext uri="{BB962C8B-B14F-4D97-AF65-F5344CB8AC3E}">
+        <p14:creationId xmlns:p14="http://schemas.microsoft.com/office/powerpoint/2010/main" val="249624455"/>
+      </p:ext>
+    </p:extLst>
+  </p:cSld>
+  <p:clrMapOvr>
+    <a:masterClrMapping/>
+  </p:clrMapOvr>
+</p:sld>
+</file>
+
+<file path=ppt/slides/slide14.xml><?xml version="1.0" encoding="utf-8"?>
+<p:sld xmlns:a="http://schemas.openxmlformats.org/drawingml/2006/main" xmlns:r="http://schemas.openxmlformats.org/officeDocument/2006/relationships" xmlns:p="http://schemas.openxmlformats.org/presentationml/2006/main">
+  <p:cSld>
+    <p:spTree>
+      <p:nvGrpSpPr>
+        <p:cNvPr id="1" name=""/>
+        <p:cNvGrpSpPr/>
+        <p:nvPr/>
+      </p:nvGrpSpPr>
+      <p:grpSpPr>
+        <a:xfrm>
+          <a:off x="0" y="0"/>
+          <a:ext cx="0" cy="0"/>
+          <a:chOff x="0" y="0"/>
+          <a:chExt cx="0" cy="0"/>
+        </a:xfrm>
+      </p:grpSpPr>
+      <p:sp>
+        <p:nvSpPr>
           <p:cNvPr id="6" name="Abgerundete rechteckige Legende 5"/>
           <p:cNvSpPr/>
           <p:nvPr/>
@@ -5319,17 +8767,16 @@
           <a:lstStyle/>
           <a:p>
             <a:r>
-              <a:rPr lang="de-DE" sz="4000" dirty="0" smtClean="0"/>
+              <a:rPr lang="de-DE" sz="4000" dirty="0"/>
               <a:t>Vielen Dank </a:t>
             </a:r>
             <a:br>
-              <a:rPr lang="de-DE" sz="4000" dirty="0" smtClean="0"/>
+              <a:rPr lang="de-DE" sz="4000" dirty="0"/>
             </a:br>
             <a:r>
-              <a:rPr lang="de-DE" sz="4000" dirty="0" smtClean="0"/>
+              <a:rPr lang="de-DE" sz="4000" dirty="0"/>
               <a:t>für Ihre Aufmerksamkeit!</a:t>
             </a:r>
-            <a:endParaRPr lang="de-DE" sz="4000" dirty="0"/>
           </a:p>
         </p:txBody>
       </p:sp>
@@ -5386,13 +8833,6 @@
   <p:clrMapOvr>
     <a:masterClrMapping/>
   </p:clrMapOvr>
-  <p:timing>
-    <p:tnLst>
-      <p:par>
-        <p:cTn id="1" dur="indefinite" restart="never" nodeType="tmRoot"/>
-      </p:par>
-    </p:tnLst>
-  </p:timing>
 </p:sld>
 </file>
 
@@ -5431,10 +8871,9 @@
           <a:lstStyle/>
           <a:p>
             <a:r>
-              <a:rPr lang="de-DE" sz="4000" dirty="0" smtClean="0"/>
+              <a:rPr lang="de-DE" sz="4000" dirty="0"/>
               <a:t>Behobene Bugs</a:t>
             </a:r>
-            <a:endParaRPr lang="de-DE" sz="4000" dirty="0"/>
           </a:p>
         </p:txBody>
       </p:sp>
@@ -5491,13 +8930,6 @@
   <p:clrMapOvr>
     <a:masterClrMapping/>
   </p:clrMapOvr>
-  <p:timing>
-    <p:tnLst>
-      <p:par>
-        <p:cTn id="1" dur="indefinite" restart="never" nodeType="tmRoot"/>
-      </p:par>
-    </p:tnLst>
-  </p:timing>
 </p:sld>
 </file>
 
@@ -5536,10 +8968,9 @@
           <a:lstStyle/>
           <a:p>
             <a:r>
-              <a:rPr lang="de-DE" sz="4000" dirty="0" smtClean="0"/>
+              <a:rPr lang="de-DE" sz="4000" dirty="0"/>
               <a:t>Testarten</a:t>
             </a:r>
-            <a:endParaRPr lang="de-DE" sz="4000" dirty="0"/>
           </a:p>
         </p:txBody>
       </p:sp>
@@ -5567,72 +8998,70 @@
           <a:p>
             <a:pPr marL="447675" indent="-447675"/>
             <a:r>
-              <a:rPr lang="de-DE" sz="3200" dirty="0" smtClean="0"/>
+              <a:rPr lang="de-DE" sz="3200" dirty="0"/>
               <a:t>Unit Tests</a:t>
             </a:r>
-            <a:endParaRPr lang="de-DE" sz="3200" dirty="0" smtClean="0"/>
           </a:p>
           <a:p>
             <a:pPr marL="447675" indent="-447675">
               <a:buNone/>
             </a:pPr>
-            <a:endParaRPr lang="de-DE" sz="1000" dirty="0" smtClean="0"/>
+            <a:endParaRPr lang="de-DE" sz="1000" dirty="0"/>
           </a:p>
           <a:p>
             <a:pPr marL="447675" indent="-447675"/>
             <a:r>
-              <a:rPr lang="de-DE" sz="3200" dirty="0" smtClean="0"/>
+              <a:rPr lang="de-DE" sz="3200" dirty="0"/>
               <a:t>UI-Tests</a:t>
             </a:r>
           </a:p>
           <a:p>
             <a:pPr marL="813435" lvl="1" indent="-447675"/>
             <a:r>
-              <a:rPr lang="de-DE" sz="2900" dirty="0" smtClean="0"/>
+              <a:rPr lang="de-DE" sz="2900" dirty="0"/>
               <a:t>Espresso</a:t>
             </a:r>
           </a:p>
           <a:p>
             <a:pPr marL="813435" lvl="1" indent="-447675"/>
             <a:r>
-              <a:rPr lang="de-DE" sz="2900" dirty="0" err="1" smtClean="0"/>
+              <a:rPr lang="de-DE" sz="2900" dirty="0" err="1"/>
               <a:t>Viewwechsel</a:t>
             </a:r>
-            <a:endParaRPr lang="de-DE" sz="2900" dirty="0" smtClean="0"/>
+            <a:endParaRPr lang="de-DE" sz="2900" dirty="0"/>
           </a:p>
           <a:p>
             <a:pPr marL="447675" indent="-447675">
               <a:buNone/>
             </a:pPr>
-            <a:endParaRPr lang="de-DE" sz="1000" dirty="0" smtClean="0"/>
+            <a:endParaRPr lang="de-DE" sz="1000" dirty="0"/>
           </a:p>
           <a:p>
             <a:pPr marL="447675" indent="-447675"/>
             <a:r>
-              <a:rPr lang="de-DE" sz="3200" dirty="0" smtClean="0"/>
+              <a:rPr lang="de-DE" sz="3200" dirty="0"/>
               <a:t>Manuelle Tests </a:t>
             </a:r>
           </a:p>
           <a:p>
             <a:pPr marL="813435" lvl="1" indent="-447675"/>
             <a:r>
-              <a:rPr lang="de-DE" sz="2900" dirty="0" smtClean="0"/>
+              <a:rPr lang="de-DE" sz="2900" dirty="0"/>
               <a:t>Testszenarien</a:t>
             </a:r>
           </a:p>
           <a:p>
             <a:pPr marL="813435" lvl="1" indent="-447675"/>
             <a:r>
-              <a:rPr lang="de-DE" sz="2900" dirty="0" smtClean="0"/>
+              <a:rPr lang="de-DE" sz="2900" dirty="0"/>
               <a:t>Beim Implementieren</a:t>
             </a:r>
-            <a:endParaRPr lang="de-DE" sz="2900" dirty="0" smtClean="0"/>
           </a:p>
           <a:p>
             <a:pPr marL="447675" indent="-447675">
               <a:buNone/>
             </a:pPr>
-            <a:endParaRPr lang="de-DE" sz="1000" dirty="0" smtClean="0"/>
+            <a:endParaRPr lang="de-DE" sz="1000" dirty="0"/>
           </a:p>
         </p:txBody>
       </p:sp>
@@ -5646,13 +9075,6 @@
   <p:clrMapOvr>
     <a:masterClrMapping/>
   </p:clrMapOvr>
-  <p:timing>
-    <p:tnLst>
-      <p:par>
-        <p:cTn id="1" dur="indefinite" restart="never" nodeType="tmRoot"/>
-      </p:par>
-    </p:tnLst>
-  </p:timing>
 </p:sld>
 </file>
 
@@ -5691,78 +9113,110 @@
           <a:lstStyle/>
           <a:p>
             <a:r>
-              <a:rPr lang="de-DE" sz="4000" dirty="0" smtClean="0"/>
-              <a:t>Wie und was wurde getestet?</a:t>
-            </a:r>
-            <a:endParaRPr lang="de-DE" sz="4000" dirty="0"/>
-          </a:p>
-        </p:txBody>
-      </p:sp>
-      <p:pic>
-        <p:nvPicPr>
-          <p:cNvPr id="5" name="Bild 4"/>
-          <p:cNvPicPr>
-            <a:picLocks noChangeAspect="1"/>
-          </p:cNvPicPr>
-          <p:nvPr/>
-        </p:nvPicPr>
-        <p:blipFill>
-          <a:blip r:embed="rId2"/>
-          <a:stretch>
-            <a:fillRect/>
-          </a:stretch>
-        </p:blipFill>
+              <a:rPr lang="de-DE" sz="4000" dirty="0"/>
+              <a:t>Probleme beim Testen</a:t>
+            </a:r>
+          </a:p>
+        </p:txBody>
+      </p:sp>
+      <p:sp>
+        <p:nvSpPr>
+          <p:cNvPr id="3" name="Inhaltsplatzhalter 2"/>
+          <p:cNvSpPr>
+            <a:spLocks noGrp="1"/>
+          </p:cNvSpPr>
+          <p:nvPr>
+            <p:ph sz="quarter" idx="1"/>
+          </p:nvPr>
+        </p:nvSpPr>
         <p:spPr>
           <a:xfrm>
-            <a:off x="437590" y="1268760"/>
-            <a:ext cx="8208912" cy="2883584"/>
-          </a:xfrm>
-          <a:prstGeom prst="rect">
-            <a:avLst/>
-          </a:prstGeom>
-        </p:spPr>
-      </p:pic>
-      <p:pic>
-        <p:nvPicPr>
-          <p:cNvPr id="6" name="Bild 5"/>
-          <p:cNvPicPr>
-            <a:picLocks noChangeAspect="1"/>
-          </p:cNvPicPr>
-          <p:nvPr/>
-        </p:nvPicPr>
-        <p:blipFill>
-          <a:blip r:embed="rId3"/>
-          <a:stretch>
-            <a:fillRect/>
-          </a:stretch>
-        </p:blipFill>
-        <p:spPr>
-          <a:xfrm>
-            <a:off x="457200" y="4005064"/>
-            <a:ext cx="8208912" cy="1751692"/>
-          </a:xfrm>
-          <a:prstGeom prst="rect">
-            <a:avLst/>
-          </a:prstGeom>
-        </p:spPr>
-      </p:pic>
+            <a:off x="457200" y="1772816"/>
+            <a:ext cx="7467600" cy="4320480"/>
+          </a:xfrm>
+        </p:spPr>
+        <p:txBody>
+          <a:bodyPr>
+            <a:normAutofit/>
+          </a:bodyPr>
+          <a:lstStyle/>
+          <a:p>
+            <a:pPr marL="447675" indent="-447675"/>
+            <a:r>
+              <a:rPr lang="de-DE" sz="3200" dirty="0"/>
+              <a:t>Data Binding und </a:t>
+            </a:r>
+            <a:r>
+              <a:rPr lang="de-DE" sz="3200" dirty="0" err="1"/>
+              <a:t>Retrofit</a:t>
+            </a:r>
+            <a:endParaRPr lang="de-DE" sz="3200" dirty="0"/>
+          </a:p>
+          <a:p>
+            <a:pPr marL="447675" indent="-447675">
+              <a:buNone/>
+            </a:pPr>
+            <a:endParaRPr lang="de-DE" sz="1000" dirty="0"/>
+          </a:p>
+          <a:p>
+            <a:pPr marL="447675" indent="-447675">
+              <a:buNone/>
+            </a:pPr>
+            <a:endParaRPr lang="de-DE" sz="1000" dirty="0"/>
+          </a:p>
+          <a:p>
+            <a:pPr marL="447675" indent="-447675"/>
+            <a:r>
+              <a:rPr lang="de-DE" sz="3200" dirty="0"/>
+              <a:t>Keine testgesteuerte Programmierung</a:t>
+            </a:r>
+          </a:p>
+          <a:p>
+            <a:pPr marL="447675" indent="-447675">
+              <a:buNone/>
+            </a:pPr>
+            <a:endParaRPr lang="de-DE" sz="1000" dirty="0"/>
+          </a:p>
+          <a:p>
+            <a:pPr marL="447675" indent="-447675">
+              <a:buNone/>
+            </a:pPr>
+            <a:endParaRPr lang="de-DE" sz="1000" dirty="0"/>
+          </a:p>
+          <a:p>
+            <a:pPr marL="447675" indent="-447675"/>
+            <a:r>
+              <a:rPr lang="de-DE" sz="3200" dirty="0"/>
+              <a:t>Wenig Beispiele im Internet, vieles veraltet</a:t>
+            </a:r>
+          </a:p>
+          <a:p>
+            <a:pPr marL="447675" indent="-447675">
+              <a:buNone/>
+            </a:pPr>
+            <a:endParaRPr lang="de-DE" sz="1000" dirty="0"/>
+          </a:p>
+          <a:p>
+            <a:pPr marL="0" indent="0">
+              <a:buNone/>
+            </a:pPr>
+            <a:r>
+              <a:rPr lang="de-DE" sz="3200" dirty="0"/>
+              <a:t>	➜ viel manuell getestet </a:t>
+            </a:r>
+          </a:p>
+        </p:txBody>
+      </p:sp>
     </p:spTree>
     <p:extLst>
       <p:ext uri="{BB962C8B-B14F-4D97-AF65-F5344CB8AC3E}">
-        <p14:creationId xmlns:p14="http://schemas.microsoft.com/office/powerpoint/2010/main" val="1697172951"/>
+        <p14:creationId xmlns:p14="http://schemas.microsoft.com/office/powerpoint/2010/main" val="2686100215"/>
       </p:ext>
     </p:extLst>
   </p:cSld>
   <p:clrMapOvr>
     <a:masterClrMapping/>
   </p:clrMapOvr>
-  <p:timing>
-    <p:tnLst>
-      <p:par>
-        <p:cTn id="1" dur="indefinite" restart="never" nodeType="tmRoot"/>
-      </p:par>
-    </p:tnLst>
-  </p:timing>
 </p:sld>
 </file>
 
@@ -5801,16 +9255,15 @@
           <a:lstStyle/>
           <a:p>
             <a:r>
-              <a:rPr lang="de-DE" sz="4000" dirty="0" smtClean="0"/>
+              <a:rPr lang="de-DE" sz="4000" dirty="0"/>
               <a:t>Wie und was wurde getestet?</a:t>
             </a:r>
-            <a:endParaRPr lang="de-DE" sz="4000" dirty="0"/>
           </a:p>
         </p:txBody>
       </p:sp>
       <p:pic>
         <p:nvPicPr>
-          <p:cNvPr id="3" name="Bild 2"/>
+          <p:cNvPr id="5" name="Bild 4"/>
           <p:cNvPicPr>
             <a:picLocks noChangeAspect="1"/>
           </p:cNvPicPr>
@@ -5824,8 +9277,32 @@
         </p:blipFill>
         <p:spPr>
           <a:xfrm>
-            <a:off x="467645" y="1556792"/>
-            <a:ext cx="7748860" cy="3830774"/>
+            <a:off x="437590" y="1268760"/>
+            <a:ext cx="7789639" cy="2736304"/>
+          </a:xfrm>
+          <a:prstGeom prst="rect">
+            <a:avLst/>
+          </a:prstGeom>
+        </p:spPr>
+      </p:pic>
+      <p:pic>
+        <p:nvPicPr>
+          <p:cNvPr id="6" name="Bild 5"/>
+          <p:cNvPicPr>
+            <a:picLocks noChangeAspect="1"/>
+          </p:cNvPicPr>
+          <p:nvPr/>
+        </p:nvPicPr>
+        <p:blipFill>
+          <a:blip r:embed="rId3"/>
+          <a:stretch>
+            <a:fillRect/>
+          </a:stretch>
+        </p:blipFill>
+        <p:spPr>
+          <a:xfrm>
+            <a:off x="457200" y="4005064"/>
+            <a:ext cx="8208912" cy="1751692"/>
           </a:xfrm>
           <a:prstGeom prst="rect">
             <a:avLst/>
@@ -5835,20 +9312,13 @@
     </p:spTree>
     <p:extLst>
       <p:ext uri="{BB962C8B-B14F-4D97-AF65-F5344CB8AC3E}">
-        <p14:creationId xmlns:p14="http://schemas.microsoft.com/office/powerpoint/2010/main" val="1416085225"/>
+        <p14:creationId xmlns:p14="http://schemas.microsoft.com/office/powerpoint/2010/main" val="1697172951"/>
       </p:ext>
     </p:extLst>
   </p:cSld>
   <p:clrMapOvr>
     <a:masterClrMapping/>
   </p:clrMapOvr>
-  <p:timing>
-    <p:tnLst>
-      <p:par>
-        <p:cTn id="1" dur="indefinite" restart="never" nodeType="tmRoot"/>
-      </p:par>
-    </p:tnLst>
-  </p:timing>
 </p:sld>
 </file>
 
@@ -5887,16 +9357,15 @@
           <a:lstStyle/>
           <a:p>
             <a:r>
-              <a:rPr lang="de-DE" sz="4000" dirty="0" smtClean="0"/>
+              <a:rPr lang="de-DE" sz="4000" dirty="0"/>
               <a:t>Wie und was wurde getestet?</a:t>
             </a:r>
-            <a:endParaRPr lang="de-DE" sz="4000" dirty="0"/>
           </a:p>
         </p:txBody>
       </p:sp>
       <p:pic>
         <p:nvPicPr>
-          <p:cNvPr id="4" name="Bild 3"/>
+          <p:cNvPr id="3" name="Bild 2"/>
           <p:cNvPicPr>
             <a:picLocks noChangeAspect="1"/>
           </p:cNvPicPr>
@@ -5910,56 +9379,8 @@
         </p:blipFill>
         <p:spPr>
           <a:xfrm>
-            <a:off x="323528" y="1417638"/>
-            <a:ext cx="8424936" cy="1911540"/>
-          </a:xfrm>
-          <a:prstGeom prst="rect">
-            <a:avLst/>
-          </a:prstGeom>
-        </p:spPr>
-      </p:pic>
-      <p:pic>
-        <p:nvPicPr>
-          <p:cNvPr id="5" name="Bild 4"/>
-          <p:cNvPicPr>
-            <a:picLocks noChangeAspect="1"/>
-          </p:cNvPicPr>
-          <p:nvPr/>
-        </p:nvPicPr>
-        <p:blipFill>
-          <a:blip r:embed="rId3"/>
-          <a:stretch>
-            <a:fillRect/>
-          </a:stretch>
-        </p:blipFill>
-        <p:spPr>
-          <a:xfrm>
-            <a:off x="323528" y="3212976"/>
-            <a:ext cx="8378533" cy="1584176"/>
-          </a:xfrm>
-          <a:prstGeom prst="rect">
-            <a:avLst/>
-          </a:prstGeom>
-        </p:spPr>
-      </p:pic>
-      <p:pic>
-        <p:nvPicPr>
-          <p:cNvPr id="6" name="Bild 5"/>
-          <p:cNvPicPr>
-            <a:picLocks noChangeAspect="1"/>
-          </p:cNvPicPr>
-          <p:nvPr/>
-        </p:nvPicPr>
-        <p:blipFill>
-          <a:blip r:embed="rId4"/>
-          <a:stretch>
-            <a:fillRect/>
-          </a:stretch>
-        </p:blipFill>
-        <p:spPr>
-          <a:xfrm>
-            <a:off x="323528" y="4797152"/>
-            <a:ext cx="8378533" cy="1378746"/>
+            <a:off x="467645" y="1556792"/>
+            <a:ext cx="7748860" cy="3830774"/>
           </a:xfrm>
           <a:prstGeom prst="rect">
             <a:avLst/>
@@ -5969,20 +9390,13 @@
     </p:spTree>
     <p:extLst>
       <p:ext uri="{BB962C8B-B14F-4D97-AF65-F5344CB8AC3E}">
-        <p14:creationId xmlns:p14="http://schemas.microsoft.com/office/powerpoint/2010/main" val="1482182625"/>
+        <p14:creationId xmlns:p14="http://schemas.microsoft.com/office/powerpoint/2010/main" val="1416085225"/>
       </p:ext>
     </p:extLst>
   </p:cSld>
   <p:clrMapOvr>
     <a:masterClrMapping/>
   </p:clrMapOvr>
-  <p:timing>
-    <p:tnLst>
-      <p:par>
-        <p:cTn id="1" dur="indefinite" restart="never" nodeType="tmRoot"/>
-      </p:par>
-    </p:tnLst>
-  </p:timing>
 </p:sld>
 </file>
 
@@ -6021,16 +9435,15 @@
           <a:lstStyle/>
           <a:p>
             <a:r>
-              <a:rPr lang="de-DE" sz="4000" dirty="0" smtClean="0"/>
+              <a:rPr lang="de-DE" sz="4000" dirty="0"/>
               <a:t>Wie und was wurde getestet?</a:t>
             </a:r>
-            <a:endParaRPr lang="de-DE" sz="4000" dirty="0"/>
           </a:p>
         </p:txBody>
       </p:sp>
       <p:pic>
         <p:nvPicPr>
-          <p:cNvPr id="7" name="Bild 6"/>
+          <p:cNvPr id="4" name="Bild 3"/>
           <p:cNvPicPr>
             <a:picLocks noChangeAspect="1"/>
           </p:cNvPicPr>
@@ -6044,8 +9457,56 @@
         </p:blipFill>
         <p:spPr>
           <a:xfrm>
-            <a:off x="179513" y="2132856"/>
-            <a:ext cx="8496944" cy="1478252"/>
+            <a:off x="323528" y="1417638"/>
+            <a:ext cx="8424936" cy="1911540"/>
+          </a:xfrm>
+          <a:prstGeom prst="rect">
+            <a:avLst/>
+          </a:prstGeom>
+        </p:spPr>
+      </p:pic>
+      <p:pic>
+        <p:nvPicPr>
+          <p:cNvPr id="5" name="Bild 4"/>
+          <p:cNvPicPr>
+            <a:picLocks noChangeAspect="1"/>
+          </p:cNvPicPr>
+          <p:nvPr/>
+        </p:nvPicPr>
+        <p:blipFill>
+          <a:blip r:embed="rId3"/>
+          <a:stretch>
+            <a:fillRect/>
+          </a:stretch>
+        </p:blipFill>
+        <p:spPr>
+          <a:xfrm>
+            <a:off x="323528" y="3212976"/>
+            <a:ext cx="8378533" cy="1584176"/>
+          </a:xfrm>
+          <a:prstGeom prst="rect">
+            <a:avLst/>
+          </a:prstGeom>
+        </p:spPr>
+      </p:pic>
+      <p:pic>
+        <p:nvPicPr>
+          <p:cNvPr id="6" name="Bild 5"/>
+          <p:cNvPicPr>
+            <a:picLocks noChangeAspect="1"/>
+          </p:cNvPicPr>
+          <p:nvPr/>
+        </p:nvPicPr>
+        <p:blipFill>
+          <a:blip r:embed="rId4"/>
+          <a:stretch>
+            <a:fillRect/>
+          </a:stretch>
+        </p:blipFill>
+        <p:spPr>
+          <a:xfrm>
+            <a:off x="323528" y="4797152"/>
+            <a:ext cx="8378533" cy="1378746"/>
           </a:xfrm>
           <a:prstGeom prst="rect">
             <a:avLst/>
@@ -6055,20 +9516,13 @@
     </p:spTree>
     <p:extLst>
       <p:ext uri="{BB962C8B-B14F-4D97-AF65-F5344CB8AC3E}">
-        <p14:creationId xmlns:p14="http://schemas.microsoft.com/office/powerpoint/2010/main" val="1507476295"/>
+        <p14:creationId xmlns:p14="http://schemas.microsoft.com/office/powerpoint/2010/main" val="1482182625"/>
       </p:ext>
     </p:extLst>
   </p:cSld>
   <p:clrMapOvr>
     <a:masterClrMapping/>
   </p:clrMapOvr>
-  <p:timing>
-    <p:tnLst>
-      <p:par>
-        <p:cTn id="1" dur="indefinite" restart="never" nodeType="tmRoot"/>
-      </p:par>
-    </p:tnLst>
-  </p:timing>
 </p:sld>
 </file>
 
@@ -6107,125 +9561,46 @@
           <a:lstStyle/>
           <a:p>
             <a:r>
-              <a:rPr lang="de-DE" sz="4000" dirty="0" smtClean="0"/>
-              <a:t>Probleme beim Testen</a:t>
-            </a:r>
-            <a:endParaRPr lang="de-DE" sz="4000" dirty="0"/>
-          </a:p>
-        </p:txBody>
-      </p:sp>
-      <p:sp>
-        <p:nvSpPr>
-          <p:cNvPr id="3" name="Inhaltsplatzhalter 2"/>
-          <p:cNvSpPr>
-            <a:spLocks noGrp="1"/>
-          </p:cNvSpPr>
-          <p:nvPr>
-            <p:ph sz="quarter" idx="1"/>
-          </p:nvPr>
-        </p:nvSpPr>
+              <a:rPr lang="de-DE" sz="4000" dirty="0"/>
+              <a:t>Wie und was wurde getestet?</a:t>
+            </a:r>
+          </a:p>
+        </p:txBody>
+      </p:sp>
+      <p:pic>
+        <p:nvPicPr>
+          <p:cNvPr id="7" name="Bild 6"/>
+          <p:cNvPicPr>
+            <a:picLocks noChangeAspect="1"/>
+          </p:cNvPicPr>
+          <p:nvPr/>
+        </p:nvPicPr>
+        <p:blipFill>
+          <a:blip r:embed="rId2"/>
+          <a:stretch>
+            <a:fillRect/>
+          </a:stretch>
+        </p:blipFill>
         <p:spPr>
           <a:xfrm>
-            <a:off x="457200" y="1772816"/>
-            <a:ext cx="7467600" cy="4320480"/>
-          </a:xfrm>
-        </p:spPr>
-        <p:txBody>
-          <a:bodyPr>
-            <a:normAutofit/>
-          </a:bodyPr>
-          <a:lstStyle/>
-          <a:p>
-            <a:pPr marL="447675" indent="-447675"/>
-            <a:r>
-              <a:rPr lang="de-DE" sz="3200" dirty="0" smtClean="0"/>
-              <a:t>Data Binding und </a:t>
-            </a:r>
-            <a:r>
-              <a:rPr lang="de-DE" sz="3200" dirty="0" err="1" smtClean="0"/>
-              <a:t>Retrofit</a:t>
-            </a:r>
-            <a:endParaRPr lang="de-DE" sz="3200" dirty="0" smtClean="0"/>
-          </a:p>
-          <a:p>
-            <a:pPr marL="447675" indent="-447675">
-              <a:buNone/>
-            </a:pPr>
-            <a:endParaRPr lang="de-DE" sz="1000" dirty="0" smtClean="0"/>
-          </a:p>
-          <a:p>
-            <a:pPr marL="447675" indent="-447675">
-              <a:buNone/>
-            </a:pPr>
-            <a:endParaRPr lang="de-DE" sz="1000" dirty="0" smtClean="0"/>
-          </a:p>
-          <a:p>
-            <a:pPr marL="447675" indent="-447675"/>
-            <a:r>
-              <a:rPr lang="de-DE" sz="3200" dirty="0" smtClean="0"/>
-              <a:t>Keine testgesteuerte Programmierung</a:t>
-            </a:r>
-            <a:endParaRPr lang="de-DE" sz="3200" dirty="0" smtClean="0"/>
-          </a:p>
-          <a:p>
-            <a:pPr marL="447675" indent="-447675">
-              <a:buNone/>
-            </a:pPr>
-            <a:endParaRPr lang="de-DE" sz="1000" dirty="0" smtClean="0"/>
-          </a:p>
-          <a:p>
-            <a:pPr marL="447675" indent="-447675">
-              <a:buNone/>
-            </a:pPr>
-            <a:endParaRPr lang="de-DE" sz="1000" dirty="0" smtClean="0"/>
-          </a:p>
-          <a:p>
-            <a:pPr marL="447675" indent="-447675"/>
-            <a:r>
-              <a:rPr lang="de-DE" sz="3200" dirty="0" smtClean="0"/>
-              <a:t>Wenig Beispiele im Internet, vieles veraltet</a:t>
-            </a:r>
-            <a:endParaRPr lang="de-DE" sz="3200" dirty="0" smtClean="0"/>
-          </a:p>
-          <a:p>
-            <a:pPr marL="447675" indent="-447675">
-              <a:buNone/>
-            </a:pPr>
-            <a:endParaRPr lang="de-DE" sz="1000" dirty="0" smtClean="0"/>
-          </a:p>
-          <a:p>
-            <a:pPr marL="0" indent="0">
-              <a:buNone/>
-            </a:pPr>
-            <a:r>
-              <a:rPr lang="de-DE" sz="3200" dirty="0" smtClean="0"/>
-              <a:t>	➜</a:t>
-            </a:r>
-            <a:r>
-              <a:rPr lang="de-DE" sz="3200" dirty="0" smtClean="0"/>
-              <a:t> viel manuell getestet </a:t>
-            </a:r>
-            <a:endParaRPr lang="de-DE" sz="3200" dirty="0"/>
-          </a:p>
-        </p:txBody>
-      </p:sp>
+            <a:off x="179513" y="2132856"/>
+            <a:ext cx="8496944" cy="1478252"/>
+          </a:xfrm>
+          <a:prstGeom prst="rect">
+            <a:avLst/>
+          </a:prstGeom>
+        </p:spPr>
+      </p:pic>
     </p:spTree>
     <p:extLst>
       <p:ext uri="{BB962C8B-B14F-4D97-AF65-F5344CB8AC3E}">
-        <p14:creationId xmlns:p14="http://schemas.microsoft.com/office/powerpoint/2010/main" val="2064643617"/>
+        <p14:creationId xmlns:p14="http://schemas.microsoft.com/office/powerpoint/2010/main" val="1507476295"/>
       </p:ext>
     </p:extLst>
   </p:cSld>
   <p:clrMapOvr>
     <a:masterClrMapping/>
   </p:clrMapOvr>
-  <p:timing>
-    <p:tnLst>
-      <p:par>
-        <p:cTn id="1" dur="indefinite" restart="never" nodeType="tmRoot"/>
-      </p:par>
-    </p:tnLst>
-  </p:timing>
 </p:sld>
 </file>
 
@@ -6264,10 +9639,9 @@
           <a:lstStyle/>
           <a:p>
             <a:r>
-              <a:rPr lang="de-DE" sz="4000" dirty="0" smtClean="0"/>
+              <a:rPr lang="de-DE" sz="4000" dirty="0"/>
               <a:t>Nutzerstudie</a:t>
             </a:r>
-            <a:endParaRPr lang="de-DE" sz="4000" dirty="0"/>
           </a:p>
         </p:txBody>
       </p:sp>
@@ -6295,49 +9669,48 @@
           <a:p>
             <a:pPr marL="447675" indent="-447675"/>
             <a:r>
-              <a:rPr lang="de-DE" sz="3200" dirty="0" smtClean="0"/>
-              <a:t>x</a:t>
+              <a:rPr lang="de-DE" sz="3200" dirty="0"/>
+              <a:t>Live-Test von Bekannten und Verwandten</a:t>
             </a:r>
           </a:p>
           <a:p>
             <a:pPr marL="447675" indent="-447675">
               <a:buNone/>
             </a:pPr>
-            <a:endParaRPr lang="de-DE" sz="1000" dirty="0" smtClean="0"/>
+            <a:endParaRPr lang="de-DE" sz="1000" dirty="0"/>
           </a:p>
           <a:p>
             <a:pPr marL="447675" indent="-447675"/>
             <a:r>
-              <a:rPr lang="de-DE" sz="3200" dirty="0" smtClean="0"/>
-              <a:t>x</a:t>
+              <a:rPr lang="de-DE" sz="3200" dirty="0"/>
+              <a:t>Fragebogen</a:t>
             </a:r>
           </a:p>
           <a:p>
             <a:pPr marL="447675" indent="-447675">
               <a:buNone/>
             </a:pPr>
-            <a:endParaRPr lang="de-DE" sz="1000" dirty="0" smtClean="0"/>
+            <a:endParaRPr lang="de-DE" sz="1000" dirty="0"/>
           </a:p>
           <a:p>
             <a:pPr marL="447675" indent="-447675"/>
             <a:r>
-              <a:rPr lang="de-DE" sz="3200" dirty="0" smtClean="0"/>
-              <a:t>x</a:t>
+              <a:rPr lang="de-DE" sz="3200" dirty="0"/>
+              <a:t>Feedback</a:t>
             </a:r>
           </a:p>
           <a:p>
             <a:pPr marL="447675" indent="-447675">
               <a:buNone/>
             </a:pPr>
-            <a:endParaRPr lang="de-DE" sz="1000" dirty="0" smtClean="0"/>
+            <a:endParaRPr lang="de-DE" sz="1000" dirty="0"/>
           </a:p>
           <a:p>
             <a:pPr marL="447675" indent="-447675"/>
             <a:r>
-              <a:rPr lang="de-DE" sz="3200" dirty="0" smtClean="0"/>
-              <a:t>x</a:t>
-            </a:r>
-            <a:endParaRPr lang="de-DE" sz="3200" dirty="0"/>
+              <a:rPr lang="de-DE" sz="3200" dirty="0"/>
+              <a:t>Fazit</a:t>
+            </a:r>
           </a:p>
         </p:txBody>
       </p:sp>
@@ -6351,13 +9724,6 @@
   <p:clrMapOvr>
     <a:masterClrMapping/>
   </p:clrMapOvr>
-  <p:timing>
-    <p:tnLst>
-      <p:par>
-        <p:cTn id="1" dur="indefinite" restart="never" nodeType="tmRoot"/>
-      </p:par>
-    </p:tnLst>
-  </p:timing>
 </p:sld>
 </file>
 

--- a/documentation/Qualitätssicherung/Qualitätssicherung_Präsentation.pptx
+++ b/documentation/Qualitätssicherung/Qualitätssicherung_Präsentation.pptx
@@ -7,12 +7,12 @@
   <p:sldIdLst>
     <p:sldId id="256" r:id="rId2"/>
     <p:sldId id="257" r:id="rId3"/>
-    <p:sldId id="265" r:id="rId4"/>
-    <p:sldId id="267" r:id="rId5"/>
-    <p:sldId id="266" r:id="rId6"/>
-    <p:sldId id="269" r:id="rId7"/>
-    <p:sldId id="270" r:id="rId8"/>
-    <p:sldId id="271" r:id="rId9"/>
+    <p:sldId id="267" r:id="rId4"/>
+    <p:sldId id="265" r:id="rId5"/>
+    <p:sldId id="278" r:id="rId6"/>
+    <p:sldId id="279" r:id="rId7"/>
+    <p:sldId id="280" r:id="rId8"/>
+    <p:sldId id="269" r:id="rId9"/>
     <p:sldId id="268" r:id="rId10"/>
     <p:sldId id="273" r:id="rId11"/>
     <p:sldId id="274" r:id="rId12"/>
@@ -8969,14 +8969,14 @@
           <a:p>
             <a:r>
               <a:rPr lang="de-DE" sz="4000" dirty="0"/>
-              <a:t>Testarten</a:t>
-            </a:r>
-          </a:p>
-        </p:txBody>
-      </p:sp>
-      <p:sp>
-        <p:nvSpPr>
-          <p:cNvPr id="5" name="Inhaltsplatzhalter 2"/>
+              <a:t>Probleme beim Testen</a:t>
+            </a:r>
+          </a:p>
+        </p:txBody>
+      </p:sp>
+      <p:sp>
+        <p:nvSpPr>
+          <p:cNvPr id="3" name="Inhaltsplatzhalter 2"/>
           <p:cNvSpPr>
             <a:spLocks noGrp="1"/>
           </p:cNvSpPr>
@@ -8986,8 +8986,8 @@
         </p:nvSpPr>
         <p:spPr>
           <a:xfrm>
-            <a:off x="457200" y="1600200"/>
-            <a:ext cx="7467600" cy="4900634"/>
+            <a:off x="457200" y="1772816"/>
+            <a:ext cx="7467600" cy="4320480"/>
           </a:xfrm>
         </p:spPr>
         <p:txBody>
@@ -8999,8 +8999,13 @@
             <a:pPr marL="447675" indent="-447675"/>
             <a:r>
               <a:rPr lang="de-DE" sz="3200" dirty="0"/>
-              <a:t>Unit Tests</a:t>
-            </a:r>
+              <a:t>Data Binding und </a:t>
+            </a:r>
+            <a:r>
+              <a:rPr lang="de-DE" sz="3200" dirty="0" err="1"/>
+              <a:t>Retrofit</a:t>
+            </a:r>
+            <a:endParaRPr lang="de-DE" sz="3200" dirty="0"/>
           </a:p>
           <a:p>
             <a:pPr marL="447675" indent="-447675">
@@ -9009,28 +9014,6 @@
             <a:endParaRPr lang="de-DE" sz="1000" dirty="0"/>
           </a:p>
           <a:p>
-            <a:pPr marL="447675" indent="-447675"/>
-            <a:r>
-              <a:rPr lang="de-DE" sz="3200" dirty="0"/>
-              <a:t>UI-Tests</a:t>
-            </a:r>
-          </a:p>
-          <a:p>
-            <a:pPr marL="813435" lvl="1" indent="-447675"/>
-            <a:r>
-              <a:rPr lang="de-DE" sz="2900" dirty="0"/>
-              <a:t>Espresso</a:t>
-            </a:r>
-          </a:p>
-          <a:p>
-            <a:pPr marL="813435" lvl="1" indent="-447675"/>
-            <a:r>
-              <a:rPr lang="de-DE" sz="2900" dirty="0" err="1"/>
-              <a:t>Viewwechsel</a:t>
-            </a:r>
-            <a:endParaRPr lang="de-DE" sz="2900" dirty="0"/>
-          </a:p>
-          <a:p>
             <a:pPr marL="447675" indent="-447675">
               <a:buNone/>
             </a:pPr>
@@ -9040,21 +9023,7 @@
             <a:pPr marL="447675" indent="-447675"/>
             <a:r>
               <a:rPr lang="de-DE" sz="3200" dirty="0"/>
-              <a:t>Manuelle Tests </a:t>
-            </a:r>
-          </a:p>
-          <a:p>
-            <a:pPr marL="813435" lvl="1" indent="-447675"/>
-            <a:r>
-              <a:rPr lang="de-DE" sz="2900" dirty="0"/>
-              <a:t>Testszenarien</a:t>
-            </a:r>
-          </a:p>
-          <a:p>
-            <a:pPr marL="813435" lvl="1" indent="-447675"/>
-            <a:r>
-              <a:rPr lang="de-DE" sz="2900" dirty="0"/>
-              <a:t>Beim Implementieren</a:t>
+              <a:t>Keine testgesteuerte Programmierung</a:t>
             </a:r>
           </a:p>
           <a:p>
@@ -9063,12 +9032,40 @@
             </a:pPr>
             <a:endParaRPr lang="de-DE" sz="1000" dirty="0"/>
           </a:p>
+          <a:p>
+            <a:pPr marL="447675" indent="-447675">
+              <a:buNone/>
+            </a:pPr>
+            <a:endParaRPr lang="de-DE" sz="1000" dirty="0"/>
+          </a:p>
+          <a:p>
+            <a:pPr marL="447675" indent="-447675"/>
+            <a:r>
+              <a:rPr lang="de-DE" sz="3200" dirty="0"/>
+              <a:t>Wenig Beispiele im Internet, vieles veraltet</a:t>
+            </a:r>
+          </a:p>
+          <a:p>
+            <a:pPr marL="447675" indent="-447675">
+              <a:buNone/>
+            </a:pPr>
+            <a:endParaRPr lang="de-DE" sz="1000" dirty="0"/>
+          </a:p>
+          <a:p>
+            <a:pPr marL="0" indent="0">
+              <a:buNone/>
+            </a:pPr>
+            <a:r>
+              <a:rPr lang="de-DE" sz="3200" dirty="0"/>
+              <a:t>	➜ viel manuell getestet </a:t>
+            </a:r>
+          </a:p>
         </p:txBody>
       </p:sp>
     </p:spTree>
     <p:extLst>
       <p:ext uri="{BB962C8B-B14F-4D97-AF65-F5344CB8AC3E}">
-        <p14:creationId xmlns:p14="http://schemas.microsoft.com/office/powerpoint/2010/main" val="1932701291"/>
+        <p14:creationId xmlns:p14="http://schemas.microsoft.com/office/powerpoint/2010/main" val="2686100215"/>
       </p:ext>
     </p:extLst>
   </p:cSld>
@@ -9114,14 +9111,14 @@
           <a:p>
             <a:r>
               <a:rPr lang="de-DE" sz="4000" dirty="0"/>
-              <a:t>Probleme beim Testen</a:t>
-            </a:r>
-          </a:p>
-        </p:txBody>
-      </p:sp>
-      <p:sp>
-        <p:nvSpPr>
-          <p:cNvPr id="3" name="Inhaltsplatzhalter 2"/>
+              <a:t>Testarten</a:t>
+            </a:r>
+          </a:p>
+        </p:txBody>
+      </p:sp>
+      <p:sp>
+        <p:nvSpPr>
+          <p:cNvPr id="5" name="Inhaltsplatzhalter 2"/>
           <p:cNvSpPr>
             <a:spLocks noGrp="1"/>
           </p:cNvSpPr>
@@ -9131,8 +9128,8 @@
         </p:nvSpPr>
         <p:spPr>
           <a:xfrm>
-            <a:off x="457200" y="1772816"/>
-            <a:ext cx="7467600" cy="4320480"/>
+            <a:off x="457200" y="1600200"/>
+            <a:ext cx="7467600" cy="4900634"/>
           </a:xfrm>
         </p:spPr>
         <p:txBody>
@@ -9144,13 +9141,8 @@
             <a:pPr marL="447675" indent="-447675"/>
             <a:r>
               <a:rPr lang="de-DE" sz="3200" dirty="0"/>
-              <a:t>Data Binding und </a:t>
-            </a:r>
-            <a:r>
-              <a:rPr lang="de-DE" sz="3200" dirty="0" err="1"/>
-              <a:t>Retrofit</a:t>
-            </a:r>
-            <a:endParaRPr lang="de-DE" sz="3200" dirty="0"/>
+              <a:t>Unit Tests</a:t>
+            </a:r>
           </a:p>
           <a:p>
             <a:pPr marL="447675" indent="-447675">
@@ -9159,6 +9151,28 @@
             <a:endParaRPr lang="de-DE" sz="1000" dirty="0"/>
           </a:p>
           <a:p>
+            <a:pPr marL="447675" indent="-447675"/>
+            <a:r>
+              <a:rPr lang="de-DE" sz="3200" dirty="0"/>
+              <a:t>UI-Tests</a:t>
+            </a:r>
+          </a:p>
+          <a:p>
+            <a:pPr marL="813435" lvl="1" indent="-447675"/>
+            <a:r>
+              <a:rPr lang="de-DE" sz="2900" dirty="0"/>
+              <a:t>Espresso</a:t>
+            </a:r>
+          </a:p>
+          <a:p>
+            <a:pPr marL="813435" lvl="1" indent="-447675"/>
+            <a:r>
+              <a:rPr lang="de-DE" sz="2900" dirty="0" err="1"/>
+              <a:t>Viewwechsel</a:t>
+            </a:r>
+            <a:endParaRPr lang="de-DE" sz="2900" dirty="0"/>
+          </a:p>
+          <a:p>
             <a:pPr marL="447675" indent="-447675">
               <a:buNone/>
             </a:pPr>
@@ -9168,7 +9182,21 @@
             <a:pPr marL="447675" indent="-447675"/>
             <a:r>
               <a:rPr lang="de-DE" sz="3200" dirty="0"/>
-              <a:t>Keine testgesteuerte Programmierung</a:t>
+              <a:t>Manuelle Tests </a:t>
+            </a:r>
+          </a:p>
+          <a:p>
+            <a:pPr marL="813435" lvl="1" indent="-447675"/>
+            <a:r>
+              <a:rPr lang="de-DE" sz="2900" dirty="0"/>
+              <a:t>Testszenarien</a:t>
+            </a:r>
+          </a:p>
+          <a:p>
+            <a:pPr marL="813435" lvl="1" indent="-447675"/>
+            <a:r>
+              <a:rPr lang="de-DE" sz="2900" dirty="0"/>
+              <a:t>Beim Implementieren</a:t>
             </a:r>
           </a:p>
           <a:p>
@@ -9177,40 +9205,12 @@
             </a:pPr>
             <a:endParaRPr lang="de-DE" sz="1000" dirty="0"/>
           </a:p>
-          <a:p>
-            <a:pPr marL="447675" indent="-447675">
-              <a:buNone/>
-            </a:pPr>
-            <a:endParaRPr lang="de-DE" sz="1000" dirty="0"/>
-          </a:p>
-          <a:p>
-            <a:pPr marL="447675" indent="-447675"/>
-            <a:r>
-              <a:rPr lang="de-DE" sz="3200" dirty="0"/>
-              <a:t>Wenig Beispiele im Internet, vieles veraltet</a:t>
-            </a:r>
-          </a:p>
-          <a:p>
-            <a:pPr marL="447675" indent="-447675">
-              <a:buNone/>
-            </a:pPr>
-            <a:endParaRPr lang="de-DE" sz="1000" dirty="0"/>
-          </a:p>
-          <a:p>
-            <a:pPr marL="0" indent="0">
-              <a:buNone/>
-            </a:pPr>
-            <a:r>
-              <a:rPr lang="de-DE" sz="3200" dirty="0"/>
-              <a:t>	➜ viel manuell getestet </a:t>
-            </a:r>
-          </a:p>
         </p:txBody>
       </p:sp>
     </p:spTree>
     <p:extLst>
       <p:ext uri="{BB962C8B-B14F-4D97-AF65-F5344CB8AC3E}">
-        <p14:creationId xmlns:p14="http://schemas.microsoft.com/office/powerpoint/2010/main" val="2686100215"/>
+        <p14:creationId xmlns:p14="http://schemas.microsoft.com/office/powerpoint/2010/main" val="1932701291"/>
       </p:ext>
     </p:extLst>
   </p:cSld>
@@ -9256,63 +9256,96 @@
           <a:p>
             <a:r>
               <a:rPr lang="de-DE" sz="4000" dirty="0"/>
-              <a:t>Wie und was wurde getestet?</a:t>
-            </a:r>
-          </a:p>
-        </p:txBody>
-      </p:sp>
-      <p:pic>
-        <p:nvPicPr>
-          <p:cNvPr id="5" name="Bild 4"/>
-          <p:cNvPicPr>
-            <a:picLocks noChangeAspect="1"/>
-          </p:cNvPicPr>
-          <p:nvPr/>
-        </p:nvPicPr>
-        <p:blipFill>
-          <a:blip r:embed="rId2"/>
-          <a:stretch>
-            <a:fillRect/>
-          </a:stretch>
-        </p:blipFill>
+              <a:t>Manuelle Tests</a:t>
+            </a:r>
+          </a:p>
+        </p:txBody>
+      </p:sp>
+      <p:sp>
+        <p:nvSpPr>
+          <p:cNvPr id="5" name="Inhaltsplatzhalter 2"/>
+          <p:cNvSpPr>
+            <a:spLocks noGrp="1"/>
+          </p:cNvSpPr>
+          <p:nvPr>
+            <p:ph sz="quarter" idx="1"/>
+          </p:nvPr>
+        </p:nvSpPr>
         <p:spPr>
           <a:xfrm>
-            <a:off x="437590" y="1268760"/>
-            <a:ext cx="7789639" cy="2736304"/>
-          </a:xfrm>
-          <a:prstGeom prst="rect">
-            <a:avLst/>
-          </a:prstGeom>
-        </p:spPr>
-      </p:pic>
-      <p:pic>
-        <p:nvPicPr>
-          <p:cNvPr id="6" name="Bild 5"/>
-          <p:cNvPicPr>
-            <a:picLocks noChangeAspect="1"/>
-          </p:cNvPicPr>
-          <p:nvPr/>
-        </p:nvPicPr>
-        <p:blipFill>
-          <a:blip r:embed="rId3"/>
-          <a:stretch>
-            <a:fillRect/>
-          </a:stretch>
-        </p:blipFill>
-        <p:spPr>
-          <a:xfrm>
-            <a:off x="457200" y="4005064"/>
-            <a:ext cx="8208912" cy="1751692"/>
-          </a:xfrm>
-          <a:prstGeom prst="rect">
-            <a:avLst/>
-          </a:prstGeom>
-        </p:spPr>
-      </p:pic>
+            <a:off x="457200" y="1600200"/>
+            <a:ext cx="7467600" cy="4900634"/>
+          </a:xfrm>
+        </p:spPr>
+        <p:txBody>
+          <a:bodyPr>
+            <a:normAutofit/>
+          </a:bodyPr>
+          <a:lstStyle/>
+          <a:p>
+            <a:pPr marL="447675" indent="-447675"/>
+            <a:r>
+              <a:rPr lang="de-DE" sz="3200" dirty="0"/>
+              <a:t>Implementierungsphase</a:t>
+            </a:r>
+          </a:p>
+          <a:p>
+            <a:pPr marL="813435" lvl="1" indent="-447675"/>
+            <a:r>
+              <a:rPr lang="de-DE" sz="2900" dirty="0"/>
+              <a:t>„Programmiere solange bis es funktioniert“</a:t>
+            </a:r>
+          </a:p>
+          <a:p>
+            <a:pPr marL="447675" indent="-447675">
+              <a:buNone/>
+            </a:pPr>
+            <a:endParaRPr lang="de-DE" sz="1000" dirty="0"/>
+          </a:p>
+          <a:p>
+            <a:pPr marL="447675" indent="-447675"/>
+            <a:r>
+              <a:rPr lang="de-DE" sz="3200" dirty="0"/>
+              <a:t>Qualitätssicherungsphase</a:t>
+            </a:r>
+          </a:p>
+          <a:p>
+            <a:pPr marL="813435" lvl="1" indent="-447675"/>
+            <a:r>
+              <a:rPr lang="de-DE" sz="2900" dirty="0"/>
+              <a:t>Fokus </a:t>
+            </a:r>
+            <a:r>
+              <a:rPr lang="de-DE" sz="2900" dirty="0" err="1"/>
+              <a:t>Testcode</a:t>
+            </a:r>
+            <a:endParaRPr lang="de-DE" sz="2900" dirty="0"/>
+          </a:p>
+          <a:p>
+            <a:pPr marL="813435" lvl="1" indent="-447675"/>
+            <a:r>
+              <a:rPr lang="de-DE" sz="2900" dirty="0"/>
+              <a:t>Testfälle und Szenarien aus dem Pflichtenheft </a:t>
+            </a:r>
+          </a:p>
+          <a:p>
+            <a:pPr marL="365760" lvl="1" indent="0">
+              <a:buNone/>
+            </a:pPr>
+            <a:endParaRPr lang="de-DE" sz="2900" dirty="0"/>
+          </a:p>
+          <a:p>
+            <a:pPr marL="447675" indent="-447675">
+              <a:buNone/>
+            </a:pPr>
+            <a:endParaRPr lang="de-DE" sz="1000" dirty="0"/>
+          </a:p>
+        </p:txBody>
+      </p:sp>
     </p:spTree>
     <p:extLst>
       <p:ext uri="{BB962C8B-B14F-4D97-AF65-F5344CB8AC3E}">
-        <p14:creationId xmlns:p14="http://schemas.microsoft.com/office/powerpoint/2010/main" val="1697172951"/>
+        <p14:creationId xmlns:p14="http://schemas.microsoft.com/office/powerpoint/2010/main" val="1665106281"/>
       </p:ext>
     </p:extLst>
   </p:cSld>
@@ -9358,39 +9391,49 @@
           <a:p>
             <a:r>
               <a:rPr lang="de-DE" sz="4000" dirty="0"/>
-              <a:t>Wie und was wurde getestet?</a:t>
+              <a:t>Manuelle Tests</a:t>
             </a:r>
           </a:p>
         </p:txBody>
       </p:sp>
       <p:pic>
         <p:nvPicPr>
-          <p:cNvPr id="3" name="Bild 2"/>
+          <p:cNvPr id="17" name="Inhaltsplatzhalter 16">
+            <a:extLst>
+              <a:ext uri="{FF2B5EF4-FFF2-40B4-BE49-F238E27FC236}">
+                <a16:creationId xmlns:a16="http://schemas.microsoft.com/office/drawing/2014/main" id="{F51C3748-8216-4304-9797-7981B5C8D243}"/>
+              </a:ext>
+            </a:extLst>
+          </p:cNvPr>
           <p:cNvPicPr>
-            <a:picLocks noChangeAspect="1"/>
+            <a:picLocks noGrp="1" noChangeAspect="1"/>
           </p:cNvPicPr>
-          <p:nvPr/>
+          <p:nvPr>
+            <p:ph sz="quarter" idx="1"/>
+          </p:nvPr>
         </p:nvPicPr>
-        <p:blipFill>
-          <a:blip r:embed="rId2"/>
-          <a:stretch>
-            <a:fillRect/>
-          </a:stretch>
+        <p:blipFill rotWithShape="1">
+          <a:blip r:embed="rId2">
+            <a:extLst>
+              <a:ext uri="{28A0092B-C50C-407E-A947-70E740481C1C}">
+                <a14:useLocalDpi xmlns:a14="http://schemas.microsoft.com/office/drawing/2010/main" val="0"/>
+              </a:ext>
+            </a:extLst>
+          </a:blip>
+          <a:srcRect l="1932" t="33722" r="25844" b="8193"/>
+          <a:stretch/>
         </p:blipFill>
         <p:spPr>
           <a:xfrm>
-            <a:off x="467645" y="1556792"/>
-            <a:ext cx="7748860" cy="3830774"/>
-          </a:xfrm>
-          <a:prstGeom prst="rect">
-            <a:avLst/>
-          </a:prstGeom>
+            <a:off x="393231" y="1700808"/>
+            <a:ext cx="7707162" cy="3320219"/>
+          </a:xfrm>
         </p:spPr>
       </p:pic>
     </p:spTree>
     <p:extLst>
       <p:ext uri="{BB962C8B-B14F-4D97-AF65-F5344CB8AC3E}">
-        <p14:creationId xmlns:p14="http://schemas.microsoft.com/office/powerpoint/2010/main" val="1416085225"/>
+        <p14:creationId xmlns:p14="http://schemas.microsoft.com/office/powerpoint/2010/main" val="76669428"/>
       </p:ext>
     </p:extLst>
   </p:cSld>
@@ -9436,87 +9479,141 @@
           <a:p>
             <a:r>
               <a:rPr lang="de-DE" sz="4000" dirty="0"/>
-              <a:t>Wie und was wurde getestet?</a:t>
-            </a:r>
-          </a:p>
-        </p:txBody>
-      </p:sp>
-      <p:pic>
-        <p:nvPicPr>
-          <p:cNvPr id="4" name="Bild 3"/>
-          <p:cNvPicPr>
-            <a:picLocks noChangeAspect="1"/>
-          </p:cNvPicPr>
-          <p:nvPr/>
-        </p:nvPicPr>
-        <p:blipFill>
-          <a:blip r:embed="rId2"/>
-          <a:stretch>
-            <a:fillRect/>
-          </a:stretch>
-        </p:blipFill>
+              <a:t>Manuelle Tests</a:t>
+            </a:r>
+          </a:p>
+        </p:txBody>
+      </p:sp>
+      <p:sp>
+        <p:nvSpPr>
+          <p:cNvPr id="5" name="Inhaltsplatzhalter 2"/>
+          <p:cNvSpPr>
+            <a:spLocks noGrp="1"/>
+          </p:cNvSpPr>
+          <p:nvPr>
+            <p:ph sz="quarter" idx="1"/>
+          </p:nvPr>
+        </p:nvSpPr>
         <p:spPr>
           <a:xfrm>
-            <a:off x="323528" y="1417638"/>
-            <a:ext cx="8424936" cy="1911540"/>
-          </a:xfrm>
-          <a:prstGeom prst="rect">
-            <a:avLst/>
-          </a:prstGeom>
-        </p:spPr>
-      </p:pic>
-      <p:pic>
-        <p:nvPicPr>
-          <p:cNvPr id="5" name="Bild 4"/>
-          <p:cNvPicPr>
-            <a:picLocks noChangeAspect="1"/>
-          </p:cNvPicPr>
-          <p:nvPr/>
-        </p:nvPicPr>
-        <p:blipFill>
-          <a:blip r:embed="rId3"/>
-          <a:stretch>
-            <a:fillRect/>
-          </a:stretch>
-        </p:blipFill>
-        <p:spPr>
-          <a:xfrm>
-            <a:off x="323528" y="3212976"/>
-            <a:ext cx="8378533" cy="1584176"/>
-          </a:xfrm>
-          <a:prstGeom prst="rect">
-            <a:avLst/>
-          </a:prstGeom>
-        </p:spPr>
-      </p:pic>
-      <p:pic>
-        <p:nvPicPr>
-          <p:cNvPr id="6" name="Bild 5"/>
-          <p:cNvPicPr>
-            <a:picLocks noChangeAspect="1"/>
-          </p:cNvPicPr>
-          <p:nvPr/>
-        </p:nvPicPr>
-        <p:blipFill>
-          <a:blip r:embed="rId4"/>
-          <a:stretch>
-            <a:fillRect/>
-          </a:stretch>
-        </p:blipFill>
-        <p:spPr>
-          <a:xfrm>
-            <a:off x="323528" y="4797152"/>
-            <a:ext cx="8378533" cy="1378746"/>
-          </a:xfrm>
-          <a:prstGeom prst="rect">
-            <a:avLst/>
-          </a:prstGeom>
-        </p:spPr>
-      </p:pic>
+            <a:off x="457200" y="1600200"/>
+            <a:ext cx="7467600" cy="4900634"/>
+          </a:xfrm>
+        </p:spPr>
+        <p:txBody>
+          <a:bodyPr>
+            <a:normAutofit fontScale="92500" lnSpcReduction="10000"/>
+          </a:bodyPr>
+          <a:lstStyle/>
+          <a:p>
+            <a:pPr marL="447675" indent="-447675"/>
+            <a:r>
+              <a:rPr lang="de-DE" sz="3200" dirty="0"/>
+              <a:t>Erneutes Öffnen der App</a:t>
+            </a:r>
+          </a:p>
+          <a:p>
+            <a:pPr marL="0" indent="0">
+              <a:buNone/>
+            </a:pPr>
+            <a:endParaRPr lang="de-DE" sz="3200" dirty="0"/>
+          </a:p>
+          <a:p>
+            <a:pPr marL="447675" indent="-447675"/>
+            <a:r>
+              <a:rPr lang="de-DE" sz="3200" dirty="0"/>
+              <a:t>Erstellen einer </a:t>
+            </a:r>
+            <a:r>
+              <a:rPr lang="de-DE" sz="3200" dirty="0" err="1"/>
+              <a:t>CoolNote</a:t>
+            </a:r>
+            <a:endParaRPr lang="de-DE" sz="3200" dirty="0"/>
+          </a:p>
+          <a:p>
+            <a:pPr lvl="1"/>
+            <a:r>
+              <a:rPr lang="de-DE" sz="2900" dirty="0"/>
+              <a:t>Ohne Betreff</a:t>
+            </a:r>
+          </a:p>
+          <a:p>
+            <a:pPr lvl="1"/>
+            <a:r>
+              <a:rPr lang="de-DE" sz="2900" dirty="0"/>
+              <a:t>Letzter Platz von 2 Personen gleichzeitig</a:t>
+            </a:r>
+          </a:p>
+          <a:p>
+            <a:pPr lvl="1"/>
+            <a:r>
+              <a:rPr lang="de-DE" sz="2900" dirty="0"/>
+              <a:t>Maximale Textlänge</a:t>
+            </a:r>
+          </a:p>
+          <a:p>
+            <a:pPr marL="0" indent="0">
+              <a:buNone/>
+            </a:pPr>
+            <a:endParaRPr lang="de-DE" sz="3200" dirty="0"/>
+          </a:p>
+          <a:p>
+            <a:pPr marL="447675" indent="-447675"/>
+            <a:r>
+              <a:rPr lang="de-DE" sz="3200" dirty="0"/>
+              <a:t>Lesen einer </a:t>
+            </a:r>
+            <a:r>
+              <a:rPr lang="de-DE" sz="3200" dirty="0" err="1"/>
+              <a:t>CoolNote</a:t>
+            </a:r>
+            <a:endParaRPr lang="de-DE" sz="3200" dirty="0"/>
+          </a:p>
+          <a:p>
+            <a:pPr marL="813435" lvl="1" indent="-447675"/>
+            <a:r>
+              <a:rPr lang="de-DE" sz="2900" dirty="0"/>
+              <a:t>„Normal“</a:t>
+            </a:r>
+          </a:p>
+          <a:p>
+            <a:pPr marL="813435" lvl="1" indent="-447675"/>
+            <a:r>
+              <a:rPr lang="de-DE" sz="2900" dirty="0"/>
+              <a:t>Durch </a:t>
+            </a:r>
+            <a:r>
+              <a:rPr lang="de-DE" sz="2900" dirty="0" err="1"/>
+              <a:t>Pushbenachrichtigung</a:t>
+            </a:r>
+            <a:endParaRPr lang="de-DE" sz="2900" dirty="0"/>
+          </a:p>
+          <a:p>
+            <a:pPr marL="447675" indent="-447675"/>
+            <a:endParaRPr lang="de-DE" sz="3200" dirty="0"/>
+          </a:p>
+          <a:p>
+            <a:pPr marL="447675" indent="-447675"/>
+            <a:endParaRPr lang="de-DE" sz="3200" dirty="0"/>
+          </a:p>
+          <a:p>
+            <a:pPr marL="365760" lvl="1" indent="0">
+              <a:buNone/>
+            </a:pPr>
+            <a:endParaRPr lang="de-DE" sz="2900" dirty="0"/>
+          </a:p>
+          <a:p>
+            <a:pPr marL="447675" indent="-447675">
+              <a:buNone/>
+            </a:pPr>
+            <a:endParaRPr lang="de-DE" sz="1000" dirty="0"/>
+          </a:p>
+        </p:txBody>
+      </p:sp>
     </p:spTree>
     <p:extLst>
       <p:ext uri="{BB962C8B-B14F-4D97-AF65-F5344CB8AC3E}">
-        <p14:creationId xmlns:p14="http://schemas.microsoft.com/office/powerpoint/2010/main" val="1482182625"/>
+        <p14:creationId xmlns:p14="http://schemas.microsoft.com/office/powerpoint/2010/main" val="2090238395"/>
       </p:ext>
     </p:extLst>
   </p:cSld>
@@ -9567,34 +9664,140 @@
           </a:p>
         </p:txBody>
       </p:sp>
-      <p:pic>
-        <p:nvPicPr>
-          <p:cNvPr id="7" name="Bild 6"/>
-          <p:cNvPicPr>
-            <a:picLocks noChangeAspect="1"/>
-          </p:cNvPicPr>
-          <p:nvPr/>
-        </p:nvPicPr>
-        <p:blipFill>
-          <a:blip r:embed="rId2"/>
-          <a:stretch>
-            <a:fillRect/>
-          </a:stretch>
-        </p:blipFill>
+      <p:sp>
+        <p:nvSpPr>
+          <p:cNvPr id="4" name="Inhaltsplatzhalter 2">
+            <a:extLst>
+              <a:ext uri="{FF2B5EF4-FFF2-40B4-BE49-F238E27FC236}">
+                <a16:creationId xmlns:a16="http://schemas.microsoft.com/office/drawing/2014/main" id="{D4343EE9-BC88-42A5-8A13-2EA69D307552}"/>
+              </a:ext>
+            </a:extLst>
+          </p:cNvPr>
+          <p:cNvSpPr>
+            <a:spLocks noGrp="1"/>
+          </p:cNvSpPr>
+          <p:nvPr>
+            <p:ph sz="quarter" idx="1"/>
+          </p:nvPr>
+        </p:nvSpPr>
         <p:spPr>
           <a:xfrm>
-            <a:off x="179513" y="2132856"/>
-            <a:ext cx="8496944" cy="1478252"/>
-          </a:xfrm>
-          <a:prstGeom prst="rect">
-            <a:avLst/>
-          </a:prstGeom>
-        </p:spPr>
-      </p:pic>
+            <a:off x="457200" y="1600200"/>
+            <a:ext cx="7467600" cy="4900634"/>
+          </a:xfrm>
+        </p:spPr>
+        <p:txBody>
+          <a:bodyPr>
+            <a:normAutofit/>
+          </a:bodyPr>
+          <a:lstStyle/>
+          <a:p>
+            <a:pPr marL="447675" indent="-447675"/>
+            <a:r>
+              <a:rPr lang="de-DE" sz="3200" dirty="0" err="1"/>
+              <a:t>FrozenNotes</a:t>
+            </a:r>
+            <a:r>
+              <a:rPr lang="de-DE" sz="3200" dirty="0"/>
+              <a:t> bearbeiten</a:t>
+            </a:r>
+          </a:p>
+          <a:p>
+            <a:pPr lvl="1"/>
+            <a:r>
+              <a:rPr lang="de-DE" sz="2900" dirty="0"/>
+              <a:t>„normal“</a:t>
+            </a:r>
+          </a:p>
+          <a:p>
+            <a:pPr lvl="1"/>
+            <a:r>
+              <a:rPr lang="de-DE" sz="2900" dirty="0"/>
+              <a:t>Ohne Betreff</a:t>
+            </a:r>
+          </a:p>
+          <a:p>
+            <a:pPr lvl="1"/>
+            <a:r>
+              <a:rPr lang="de-DE" sz="2900" dirty="0"/>
+              <a:t>gleichzeitig</a:t>
+            </a:r>
+          </a:p>
+          <a:p>
+            <a:pPr marL="0" indent="0">
+              <a:buNone/>
+            </a:pPr>
+            <a:endParaRPr lang="de-DE" sz="3200" dirty="0"/>
+          </a:p>
+          <a:p>
+            <a:pPr marL="447675" indent="-447675"/>
+            <a:r>
+              <a:rPr lang="de-DE" sz="3200" dirty="0"/>
+              <a:t>Löschen einer </a:t>
+            </a:r>
+            <a:r>
+              <a:rPr lang="de-DE" sz="3200" dirty="0" err="1"/>
+              <a:t>CoolNote</a:t>
+            </a:r>
+            <a:endParaRPr lang="de-DE" sz="3200" dirty="0"/>
+          </a:p>
+          <a:p>
+            <a:pPr marL="813435" lvl="1" indent="-447675"/>
+            <a:r>
+              <a:rPr lang="de-DE" sz="2900" dirty="0"/>
+              <a:t>„normal“</a:t>
+            </a:r>
+          </a:p>
+          <a:p>
+            <a:pPr marL="813435" lvl="1" indent="-447675"/>
+            <a:r>
+              <a:rPr lang="de-DE" sz="2900" dirty="0"/>
+              <a:t>Während ein zweiter Nutzer sie liest</a:t>
+            </a:r>
+          </a:p>
+          <a:p>
+            <a:pPr marL="813435" lvl="1" indent="-447675"/>
+            <a:r>
+              <a:rPr lang="de-DE" sz="2900" dirty="0"/>
+              <a:t>Fremde </a:t>
+            </a:r>
+            <a:r>
+              <a:rPr lang="de-DE" sz="2900" dirty="0" err="1"/>
+              <a:t>CoolNotes</a:t>
+            </a:r>
+            <a:r>
+              <a:rPr lang="de-DE" sz="2900" dirty="0"/>
+              <a:t> löschbar?</a:t>
+            </a:r>
+          </a:p>
+          <a:p>
+            <a:pPr marL="813435" lvl="1" indent="-447675"/>
+            <a:endParaRPr lang="de-DE" sz="2900" dirty="0"/>
+          </a:p>
+          <a:p>
+            <a:pPr marL="365760" lvl="1" indent="0">
+              <a:buNone/>
+            </a:pPr>
+            <a:endParaRPr lang="de-DE" sz="2900" dirty="0"/>
+          </a:p>
+          <a:p>
+            <a:pPr marL="365760" lvl="1" indent="0">
+              <a:buNone/>
+            </a:pPr>
+            <a:endParaRPr lang="de-DE" sz="2900" dirty="0"/>
+          </a:p>
+          <a:p>
+            <a:pPr marL="447675" indent="-447675">
+              <a:buNone/>
+            </a:pPr>
+            <a:endParaRPr lang="de-DE" sz="1000" dirty="0"/>
+          </a:p>
+        </p:txBody>
+      </p:sp>
     </p:spTree>
     <p:extLst>
       <p:ext uri="{BB962C8B-B14F-4D97-AF65-F5344CB8AC3E}">
-        <p14:creationId xmlns:p14="http://schemas.microsoft.com/office/powerpoint/2010/main" val="1507476295"/>
+        <p14:creationId xmlns:p14="http://schemas.microsoft.com/office/powerpoint/2010/main" val="1416085225"/>
       </p:ext>
     </p:extLst>
   </p:cSld>
